--- a/PiWi.pptx
+++ b/PiWi.pptx
@@ -288,7 +288,7 @@
           <a:p>
             <a:fld id="{EC01FFC2-8798-D243-B978-07080977D0C0}" type="datetimeFigureOut">
               <a:rPr lang="en-US" smtClean="0"/>
-              <a:t>2/23/17</a:t>
+              <a:t>3/9/17</a:t>
             </a:fld>
             <a:endParaRPr lang="en-US"/>
           </a:p>
@@ -458,7 +458,7 @@
           <a:p>
             <a:fld id="{EC01FFC2-8798-D243-B978-07080977D0C0}" type="datetimeFigureOut">
               <a:rPr lang="en-US" smtClean="0"/>
-              <a:t>2/23/17</a:t>
+              <a:t>3/9/17</a:t>
             </a:fld>
             <a:endParaRPr lang="en-US"/>
           </a:p>
@@ -638,7 +638,7 @@
           <a:p>
             <a:fld id="{EC01FFC2-8798-D243-B978-07080977D0C0}" type="datetimeFigureOut">
               <a:rPr lang="en-US" smtClean="0"/>
-              <a:t>2/23/17</a:t>
+              <a:t>3/9/17</a:t>
             </a:fld>
             <a:endParaRPr lang="en-US"/>
           </a:p>
@@ -808,7 +808,7 @@
           <a:p>
             <a:fld id="{EC01FFC2-8798-D243-B978-07080977D0C0}" type="datetimeFigureOut">
               <a:rPr lang="en-US" smtClean="0"/>
-              <a:t>2/23/17</a:t>
+              <a:t>3/9/17</a:t>
             </a:fld>
             <a:endParaRPr lang="en-US"/>
           </a:p>
@@ -1054,7 +1054,7 @@
           <a:p>
             <a:fld id="{EC01FFC2-8798-D243-B978-07080977D0C0}" type="datetimeFigureOut">
               <a:rPr lang="en-US" smtClean="0"/>
-              <a:t>2/23/17</a:t>
+              <a:t>3/9/17</a:t>
             </a:fld>
             <a:endParaRPr lang="en-US"/>
           </a:p>
@@ -1342,7 +1342,7 @@
           <a:p>
             <a:fld id="{EC01FFC2-8798-D243-B978-07080977D0C0}" type="datetimeFigureOut">
               <a:rPr lang="en-US" smtClean="0"/>
-              <a:t>2/23/17</a:t>
+              <a:t>3/9/17</a:t>
             </a:fld>
             <a:endParaRPr lang="en-US"/>
           </a:p>
@@ -1764,7 +1764,7 @@
           <a:p>
             <a:fld id="{EC01FFC2-8798-D243-B978-07080977D0C0}" type="datetimeFigureOut">
               <a:rPr lang="en-US" smtClean="0"/>
-              <a:t>2/23/17</a:t>
+              <a:t>3/9/17</a:t>
             </a:fld>
             <a:endParaRPr lang="en-US"/>
           </a:p>
@@ -1882,7 +1882,7 @@
           <a:p>
             <a:fld id="{EC01FFC2-8798-D243-B978-07080977D0C0}" type="datetimeFigureOut">
               <a:rPr lang="en-US" smtClean="0"/>
-              <a:t>2/23/17</a:t>
+              <a:t>3/9/17</a:t>
             </a:fld>
             <a:endParaRPr lang="en-US"/>
           </a:p>
@@ -1977,7 +1977,7 @@
           <a:p>
             <a:fld id="{EC01FFC2-8798-D243-B978-07080977D0C0}" type="datetimeFigureOut">
               <a:rPr lang="en-US" smtClean="0"/>
-              <a:t>2/23/17</a:t>
+              <a:t>3/9/17</a:t>
             </a:fld>
             <a:endParaRPr lang="en-US"/>
           </a:p>
@@ -2254,7 +2254,7 @@
           <a:p>
             <a:fld id="{EC01FFC2-8798-D243-B978-07080977D0C0}" type="datetimeFigureOut">
               <a:rPr lang="en-US" smtClean="0"/>
-              <a:t>2/23/17</a:t>
+              <a:t>3/9/17</a:t>
             </a:fld>
             <a:endParaRPr lang="en-US"/>
           </a:p>
@@ -2507,7 +2507,7 @@
           <a:p>
             <a:fld id="{EC01FFC2-8798-D243-B978-07080977D0C0}" type="datetimeFigureOut">
               <a:rPr lang="en-US" smtClean="0"/>
-              <a:t>2/23/17</a:t>
+              <a:t>3/9/17</a:t>
             </a:fld>
             <a:endParaRPr lang="en-US"/>
           </a:p>
@@ -2720,7 +2720,7 @@
           <a:p>
             <a:fld id="{EC01FFC2-8798-D243-B978-07080977D0C0}" type="datetimeFigureOut">
               <a:rPr lang="en-US" smtClean="0"/>
-              <a:t>2/23/17</a:t>
+              <a:t>3/9/17</a:t>
             </a:fld>
             <a:endParaRPr lang="en-US"/>
           </a:p>
@@ -3371,14 +3371,14 @@
           <p:nvPr>
             <p:extLst>
               <p:ext uri="{D42A27DB-BD31-4B8C-83A1-F6EECF244321}">
-                <p14:modId xmlns:p14="http://schemas.microsoft.com/office/powerpoint/2010/main" val="745324474"/>
+                <p14:modId xmlns:p14="http://schemas.microsoft.com/office/powerpoint/2010/main" val="3334295540"/>
               </p:ext>
             </p:extLst>
           </p:nvPr>
         </p:nvGraphicFramePr>
         <p:xfrm>
-          <a:off x="3435319" y="830508"/>
-          <a:ext cx="3610871" cy="457200"/>
+          <a:off x="3353389" y="830508"/>
+          <a:ext cx="3761079" cy="457200"/>
         </p:xfrm>
         <a:graphic>
           <a:graphicData uri="http://schemas.openxmlformats.org/drawingml/2006/table">
@@ -3390,7 +3390,7 @@
                 <a:gridCol w="893444"/>
                 <a:gridCol w="665260"/>
                 <a:gridCol w="710987"/>
-                <a:gridCol w="1341180"/>
+                <a:gridCol w="1491388"/>
               </a:tblGrid>
               <a:tr h="0">
                 <a:tc>
@@ -3626,8 +3626,8 @@
         </p:nvSpPr>
         <p:spPr>
           <a:xfrm>
-            <a:off x="4976710" y="2832295"/>
-            <a:ext cx="1953719" cy="1282152"/>
+            <a:off x="4976711" y="2832295"/>
+            <a:ext cx="2656660" cy="1282152"/>
           </a:xfrm>
           <a:prstGeom prst="roundRect">
             <a:avLst/>
@@ -3714,8 +3714,8 @@
         </p:nvSpPr>
         <p:spPr>
           <a:xfrm>
-            <a:off x="3399542" y="122887"/>
-            <a:ext cx="3755893" cy="571072"/>
+            <a:off x="3303957" y="122887"/>
+            <a:ext cx="3769546" cy="571072"/>
           </a:xfrm>
           <a:prstGeom prst="roundRect">
             <a:avLst/>
@@ -3776,10 +3776,22 @@
               </a:lnSpc>
             </a:pPr>
             <a:r>
-              <a:rPr lang="en-US" sz="2400" dirty="0" smtClean="0"/>
-              <a:t>Pending Scan Array (PSA):</a:t>
-            </a:r>
-            <a:endParaRPr lang="en-US" sz="1600" b="1" dirty="0"/>
+              <a:rPr lang="en-US" sz="2800" dirty="0" smtClean="0"/>
+              <a:t>PSA (</a:t>
+            </a:r>
+            <a:r>
+              <a:rPr lang="en-US" sz="2800" dirty="0"/>
+              <a:t>Pending Scan </a:t>
+            </a:r>
+            <a:r>
+              <a:rPr lang="en-US" sz="2800" dirty="0" smtClean="0"/>
+              <a:t>Array</a:t>
+            </a:r>
+            <a:r>
+              <a:rPr lang="en-US" sz="2800" dirty="0" smtClean="0"/>
+              <a:t>)</a:t>
+            </a:r>
+            <a:endParaRPr lang="en-US" b="1" dirty="0"/>
           </a:p>
         </p:txBody>
       </p:sp>
@@ -3962,7 +3974,7 @@
         </p:nvSpPr>
         <p:spPr>
           <a:xfrm>
-            <a:off x="5234881" y="2940853"/>
+            <a:off x="6026871" y="2940853"/>
             <a:ext cx="1461040" cy="457200"/>
           </a:xfrm>
           <a:prstGeom prst="roundRect">
@@ -4001,7 +4013,7 @@
                   <a:schemeClr val="tx1"/>
                 </a:solidFill>
               </a:rPr>
-              <a:t>kstore</a:t>
+              <a:t>karray</a:t>
             </a:r>
             <a:endParaRPr lang="en-US" sz="3200" dirty="0">
               <a:solidFill>
@@ -4019,7 +4031,7 @@
         </p:nvSpPr>
         <p:spPr>
           <a:xfrm>
-            <a:off x="5234881" y="3550453"/>
+            <a:off x="6026871" y="3550453"/>
             <a:ext cx="1461040" cy="457200"/>
           </a:xfrm>
           <a:prstGeom prst="roundRect">
@@ -4058,7 +4070,7 @@
                   <a:schemeClr val="tx1"/>
                 </a:solidFill>
               </a:rPr>
-              <a:t>vstore</a:t>
+              <a:t>varray</a:t>
             </a:r>
             <a:endParaRPr lang="en-US" sz="3200" dirty="0">
               <a:solidFill>
@@ -4194,8 +4206,8 @@
         </p:nvCxnSpPr>
         <p:spPr>
           <a:xfrm flipV="1">
-            <a:off x="226166" y="4301185"/>
-            <a:ext cx="8567914" cy="40963"/>
+            <a:off x="0" y="4301185"/>
+            <a:ext cx="9144000" cy="40964"/>
           </a:xfrm>
           <a:prstGeom prst="line">
             <a:avLst/>
@@ -4233,7 +4245,7 @@
         </p:nvSpPr>
         <p:spPr>
           <a:xfrm>
-            <a:off x="7731070" y="3738268"/>
+            <a:off x="8154375" y="3738268"/>
             <a:ext cx="995785" cy="1077218"/>
           </a:xfrm>
           <a:prstGeom prst="rect">
@@ -5007,8 +5019,8 @@
         </p:nvSpPr>
         <p:spPr>
           <a:xfrm>
-            <a:off x="7431543" y="445118"/>
-            <a:ext cx="1485438" cy="838403"/>
+            <a:off x="7417887" y="445118"/>
+            <a:ext cx="1603217" cy="838403"/>
           </a:xfrm>
           <a:prstGeom prst="roundRect">
             <a:avLst/>
@@ -5041,18 +5053,237 @@
           <a:p>
             <a:pPr algn="ctr"/>
             <a:r>
-              <a:rPr lang="en-US" sz="2400" dirty="0" smtClean="0">
+              <a:rPr lang="en-US" sz="2800" dirty="0" smtClean="0">
                 <a:solidFill>
                   <a:schemeClr val="tx1"/>
                 </a:solidFill>
               </a:rPr>
               <a:t>Global Version</a:t>
             </a:r>
-            <a:endParaRPr lang="en-US" sz="3200" dirty="0">
+            <a:endParaRPr lang="en-US" sz="3600" dirty="0">
               <a:solidFill>
                 <a:schemeClr val="tx1"/>
               </a:solidFill>
             </a:endParaRPr>
+          </a:p>
+        </p:txBody>
+      </p:sp>
+      <p:graphicFrame>
+        <p:nvGraphicFramePr>
+          <p:cNvPr id="38" name="Table 37"/>
+          <p:cNvGraphicFramePr>
+            <a:graphicFrameLocks noGrp="1"/>
+          </p:cNvGraphicFramePr>
+          <p:nvPr>
+            <p:extLst>
+              <p:ext uri="{D42A27DB-BD31-4B8C-83A1-F6EECF244321}">
+                <p14:modId xmlns:p14="http://schemas.microsoft.com/office/powerpoint/2010/main" val="225066900"/>
+              </p:ext>
+            </p:extLst>
+          </p:nvPr>
+        </p:nvGraphicFramePr>
+        <p:xfrm>
+          <a:off x="5238555" y="3181512"/>
+          <a:ext cx="575079" cy="853451"/>
+        </p:xfrm>
+        <a:graphic>
+          <a:graphicData uri="http://schemas.openxmlformats.org/drawingml/2006/table">
+            <a:tbl>
+              <a:tblPr firstRow="1" bandRow="1">
+                <a:tableStyleId>{2D5ABB26-0587-4C30-8999-92F81FD0307C}</a:tableStyleId>
+              </a:tblPr>
+              <a:tblGrid>
+                <a:gridCol w="575079"/>
+              </a:tblGrid>
+              <a:tr h="276297">
+                <a:tc>
+                  <a:txBody>
+                    <a:bodyPr/>
+                    <a:lstStyle/>
+                    <a:p>
+                      <a:pPr algn="ctr"/>
+                      <a:endParaRPr lang="en-US" sz="1200" b="0" dirty="0"/>
+                    </a:p>
+                  </a:txBody>
+                  <a:tcPr>
+                    <a:lnL w="12700" cap="flat" cmpd="sng" algn="ctr">
+                      <a:solidFill>
+                        <a:scrgbClr r="0" g="0" b="0"/>
+                      </a:solidFill>
+                      <a:prstDash val="solid"/>
+                      <a:round/>
+                      <a:headEnd type="none" w="med" len="med"/>
+                      <a:tailEnd type="none" w="med" len="med"/>
+                    </a:lnL>
+                    <a:lnR w="12700" cap="flat" cmpd="sng" algn="ctr">
+                      <a:solidFill>
+                        <a:scrgbClr r="0" g="0" b="0"/>
+                      </a:solidFill>
+                      <a:prstDash val="solid"/>
+                      <a:round/>
+                      <a:headEnd type="none" w="med" len="med"/>
+                      <a:tailEnd type="none" w="med" len="med"/>
+                    </a:lnR>
+                    <a:lnT w="12700" cap="flat" cmpd="sng" algn="ctr">
+                      <a:solidFill>
+                        <a:scrgbClr r="0" g="0" b="0"/>
+                      </a:solidFill>
+                      <a:prstDash val="solid"/>
+                      <a:round/>
+                      <a:headEnd type="none" w="med" len="med"/>
+                      <a:tailEnd type="none" w="med" len="med"/>
+                    </a:lnT>
+                    <a:lnB w="12700" cap="flat" cmpd="sng" algn="ctr">
+                      <a:solidFill>
+                        <a:scrgbClr r="0" g="0" b="0"/>
+                      </a:solidFill>
+                      <a:prstDash val="solid"/>
+                      <a:round/>
+                      <a:headEnd type="none" w="med" len="med"/>
+                      <a:tailEnd type="none" w="med" len="med"/>
+                    </a:lnB>
+                    <a:solidFill>
+                      <a:srgbClr val="FFFFFF"/>
+                    </a:solidFill>
+                  </a:tcPr>
+                </a:tc>
+              </a:tr>
+              <a:tr h="288577">
+                <a:tc>
+                  <a:txBody>
+                    <a:bodyPr/>
+                    <a:lstStyle/>
+                    <a:p>
+                      <a:pPr algn="ctr"/>
+                      <a:endParaRPr lang="en-US" sz="1200" b="0" dirty="0"/>
+                    </a:p>
+                  </a:txBody>
+                  <a:tcPr>
+                    <a:lnL w="12700" cap="flat" cmpd="sng" algn="ctr">
+                      <a:solidFill>
+                        <a:scrgbClr r="0" g="0" b="0"/>
+                      </a:solidFill>
+                      <a:prstDash val="solid"/>
+                      <a:round/>
+                      <a:headEnd type="none" w="med" len="med"/>
+                      <a:tailEnd type="none" w="med" len="med"/>
+                    </a:lnL>
+                    <a:lnR w="12700" cap="flat" cmpd="sng" algn="ctr">
+                      <a:solidFill>
+                        <a:scrgbClr r="0" g="0" b="0"/>
+                      </a:solidFill>
+                      <a:prstDash val="solid"/>
+                      <a:round/>
+                      <a:headEnd type="none" w="med" len="med"/>
+                      <a:tailEnd type="none" w="med" len="med"/>
+                    </a:lnR>
+                    <a:lnT w="12700" cap="flat" cmpd="sng" algn="ctr">
+                      <a:solidFill>
+                        <a:scrgbClr r="0" g="0" b="0"/>
+                      </a:solidFill>
+                      <a:prstDash val="solid"/>
+                      <a:round/>
+                      <a:headEnd type="none" w="med" len="med"/>
+                      <a:tailEnd type="none" w="med" len="med"/>
+                    </a:lnT>
+                    <a:lnB w="12700" cap="flat" cmpd="sng" algn="ctr">
+                      <a:solidFill>
+                        <a:scrgbClr r="0" g="0" b="0"/>
+                      </a:solidFill>
+                      <a:prstDash val="solid"/>
+                      <a:round/>
+                      <a:headEnd type="none" w="med" len="med"/>
+                      <a:tailEnd type="none" w="med" len="med"/>
+                    </a:lnB>
+                    <a:solidFill>
+                      <a:srgbClr val="FFFFFF"/>
+                    </a:solidFill>
+                  </a:tcPr>
+                </a:tc>
+              </a:tr>
+              <a:tr h="288577">
+                <a:tc>
+                  <a:txBody>
+                    <a:bodyPr/>
+                    <a:lstStyle/>
+                    <a:p>
+                      <a:pPr algn="ctr"/>
+                      <a:endParaRPr lang="en-US" sz="1200" b="0" dirty="0"/>
+                    </a:p>
+                  </a:txBody>
+                  <a:tcPr>
+                    <a:lnL w="12700" cap="flat" cmpd="sng" algn="ctr">
+                      <a:solidFill>
+                        <a:scrgbClr r="0" g="0" b="0"/>
+                      </a:solidFill>
+                      <a:prstDash val="solid"/>
+                      <a:round/>
+                      <a:headEnd type="none" w="med" len="med"/>
+                      <a:tailEnd type="none" w="med" len="med"/>
+                    </a:lnL>
+                    <a:lnR w="12700" cap="flat" cmpd="sng" algn="ctr">
+                      <a:solidFill>
+                        <a:scrgbClr r="0" g="0" b="0"/>
+                      </a:solidFill>
+                      <a:prstDash val="solid"/>
+                      <a:round/>
+                      <a:headEnd type="none" w="med" len="med"/>
+                      <a:tailEnd type="none" w="med" len="med"/>
+                    </a:lnR>
+                    <a:lnT w="12700" cap="flat" cmpd="sng" algn="ctr">
+                      <a:solidFill>
+                        <a:scrgbClr r="0" g="0" b="0"/>
+                      </a:solidFill>
+                      <a:prstDash val="solid"/>
+                      <a:round/>
+                      <a:headEnd type="none" w="med" len="med"/>
+                      <a:tailEnd type="none" w="med" len="med"/>
+                    </a:lnT>
+                    <a:lnB w="12700" cap="flat" cmpd="sng" algn="ctr">
+                      <a:solidFill>
+                        <a:scrgbClr r="0" g="0" b="0"/>
+                      </a:solidFill>
+                      <a:prstDash val="solid"/>
+                      <a:round/>
+                      <a:headEnd type="none" w="med" len="med"/>
+                      <a:tailEnd type="none" w="med" len="med"/>
+                    </a:lnB>
+                    <a:solidFill>
+                      <a:srgbClr val="FFFFFF"/>
+                    </a:solidFill>
+                  </a:tcPr>
+                </a:tc>
+              </a:tr>
+            </a:tbl>
+          </a:graphicData>
+        </a:graphic>
+      </p:graphicFrame>
+      <p:sp>
+        <p:nvSpPr>
+          <p:cNvPr id="2" name="Rectangle 1"/>
+          <p:cNvSpPr/>
+          <p:nvPr/>
+        </p:nvSpPr>
+        <p:spPr>
+          <a:xfrm>
+            <a:off x="5128832" y="2731260"/>
+            <a:ext cx="763425" cy="523220"/>
+          </a:xfrm>
+          <a:prstGeom prst="rect">
+            <a:avLst/>
+          </a:prstGeom>
+        </p:spPr>
+        <p:txBody>
+          <a:bodyPr wrap="none">
+            <a:spAutoFit/>
+          </a:bodyPr>
+          <a:lstStyle/>
+          <a:p>
+            <a:r>
+              <a:rPr lang="en-US" sz="2800" dirty="0" smtClean="0"/>
+              <a:t>PPA</a:t>
+            </a:r>
+            <a:endParaRPr lang="en-US" sz="2800" dirty="0"/>
           </a:p>
         </p:txBody>
       </p:sp>

--- a/PiWi.pptx
+++ b/PiWi.pptx
@@ -7,7 +7,7 @@
   <p:sldIdLst>
     <p:sldId id="256" r:id="rId2"/>
   </p:sldIdLst>
-  <p:sldSz cx="9144000" cy="6858000" type="screen4x3"/>
+  <p:sldSz cx="10058400" cy="6858000"/>
   <p:notesSz cx="6858000" cy="9144000"/>
   <p:defaultTextStyle>
     <a:defPPr>
@@ -136,8 +136,8 @@
         </p:nvSpPr>
         <p:spPr>
           <a:xfrm>
-            <a:off x="685800" y="2130425"/>
-            <a:ext cx="7772400" cy="1470025"/>
+            <a:off x="754380" y="2130428"/>
+            <a:ext cx="8549640" cy="1470025"/>
           </a:xfrm>
         </p:spPr>
         <p:txBody>
@@ -164,8 +164,8 @@
         </p:nvSpPr>
         <p:spPr>
           <a:xfrm>
-            <a:off x="1371600" y="3886200"/>
-            <a:ext cx="6400800" cy="1752600"/>
+            <a:off x="1508760" y="3886200"/>
+            <a:ext cx="7040880" cy="1752600"/>
           </a:xfrm>
         </p:spPr>
         <p:txBody>
@@ -548,8 +548,8 @@
         </p:nvSpPr>
         <p:spPr>
           <a:xfrm>
-            <a:off x="6629400" y="274638"/>
-            <a:ext cx="2057400" cy="5851525"/>
+            <a:off x="7292340" y="274641"/>
+            <a:ext cx="2263140" cy="5851525"/>
           </a:xfrm>
         </p:spPr>
         <p:txBody>
@@ -576,8 +576,8 @@
         </p:nvSpPr>
         <p:spPr>
           <a:xfrm>
-            <a:off x="457200" y="274638"/>
-            <a:ext cx="6019800" cy="5851525"/>
+            <a:off x="502920" y="274641"/>
+            <a:ext cx="6621780" cy="5851525"/>
           </a:xfrm>
         </p:spPr>
         <p:txBody>
@@ -898,8 +898,8 @@
         </p:nvSpPr>
         <p:spPr>
           <a:xfrm>
-            <a:off x="722313" y="4406900"/>
-            <a:ext cx="7772400" cy="1362075"/>
+            <a:off x="794544" y="4406903"/>
+            <a:ext cx="8549640" cy="1362075"/>
           </a:xfrm>
         </p:spPr>
         <p:txBody>
@@ -930,8 +930,8 @@
         </p:nvSpPr>
         <p:spPr>
           <a:xfrm>
-            <a:off x="722313" y="2906713"/>
-            <a:ext cx="7772400" cy="1500187"/>
+            <a:off x="794544" y="2906713"/>
+            <a:ext cx="8549640" cy="1500187"/>
           </a:xfrm>
         </p:spPr>
         <p:txBody>
@@ -1167,8 +1167,8 @@
         </p:nvSpPr>
         <p:spPr>
           <a:xfrm>
-            <a:off x="457200" y="1600200"/>
-            <a:ext cx="4038600" cy="4525963"/>
+            <a:off x="502920" y="1600203"/>
+            <a:ext cx="4442460" cy="4525963"/>
           </a:xfrm>
         </p:spPr>
         <p:txBody>
@@ -1252,8 +1252,8 @@
         </p:nvSpPr>
         <p:spPr>
           <a:xfrm>
-            <a:off x="4648200" y="1600200"/>
-            <a:ext cx="4038600" cy="4525963"/>
+            <a:off x="5113020" y="1600203"/>
+            <a:ext cx="4442460" cy="4525963"/>
           </a:xfrm>
         </p:spPr>
         <p:txBody>
@@ -1459,8 +1459,8 @@
         </p:nvSpPr>
         <p:spPr>
           <a:xfrm>
-            <a:off x="457200" y="1535113"/>
-            <a:ext cx="4040188" cy="639762"/>
+            <a:off x="502921" y="1535113"/>
+            <a:ext cx="4444207" cy="639762"/>
           </a:xfrm>
         </p:spPr>
         <p:txBody>
@@ -1524,8 +1524,8 @@
         </p:nvSpPr>
         <p:spPr>
           <a:xfrm>
-            <a:off x="457200" y="2174875"/>
-            <a:ext cx="4040188" cy="3951288"/>
+            <a:off x="502921" y="2174875"/>
+            <a:ext cx="4444207" cy="3951288"/>
           </a:xfrm>
         </p:spPr>
         <p:txBody>
@@ -1609,8 +1609,8 @@
         </p:nvSpPr>
         <p:spPr>
           <a:xfrm>
-            <a:off x="4645025" y="1535113"/>
-            <a:ext cx="4041775" cy="639762"/>
+            <a:off x="5109529" y="1535113"/>
+            <a:ext cx="4445953" cy="639762"/>
           </a:xfrm>
         </p:spPr>
         <p:txBody>
@@ -1674,8 +1674,8 @@
         </p:nvSpPr>
         <p:spPr>
           <a:xfrm>
-            <a:off x="4645025" y="2174875"/>
-            <a:ext cx="4041775" cy="3951288"/>
+            <a:off x="5109529" y="2174875"/>
+            <a:ext cx="4445953" cy="3951288"/>
           </a:xfrm>
         </p:spPr>
         <p:txBody>
@@ -2067,8 +2067,8 @@
         </p:nvSpPr>
         <p:spPr>
           <a:xfrm>
-            <a:off x="457200" y="273050"/>
-            <a:ext cx="3008313" cy="1162050"/>
+            <a:off x="502922" y="273050"/>
+            <a:ext cx="3309144" cy="1162050"/>
           </a:xfrm>
         </p:spPr>
         <p:txBody>
@@ -2099,8 +2099,8 @@
         </p:nvSpPr>
         <p:spPr>
           <a:xfrm>
-            <a:off x="3575050" y="273050"/>
-            <a:ext cx="5111750" cy="5853113"/>
+            <a:off x="3932555" y="273053"/>
+            <a:ext cx="5622925" cy="5853113"/>
           </a:xfrm>
         </p:spPr>
         <p:txBody>
@@ -2184,8 +2184,8 @@
         </p:nvSpPr>
         <p:spPr>
           <a:xfrm>
-            <a:off x="457200" y="1435100"/>
-            <a:ext cx="3008313" cy="4691063"/>
+            <a:off x="502922" y="1435103"/>
+            <a:ext cx="3309144" cy="4691063"/>
           </a:xfrm>
         </p:spPr>
         <p:txBody>
@@ -2344,8 +2344,8 @@
         </p:nvSpPr>
         <p:spPr>
           <a:xfrm>
-            <a:off x="1792288" y="4800600"/>
-            <a:ext cx="5486400" cy="566738"/>
+            <a:off x="1971517" y="4800600"/>
+            <a:ext cx="6035040" cy="566738"/>
           </a:xfrm>
         </p:spPr>
         <p:txBody>
@@ -2376,8 +2376,8 @@
         </p:nvSpPr>
         <p:spPr>
           <a:xfrm>
-            <a:off x="1792288" y="612775"/>
-            <a:ext cx="5486400" cy="4114800"/>
+            <a:off x="1971517" y="612775"/>
+            <a:ext cx="6035040" cy="4114800"/>
           </a:xfrm>
         </p:spPr>
         <p:txBody>
@@ -2437,8 +2437,8 @@
         </p:nvSpPr>
         <p:spPr>
           <a:xfrm>
-            <a:off x="1792288" y="5367338"/>
-            <a:ext cx="5486400" cy="804862"/>
+            <a:off x="1971517" y="5367338"/>
+            <a:ext cx="6035040" cy="804862"/>
           </a:xfrm>
         </p:spPr>
         <p:txBody>
@@ -2602,8 +2602,8 @@
         </p:nvSpPr>
         <p:spPr>
           <a:xfrm>
-            <a:off x="457200" y="274638"/>
-            <a:ext cx="8229600" cy="1143000"/>
+            <a:off x="502920" y="274638"/>
+            <a:ext cx="9052560" cy="1143000"/>
           </a:xfrm>
           <a:prstGeom prst="rect">
             <a:avLst/>
@@ -2635,8 +2635,8 @@
         </p:nvSpPr>
         <p:spPr>
           <a:xfrm>
-            <a:off x="457200" y="1600200"/>
-            <a:ext cx="8229600" cy="4525963"/>
+            <a:off x="502920" y="1600203"/>
+            <a:ext cx="9052560" cy="4525963"/>
           </a:xfrm>
           <a:prstGeom prst="rect">
             <a:avLst/>
@@ -2697,8 +2697,8 @@
         </p:nvSpPr>
         <p:spPr>
           <a:xfrm>
-            <a:off x="457200" y="6356350"/>
-            <a:ext cx="2133600" cy="365125"/>
+            <a:off x="502920" y="6356353"/>
+            <a:ext cx="2346960" cy="365125"/>
           </a:xfrm>
           <a:prstGeom prst="rect">
             <a:avLst/>
@@ -2738,8 +2738,8 @@
         </p:nvSpPr>
         <p:spPr>
           <a:xfrm>
-            <a:off x="3124200" y="6356350"/>
-            <a:ext cx="2895600" cy="365125"/>
+            <a:off x="3436620" y="6356353"/>
+            <a:ext cx="3185160" cy="365125"/>
           </a:xfrm>
           <a:prstGeom prst="rect">
             <a:avLst/>
@@ -2775,8 +2775,8 @@
         </p:nvSpPr>
         <p:spPr>
           <a:xfrm>
-            <a:off x="6553200" y="6356350"/>
-            <a:ext cx="2133600" cy="365125"/>
+            <a:off x="7208520" y="6356353"/>
+            <a:ext cx="2346960" cy="365125"/>
           </a:xfrm>
           <a:prstGeom prst="rect">
             <a:avLst/>
@@ -3103,8 +3103,8 @@
         </p:nvSpPr>
         <p:spPr>
           <a:xfrm>
-            <a:off x="226166" y="1956601"/>
-            <a:ext cx="1576347" cy="610455"/>
+            <a:off x="248784" y="1956604"/>
+            <a:ext cx="1733982" cy="610455"/>
           </a:xfrm>
           <a:prstGeom prst="roundRect">
             <a:avLst/>
@@ -3160,8 +3160,8 @@
         </p:nvSpPr>
         <p:spPr>
           <a:xfrm>
-            <a:off x="3624423" y="1956601"/>
-            <a:ext cx="1510225" cy="610455"/>
+            <a:off x="3986867" y="1956604"/>
+            <a:ext cx="1661248" cy="610455"/>
           </a:xfrm>
           <a:prstGeom prst="roundRect">
             <a:avLst/>
@@ -3217,8 +3217,8 @@
         </p:nvSpPr>
         <p:spPr>
           <a:xfrm>
-            <a:off x="241105" y="436939"/>
-            <a:ext cx="2727879" cy="884991"/>
+            <a:off x="265217" y="436942"/>
+            <a:ext cx="3000667" cy="884991"/>
           </a:xfrm>
           <a:prstGeom prst="roundRect">
             <a:avLst/>
@@ -3292,8 +3292,8 @@
         </p:nvCxnSpPr>
         <p:spPr>
           <a:xfrm>
-            <a:off x="1802513" y="2261829"/>
-            <a:ext cx="487253" cy="8828"/>
+            <a:off x="1982766" y="2261829"/>
+            <a:ext cx="535978" cy="8828"/>
           </a:xfrm>
           <a:prstGeom prst="straightConnector1">
             <a:avLst/>
@@ -3332,8 +3332,8 @@
         </p:nvCxnSpPr>
         <p:spPr>
           <a:xfrm flipV="1">
-            <a:off x="5134648" y="2258081"/>
-            <a:ext cx="433872" cy="3748"/>
+            <a:off x="5648114" y="2258081"/>
+            <a:ext cx="477259" cy="3748"/>
           </a:xfrm>
           <a:prstGeom prst="straightConnector1">
             <a:avLst/>
@@ -3377,8 +3377,8 @@
           </p:nvPr>
         </p:nvGraphicFramePr>
         <p:xfrm>
-          <a:off x="3353389" y="830508"/>
-          <a:ext cx="3761079" cy="457200"/>
+          <a:off x="3688730" y="830508"/>
+          <a:ext cx="4137187" cy="457200"/>
         </p:xfrm>
         <a:graphic>
           <a:graphicData uri="http://schemas.openxmlformats.org/drawingml/2006/table">
@@ -3387,10 +3387,10 @@
                 <a:tableStyleId>{2D5ABB26-0587-4C30-8999-92F81FD0307C}</a:tableStyleId>
               </a:tblPr>
               <a:tblGrid>
-                <a:gridCol w="893444"/>
-                <a:gridCol w="665260"/>
-                <a:gridCol w="710987"/>
-                <a:gridCol w="1491388"/>
+                <a:gridCol w="982788"/>
+                <a:gridCol w="731786"/>
+                <a:gridCol w="782086"/>
+                <a:gridCol w="1640527"/>
               </a:tblGrid>
               <a:tr h="0">
                 <a:tc>
@@ -3406,7 +3406,7 @@
                       <a:endParaRPr lang="en-US" sz="2400" b="0" dirty="0"/>
                     </a:p>
                   </a:txBody>
-                  <a:tcPr>
+                  <a:tcPr marL="100584" marR="100584">
                     <a:lnL w="12700" cap="flat" cmpd="sng" algn="ctr">
                       <a:solidFill>
                         <a:scrgbClr r="0" g="0" b="0"/>
@@ -3461,7 +3461,7 @@
                       <a:endParaRPr lang="en-US" sz="2400" b="0" dirty="0"/>
                     </a:p>
                   </a:txBody>
-                  <a:tcPr>
+                  <a:tcPr marL="100584" marR="100584">
                     <a:lnL w="12700" cap="flat" cmpd="sng" algn="ctr">
                       <a:solidFill>
                         <a:scrgbClr r="0" g="0" b="0"/>
@@ -3516,7 +3516,7 @@
                       <a:endParaRPr lang="en-US" sz="2400" b="0" dirty="0"/>
                     </a:p>
                   </a:txBody>
-                  <a:tcPr>
+                  <a:tcPr marL="100584" marR="100584">
                     <a:lnL w="12700" cap="flat" cmpd="sng" algn="ctr">
                       <a:solidFill>
                         <a:scrgbClr r="0" g="0" b="0"/>
@@ -3571,7 +3571,7 @@
                       <a:endParaRPr lang="en-US" sz="2400" b="0" dirty="0"/>
                     </a:p>
                   </a:txBody>
-                  <a:tcPr>
+                  <a:tcPr marL="100584" marR="100584">
                     <a:lnL w="12700" cap="flat" cmpd="sng" algn="ctr">
                       <a:solidFill>
                         <a:scrgbClr r="0" g="0" b="0"/>
@@ -3626,8 +3626,8 @@
         </p:nvSpPr>
         <p:spPr>
           <a:xfrm>
-            <a:off x="4976711" y="2832295"/>
-            <a:ext cx="2656660" cy="1282152"/>
+            <a:off x="5474382" y="2832295"/>
+            <a:ext cx="2922326" cy="1282152"/>
           </a:xfrm>
           <a:prstGeom prst="roundRect">
             <a:avLst/>
@@ -3676,8 +3676,8 @@
         </p:nvCxnSpPr>
         <p:spPr>
           <a:xfrm>
-            <a:off x="4488776" y="2567056"/>
-            <a:ext cx="487934" cy="373797"/>
+            <a:off x="4937655" y="2567059"/>
+            <a:ext cx="536727" cy="373797"/>
           </a:xfrm>
           <a:prstGeom prst="straightConnector1">
             <a:avLst/>
@@ -3714,8 +3714,8 @@
         </p:nvSpPr>
         <p:spPr>
           <a:xfrm>
-            <a:off x="3303957" y="122887"/>
-            <a:ext cx="3769546" cy="571072"/>
+            <a:off x="3634354" y="122887"/>
+            <a:ext cx="4146501" cy="571072"/>
           </a:xfrm>
           <a:prstGeom prst="roundRect">
             <a:avLst/>
@@ -3777,15 +3777,7 @@
             </a:pPr>
             <a:r>
               <a:rPr lang="en-US" sz="2800" dirty="0" smtClean="0"/>
-              <a:t>PSA (</a:t>
-            </a:r>
-            <a:r>
-              <a:rPr lang="en-US" sz="2800" dirty="0"/>
-              <a:t>Pending Scan </a:t>
-            </a:r>
-            <a:r>
-              <a:rPr lang="en-US" sz="2800" dirty="0" smtClean="0"/>
-              <a:t>Array</a:t>
+              <a:t>PSA (pending scan array</a:t>
             </a:r>
             <a:r>
               <a:rPr lang="en-US" sz="2800" dirty="0" smtClean="0"/>
@@ -3803,8 +3795,8 @@
         </p:nvSpPr>
         <p:spPr>
           <a:xfrm>
-            <a:off x="828726" y="4831577"/>
-            <a:ext cx="1461040" cy="457200"/>
+            <a:off x="911599" y="4831577"/>
+            <a:ext cx="1607144" cy="457200"/>
           </a:xfrm>
           <a:prstGeom prst="roundRect">
             <a:avLst/>
@@ -3860,8 +3852,8 @@
         </p:nvSpPr>
         <p:spPr>
           <a:xfrm>
-            <a:off x="828726" y="5441177"/>
-            <a:ext cx="1461040" cy="457200"/>
+            <a:off x="911599" y="5441177"/>
+            <a:ext cx="1607144" cy="457200"/>
           </a:xfrm>
           <a:prstGeom prst="roundRect">
             <a:avLst/>
@@ -3917,8 +3909,8 @@
         </p:nvSpPr>
         <p:spPr>
           <a:xfrm>
-            <a:off x="833351" y="6016683"/>
-            <a:ext cx="1461040" cy="457200"/>
+            <a:off x="916686" y="6016683"/>
+            <a:ext cx="1607144" cy="457200"/>
           </a:xfrm>
           <a:prstGeom prst="roundRect">
             <a:avLst/>
@@ -3974,8 +3966,8 @@
         </p:nvSpPr>
         <p:spPr>
           <a:xfrm>
-            <a:off x="6026871" y="2940853"/>
-            <a:ext cx="1461040" cy="457200"/>
+            <a:off x="6629558" y="2940853"/>
+            <a:ext cx="1607144" cy="457200"/>
           </a:xfrm>
           <a:prstGeom prst="roundRect">
             <a:avLst/>
@@ -4031,8 +4023,8 @@
         </p:nvSpPr>
         <p:spPr>
           <a:xfrm>
-            <a:off x="6026871" y="3550453"/>
-            <a:ext cx="1461040" cy="457200"/>
+            <a:off x="6629558" y="3550453"/>
+            <a:ext cx="1607144" cy="457200"/>
           </a:xfrm>
           <a:prstGeom prst="roundRect">
             <a:avLst/>
@@ -4088,7 +4080,7 @@
         </p:nvSpPr>
         <p:spPr>
           <a:xfrm rot="16200000">
-            <a:off x="4043247" y="3180983"/>
+            <a:off x="4511679" y="3180984"/>
             <a:ext cx="1282152" cy="584776"/>
           </a:xfrm>
           <a:prstGeom prst="rect">
@@ -4122,8 +4114,8 @@
         </p:nvSpPr>
         <p:spPr>
           <a:xfrm>
-            <a:off x="622161" y="4669735"/>
-            <a:ext cx="1953719" cy="1966383"/>
+            <a:off x="684379" y="4669738"/>
+            <a:ext cx="2149091" cy="1966383"/>
           </a:xfrm>
           <a:prstGeom prst="roundRect">
             <a:avLst/>
@@ -4172,7 +4164,7 @@
         </p:nvSpPr>
         <p:spPr>
           <a:xfrm rot="16200000">
-            <a:off x="-653418" y="5360539"/>
+            <a:off x="-620439" y="5360540"/>
             <a:ext cx="1966383" cy="584776"/>
           </a:xfrm>
           <a:prstGeom prst="rect">
@@ -4207,7 +4199,7 @@
         <p:spPr>
           <a:xfrm flipV="1">
             <a:off x="0" y="4301185"/>
-            <a:ext cx="9144000" cy="40964"/>
+            <a:ext cx="10058400" cy="40964"/>
           </a:xfrm>
           <a:prstGeom prst="line">
             <a:avLst/>
@@ -4245,7 +4237,7 @@
         </p:nvSpPr>
         <p:spPr>
           <a:xfrm>
-            <a:off x="8154375" y="3738268"/>
+            <a:off x="9019603" y="3738268"/>
             <a:ext cx="995785" cy="1077218"/>
           </a:xfrm>
           <a:prstGeom prst="rect">
@@ -4292,8 +4284,8 @@
         </p:nvCxnSpPr>
         <p:spPr>
           <a:xfrm>
-            <a:off x="1014340" y="2567056"/>
-            <a:ext cx="584681" cy="2102679"/>
+            <a:off x="1115776" y="2567059"/>
+            <a:ext cx="643149" cy="2102679"/>
           </a:xfrm>
           <a:prstGeom prst="straightConnector1">
             <a:avLst/>
@@ -4330,8 +4322,8 @@
         </p:nvSpPr>
         <p:spPr>
           <a:xfrm>
-            <a:off x="3821366" y="4833772"/>
-            <a:ext cx="1461040" cy="457200"/>
+            <a:off x="4203503" y="4833772"/>
+            <a:ext cx="1607144" cy="457200"/>
           </a:xfrm>
           <a:prstGeom prst="roundRect">
             <a:avLst/>
@@ -4387,8 +4379,8 @@
         </p:nvSpPr>
         <p:spPr>
           <a:xfrm>
-            <a:off x="3821366" y="5443372"/>
-            <a:ext cx="1461040" cy="457200"/>
+            <a:off x="4203503" y="5443372"/>
+            <a:ext cx="1607144" cy="457200"/>
           </a:xfrm>
           <a:prstGeom prst="roundRect">
             <a:avLst/>
@@ -4444,8 +4436,8 @@
         </p:nvSpPr>
         <p:spPr>
           <a:xfrm>
-            <a:off x="3825991" y="6018878"/>
-            <a:ext cx="1461040" cy="457200"/>
+            <a:off x="4208590" y="6018878"/>
+            <a:ext cx="1607144" cy="457200"/>
           </a:xfrm>
           <a:prstGeom prst="roundRect">
             <a:avLst/>
@@ -4501,8 +4493,8 @@
         </p:nvSpPr>
         <p:spPr>
           <a:xfrm>
-            <a:off x="3614801" y="4671930"/>
-            <a:ext cx="1953719" cy="1966383"/>
+            <a:off x="3976283" y="4671933"/>
+            <a:ext cx="2149091" cy="1966383"/>
           </a:xfrm>
           <a:prstGeom prst="roundRect">
             <a:avLst/>
@@ -4551,7 +4543,7 @@
         </p:nvSpPr>
         <p:spPr>
           <a:xfrm rot="16200000">
-            <a:off x="2339222" y="5362734"/>
+            <a:off x="2671465" y="5362735"/>
             <a:ext cx="1966383" cy="584776"/>
           </a:xfrm>
           <a:prstGeom prst="rect">
@@ -4587,8 +4579,8 @@
         </p:nvCxnSpPr>
         <p:spPr>
           <a:xfrm>
-            <a:off x="4014689" y="2567056"/>
-            <a:ext cx="576972" cy="2104874"/>
+            <a:off x="4416158" y="2567056"/>
+            <a:ext cx="634669" cy="2104874"/>
           </a:xfrm>
           <a:prstGeom prst="straightConnector1">
             <a:avLst/>
@@ -4625,8 +4617,8 @@
         </p:nvSpPr>
         <p:spPr>
           <a:xfrm>
-            <a:off x="5718032" y="2189766"/>
-            <a:ext cx="137160" cy="137160"/>
+            <a:off x="6289835" y="2189766"/>
+            <a:ext cx="150876" cy="137160"/>
           </a:xfrm>
           <a:prstGeom prst="ellipse">
             <a:avLst/>
@@ -4671,8 +4663,8 @@
         </p:nvSpPr>
         <p:spPr>
           <a:xfrm>
-            <a:off x="5948827" y="2185366"/>
-            <a:ext cx="137160" cy="137160"/>
+            <a:off x="6543710" y="2185366"/>
+            <a:ext cx="150876" cy="137160"/>
           </a:xfrm>
           <a:prstGeom prst="ellipse">
             <a:avLst/>
@@ -4717,8 +4709,8 @@
         </p:nvSpPr>
         <p:spPr>
           <a:xfrm>
-            <a:off x="6176092" y="2189766"/>
-            <a:ext cx="137160" cy="137160"/>
+            <a:off x="6793701" y="2189766"/>
+            <a:ext cx="150876" cy="137160"/>
           </a:xfrm>
           <a:prstGeom prst="ellipse">
             <a:avLst/>
@@ -4765,8 +4757,8 @@
         </p:nvCxnSpPr>
         <p:spPr>
           <a:xfrm flipH="1">
-            <a:off x="1014340" y="1321930"/>
-            <a:ext cx="132250" cy="634671"/>
+            <a:off x="1115774" y="1321933"/>
+            <a:ext cx="145475" cy="634671"/>
           </a:xfrm>
           <a:prstGeom prst="straightConnector1">
             <a:avLst/>
@@ -4805,8 +4797,8 @@
         </p:nvCxnSpPr>
         <p:spPr>
           <a:xfrm>
-            <a:off x="2347442" y="1321930"/>
-            <a:ext cx="2032094" cy="634671"/>
+            <a:off x="2582186" y="1321933"/>
+            <a:ext cx="2235303" cy="634671"/>
           </a:xfrm>
           <a:prstGeom prst="straightConnector1">
             <a:avLst/>
@@ -4843,8 +4835,8 @@
         </p:nvCxnSpPr>
         <p:spPr>
           <a:xfrm>
-            <a:off x="3032234" y="2270657"/>
-            <a:ext cx="599363" cy="0"/>
+            <a:off x="3335459" y="2270657"/>
+            <a:ext cx="659299" cy="0"/>
           </a:xfrm>
           <a:prstGeom prst="straightConnector1">
             <a:avLst/>
@@ -4881,8 +4873,8 @@
         </p:nvSpPr>
         <p:spPr>
           <a:xfrm>
-            <a:off x="2347442" y="2191961"/>
-            <a:ext cx="137160" cy="137160"/>
+            <a:off x="2582186" y="2191961"/>
+            <a:ext cx="150876" cy="137160"/>
           </a:xfrm>
           <a:prstGeom prst="ellipse">
             <a:avLst/>
@@ -4927,8 +4919,8 @@
         </p:nvSpPr>
         <p:spPr>
           <a:xfrm>
-            <a:off x="2578237" y="2187561"/>
-            <a:ext cx="137160" cy="137160"/>
+            <a:off x="2836061" y="2187561"/>
+            <a:ext cx="150876" cy="137160"/>
           </a:xfrm>
           <a:prstGeom prst="ellipse">
             <a:avLst/>
@@ -4973,8 +4965,8 @@
         </p:nvSpPr>
         <p:spPr>
           <a:xfrm>
-            <a:off x="2805502" y="2191961"/>
-            <a:ext cx="137160" cy="137160"/>
+            <a:off x="3086052" y="2191961"/>
+            <a:ext cx="150876" cy="137160"/>
           </a:xfrm>
           <a:prstGeom prst="ellipse">
             <a:avLst/>
@@ -5019,8 +5011,8 @@
         </p:nvSpPr>
         <p:spPr>
           <a:xfrm>
-            <a:off x="7417887" y="445118"/>
-            <a:ext cx="1603217" cy="838403"/>
+            <a:off x="8159676" y="445121"/>
+            <a:ext cx="1739126" cy="1302665"/>
           </a:xfrm>
           <a:prstGeom prst="roundRect">
             <a:avLst/>
@@ -5058,7 +5050,7 @@
                   <a:schemeClr val="tx1"/>
                 </a:solidFill>
               </a:rPr>
-              <a:t>Global Version</a:t>
+              <a:t>global version (GV)</a:t>
             </a:r>
             <a:endParaRPr lang="en-US" sz="3600" dirty="0">
               <a:solidFill>
@@ -5083,8 +5075,8 @@
           </p:nvPr>
         </p:nvGraphicFramePr>
         <p:xfrm>
-          <a:off x="5238555" y="3181512"/>
-          <a:ext cx="575079" cy="853451"/>
+          <a:off x="5762412" y="3181512"/>
+          <a:ext cx="632587" cy="853451"/>
         </p:xfrm>
         <a:graphic>
           <a:graphicData uri="http://schemas.openxmlformats.org/drawingml/2006/table">
@@ -5093,7 +5085,7 @@
                 <a:tableStyleId>{2D5ABB26-0587-4C30-8999-92F81FD0307C}</a:tableStyleId>
               </a:tblPr>
               <a:tblGrid>
-                <a:gridCol w="575079"/>
+                <a:gridCol w="632587"/>
               </a:tblGrid>
               <a:tr h="276297">
                 <a:tc>
@@ -5105,7 +5097,7 @@
                       <a:endParaRPr lang="en-US" sz="1200" b="0" dirty="0"/>
                     </a:p>
                   </a:txBody>
-                  <a:tcPr>
+                  <a:tcPr marL="100584" marR="100584">
                     <a:lnL w="12700" cap="flat" cmpd="sng" algn="ctr">
                       <a:solidFill>
                         <a:scrgbClr r="0" g="0" b="0"/>
@@ -5158,7 +5150,7 @@
                       <a:endParaRPr lang="en-US" sz="1200" b="0" dirty="0"/>
                     </a:p>
                   </a:txBody>
-                  <a:tcPr>
+                  <a:tcPr marL="100584" marR="100584">
                     <a:lnL w="12700" cap="flat" cmpd="sng" algn="ctr">
                       <a:solidFill>
                         <a:scrgbClr r="0" g="0" b="0"/>
@@ -5211,7 +5203,7 @@
                       <a:endParaRPr lang="en-US" sz="1200" b="0" dirty="0"/>
                     </a:p>
                   </a:txBody>
-                  <a:tcPr>
+                  <a:tcPr marL="100584" marR="100584">
                     <a:lnL w="12700" cap="flat" cmpd="sng" algn="ctr">
                       <a:solidFill>
                         <a:scrgbClr r="0" g="0" b="0"/>
@@ -5266,7 +5258,7 @@
         </p:nvSpPr>
         <p:spPr>
           <a:xfrm>
-            <a:off x="5128832" y="2731260"/>
+            <a:off x="5641717" y="2731260"/>
             <a:ext cx="763425" cy="523220"/>
           </a:xfrm>
           <a:prstGeom prst="rect">

--- a/PiWi.pptx
+++ b/PiWi.pptx
@@ -7,7 +7,7 @@
   <p:sldIdLst>
     <p:sldId id="256" r:id="rId2"/>
   </p:sldIdLst>
-  <p:sldSz cx="10058400" cy="6858000"/>
+  <p:sldSz cx="12192000" cy="6858000"/>
   <p:notesSz cx="6858000" cy="9144000"/>
   <p:defaultTextStyle>
     <a:defPPr>
@@ -104,6 +104,22 @@
       </a:defRPr>
     </a:lvl9pPr>
   </p:defaultTextStyle>
+  <p:extLst>
+    <p:ext uri="{EFAFB233-063F-42B5-8137-9DF3F51BA10A}">
+      <p15:sldGuideLst xmlns:p15="http://schemas.microsoft.com/office/powerpoint/2012/main">
+        <p15:guide id="1" orient="horz" pos="2160" userDrawn="1">
+          <p15:clr>
+            <a:srgbClr val="A4A3A4"/>
+          </p15:clr>
+        </p15:guide>
+        <p15:guide id="2" pos="3840" userDrawn="1">
+          <p15:clr>
+            <a:srgbClr val="A4A3A4"/>
+          </p15:clr>
+        </p15:guide>
+      </p15:sldGuideLst>
+    </p:ext>
+  </p:extLst>
 </p:presentation>
 </file>
 
@@ -136,8 +152,8 @@
         </p:nvSpPr>
         <p:spPr>
           <a:xfrm>
-            <a:off x="754380" y="2130428"/>
-            <a:ext cx="8549640" cy="1470025"/>
+            <a:off x="914400" y="2130429"/>
+            <a:ext cx="10363200" cy="1470025"/>
           </a:xfrm>
         </p:spPr>
         <p:txBody>
@@ -145,10 +161,9 @@
           <a:lstStyle/>
           <a:p>
             <a:r>
-              <a:rPr lang="en-US" smtClean="0"/>
+              <a:rPr lang="en-US"/>
               <a:t>Click to edit Master title style</a:t>
             </a:r>
-            <a:endParaRPr lang="en-US"/>
           </a:p>
         </p:txBody>
       </p:sp>
@@ -164,8 +179,8 @@
         </p:nvSpPr>
         <p:spPr>
           <a:xfrm>
-            <a:off x="1508760" y="3886200"/>
-            <a:ext cx="7040880" cy="1752600"/>
+            <a:off x="1828800" y="3886200"/>
+            <a:ext cx="8534400" cy="1752600"/>
           </a:xfrm>
         </p:spPr>
         <p:txBody>
@@ -264,10 +279,9 @@
           </a:lstStyle>
           <a:p>
             <a:r>
-              <a:rPr lang="en-US" smtClean="0"/>
+              <a:rPr lang="en-US"/>
               <a:t>Click to edit Master subtitle style</a:t>
             </a:r>
-            <a:endParaRPr lang="en-US"/>
           </a:p>
         </p:txBody>
       </p:sp>
@@ -288,7 +302,7 @@
           <a:p>
             <a:fld id="{EC01FFC2-8798-D243-B978-07080977D0C0}" type="datetimeFigureOut">
               <a:rPr lang="en-US" smtClean="0"/>
-              <a:t>3/9/17</a:t>
+              <a:t>11/20/18</a:t>
             </a:fld>
             <a:endParaRPr lang="en-US"/>
           </a:p>
@@ -382,10 +396,9 @@
           <a:lstStyle/>
           <a:p>
             <a:r>
-              <a:rPr lang="en-US" smtClean="0"/>
+              <a:rPr lang="en-US"/>
               <a:t>Click to edit Master title style</a:t>
             </a:r>
-            <a:endParaRPr lang="en-US"/>
           </a:p>
         </p:txBody>
       </p:sp>
@@ -406,38 +419,37 @@
           <a:p>
             <a:pPr lvl="0"/>
             <a:r>
-              <a:rPr lang="en-US" smtClean="0"/>
+              <a:rPr lang="en-US"/>
               <a:t>Click to edit Master text styles</a:t>
             </a:r>
           </a:p>
           <a:p>
             <a:pPr lvl="1"/>
             <a:r>
-              <a:rPr lang="en-US" smtClean="0"/>
+              <a:rPr lang="en-US"/>
               <a:t>Second level</a:t>
             </a:r>
           </a:p>
           <a:p>
             <a:pPr lvl="2"/>
             <a:r>
-              <a:rPr lang="en-US" smtClean="0"/>
+              <a:rPr lang="en-US"/>
               <a:t>Third level</a:t>
             </a:r>
           </a:p>
           <a:p>
             <a:pPr lvl="3"/>
             <a:r>
-              <a:rPr lang="en-US" smtClean="0"/>
+              <a:rPr lang="en-US"/>
               <a:t>Fourth level</a:t>
             </a:r>
           </a:p>
           <a:p>
             <a:pPr lvl="4"/>
             <a:r>
-              <a:rPr lang="en-US" smtClean="0"/>
+              <a:rPr lang="en-US"/>
               <a:t>Fifth level</a:t>
             </a:r>
-            <a:endParaRPr lang="en-US"/>
           </a:p>
         </p:txBody>
       </p:sp>
@@ -458,7 +470,7 @@
           <a:p>
             <a:fld id="{EC01FFC2-8798-D243-B978-07080977D0C0}" type="datetimeFigureOut">
               <a:rPr lang="en-US" smtClean="0"/>
-              <a:t>3/9/17</a:t>
+              <a:t>11/20/18</a:t>
             </a:fld>
             <a:endParaRPr lang="en-US"/>
           </a:p>
@@ -548,8 +560,8 @@
         </p:nvSpPr>
         <p:spPr>
           <a:xfrm>
-            <a:off x="7292340" y="274641"/>
-            <a:ext cx="2263140" cy="5851525"/>
+            <a:off x="8839200" y="274642"/>
+            <a:ext cx="2743200" cy="5851525"/>
           </a:xfrm>
         </p:spPr>
         <p:txBody>
@@ -557,10 +569,9 @@
           <a:lstStyle/>
           <a:p>
             <a:r>
-              <a:rPr lang="en-US" smtClean="0"/>
+              <a:rPr lang="en-US"/>
               <a:t>Click to edit Master title style</a:t>
             </a:r>
-            <a:endParaRPr lang="en-US"/>
           </a:p>
         </p:txBody>
       </p:sp>
@@ -576,8 +587,8 @@
         </p:nvSpPr>
         <p:spPr>
           <a:xfrm>
-            <a:off x="502920" y="274641"/>
-            <a:ext cx="6621780" cy="5851525"/>
+            <a:off x="609600" y="274642"/>
+            <a:ext cx="8026400" cy="5851525"/>
           </a:xfrm>
         </p:spPr>
         <p:txBody>
@@ -586,38 +597,37 @@
           <a:p>
             <a:pPr lvl="0"/>
             <a:r>
-              <a:rPr lang="en-US" smtClean="0"/>
+              <a:rPr lang="en-US"/>
               <a:t>Click to edit Master text styles</a:t>
             </a:r>
           </a:p>
           <a:p>
             <a:pPr lvl="1"/>
             <a:r>
-              <a:rPr lang="en-US" smtClean="0"/>
+              <a:rPr lang="en-US"/>
               <a:t>Second level</a:t>
             </a:r>
           </a:p>
           <a:p>
             <a:pPr lvl="2"/>
             <a:r>
-              <a:rPr lang="en-US" smtClean="0"/>
+              <a:rPr lang="en-US"/>
               <a:t>Third level</a:t>
             </a:r>
           </a:p>
           <a:p>
             <a:pPr lvl="3"/>
             <a:r>
-              <a:rPr lang="en-US" smtClean="0"/>
+              <a:rPr lang="en-US"/>
               <a:t>Fourth level</a:t>
             </a:r>
           </a:p>
           <a:p>
             <a:pPr lvl="4"/>
             <a:r>
-              <a:rPr lang="en-US" smtClean="0"/>
+              <a:rPr lang="en-US"/>
               <a:t>Fifth level</a:t>
             </a:r>
-            <a:endParaRPr lang="en-US"/>
           </a:p>
         </p:txBody>
       </p:sp>
@@ -638,7 +648,7 @@
           <a:p>
             <a:fld id="{EC01FFC2-8798-D243-B978-07080977D0C0}" type="datetimeFigureOut">
               <a:rPr lang="en-US" smtClean="0"/>
-              <a:t>3/9/17</a:t>
+              <a:t>11/20/18</a:t>
             </a:fld>
             <a:endParaRPr lang="en-US"/>
           </a:p>
@@ -732,10 +742,9 @@
           <a:lstStyle/>
           <a:p>
             <a:r>
-              <a:rPr lang="en-US" smtClean="0"/>
+              <a:rPr lang="en-US"/>
               <a:t>Click to edit Master title style</a:t>
             </a:r>
-            <a:endParaRPr lang="en-US"/>
           </a:p>
         </p:txBody>
       </p:sp>
@@ -756,38 +765,37 @@
           <a:p>
             <a:pPr lvl="0"/>
             <a:r>
-              <a:rPr lang="en-US" smtClean="0"/>
+              <a:rPr lang="en-US"/>
               <a:t>Click to edit Master text styles</a:t>
             </a:r>
           </a:p>
           <a:p>
             <a:pPr lvl="1"/>
             <a:r>
-              <a:rPr lang="en-US" smtClean="0"/>
+              <a:rPr lang="en-US"/>
               <a:t>Second level</a:t>
             </a:r>
           </a:p>
           <a:p>
             <a:pPr lvl="2"/>
             <a:r>
-              <a:rPr lang="en-US" smtClean="0"/>
+              <a:rPr lang="en-US"/>
               <a:t>Third level</a:t>
             </a:r>
           </a:p>
           <a:p>
             <a:pPr lvl="3"/>
             <a:r>
-              <a:rPr lang="en-US" smtClean="0"/>
+              <a:rPr lang="en-US"/>
               <a:t>Fourth level</a:t>
             </a:r>
           </a:p>
           <a:p>
             <a:pPr lvl="4"/>
             <a:r>
-              <a:rPr lang="en-US" smtClean="0"/>
+              <a:rPr lang="en-US"/>
               <a:t>Fifth level</a:t>
             </a:r>
-            <a:endParaRPr lang="en-US"/>
           </a:p>
         </p:txBody>
       </p:sp>
@@ -808,7 +816,7 @@
           <a:p>
             <a:fld id="{EC01FFC2-8798-D243-B978-07080977D0C0}" type="datetimeFigureOut">
               <a:rPr lang="en-US" smtClean="0"/>
-              <a:t>3/9/17</a:t>
+              <a:t>11/20/18</a:t>
             </a:fld>
             <a:endParaRPr lang="en-US"/>
           </a:p>
@@ -898,8 +906,8 @@
         </p:nvSpPr>
         <p:spPr>
           <a:xfrm>
-            <a:off x="794544" y="4406903"/>
-            <a:ext cx="8549640" cy="1362075"/>
+            <a:off x="963084" y="4406904"/>
+            <a:ext cx="10363200" cy="1362075"/>
           </a:xfrm>
         </p:spPr>
         <p:txBody>
@@ -911,10 +919,9 @@
           </a:lstStyle>
           <a:p>
             <a:r>
-              <a:rPr lang="en-US" smtClean="0"/>
+              <a:rPr lang="en-US"/>
               <a:t>Click to edit Master title style</a:t>
             </a:r>
-            <a:endParaRPr lang="en-US"/>
           </a:p>
         </p:txBody>
       </p:sp>
@@ -930,8 +937,8 @@
         </p:nvSpPr>
         <p:spPr>
           <a:xfrm>
-            <a:off x="794544" y="2906713"/>
-            <a:ext cx="8549640" cy="1500187"/>
+            <a:off x="963084" y="2906713"/>
+            <a:ext cx="10363200" cy="1500187"/>
           </a:xfrm>
         </p:spPr>
         <p:txBody>
@@ -1031,7 +1038,7 @@
           <a:p>
             <a:pPr lvl="0"/>
             <a:r>
-              <a:rPr lang="en-US" smtClean="0"/>
+              <a:rPr lang="en-US"/>
               <a:t>Click to edit Master text styles</a:t>
             </a:r>
           </a:p>
@@ -1054,7 +1061,7 @@
           <a:p>
             <a:fld id="{EC01FFC2-8798-D243-B978-07080977D0C0}" type="datetimeFigureOut">
               <a:rPr lang="en-US" smtClean="0"/>
-              <a:t>3/9/17</a:t>
+              <a:t>11/20/18</a:t>
             </a:fld>
             <a:endParaRPr lang="en-US"/>
           </a:p>
@@ -1148,10 +1155,9 @@
           <a:lstStyle/>
           <a:p>
             <a:r>
-              <a:rPr lang="en-US" smtClean="0"/>
+              <a:rPr lang="en-US"/>
               <a:t>Click to edit Master title style</a:t>
             </a:r>
-            <a:endParaRPr lang="en-US"/>
           </a:p>
         </p:txBody>
       </p:sp>
@@ -1167,8 +1173,8 @@
         </p:nvSpPr>
         <p:spPr>
           <a:xfrm>
-            <a:off x="502920" y="1600203"/>
-            <a:ext cx="4442460" cy="4525963"/>
+            <a:off x="609600" y="1600204"/>
+            <a:ext cx="5384800" cy="4525963"/>
           </a:xfrm>
         </p:spPr>
         <p:txBody>
@@ -1205,38 +1211,37 @@
           <a:p>
             <a:pPr lvl="0"/>
             <a:r>
-              <a:rPr lang="en-US" smtClean="0"/>
+              <a:rPr lang="en-US"/>
               <a:t>Click to edit Master text styles</a:t>
             </a:r>
           </a:p>
           <a:p>
             <a:pPr lvl="1"/>
             <a:r>
-              <a:rPr lang="en-US" smtClean="0"/>
+              <a:rPr lang="en-US"/>
               <a:t>Second level</a:t>
             </a:r>
           </a:p>
           <a:p>
             <a:pPr lvl="2"/>
             <a:r>
-              <a:rPr lang="en-US" smtClean="0"/>
+              <a:rPr lang="en-US"/>
               <a:t>Third level</a:t>
             </a:r>
           </a:p>
           <a:p>
             <a:pPr lvl="3"/>
             <a:r>
-              <a:rPr lang="en-US" smtClean="0"/>
+              <a:rPr lang="en-US"/>
               <a:t>Fourth level</a:t>
             </a:r>
           </a:p>
           <a:p>
             <a:pPr lvl="4"/>
             <a:r>
-              <a:rPr lang="en-US" smtClean="0"/>
+              <a:rPr lang="en-US"/>
               <a:t>Fifth level</a:t>
             </a:r>
-            <a:endParaRPr lang="en-US"/>
           </a:p>
         </p:txBody>
       </p:sp>
@@ -1252,8 +1257,8 @@
         </p:nvSpPr>
         <p:spPr>
           <a:xfrm>
-            <a:off x="5113020" y="1600203"/>
-            <a:ext cx="4442460" cy="4525963"/>
+            <a:off x="6197600" y="1600204"/>
+            <a:ext cx="5384800" cy="4525963"/>
           </a:xfrm>
         </p:spPr>
         <p:txBody>
@@ -1290,38 +1295,37 @@
           <a:p>
             <a:pPr lvl="0"/>
             <a:r>
-              <a:rPr lang="en-US" smtClean="0"/>
+              <a:rPr lang="en-US"/>
               <a:t>Click to edit Master text styles</a:t>
             </a:r>
           </a:p>
           <a:p>
             <a:pPr lvl="1"/>
             <a:r>
-              <a:rPr lang="en-US" smtClean="0"/>
+              <a:rPr lang="en-US"/>
               <a:t>Second level</a:t>
             </a:r>
           </a:p>
           <a:p>
             <a:pPr lvl="2"/>
             <a:r>
-              <a:rPr lang="en-US" smtClean="0"/>
+              <a:rPr lang="en-US"/>
               <a:t>Third level</a:t>
             </a:r>
           </a:p>
           <a:p>
             <a:pPr lvl="3"/>
             <a:r>
-              <a:rPr lang="en-US" smtClean="0"/>
+              <a:rPr lang="en-US"/>
               <a:t>Fourth level</a:t>
             </a:r>
           </a:p>
           <a:p>
             <a:pPr lvl="4"/>
             <a:r>
-              <a:rPr lang="en-US" smtClean="0"/>
+              <a:rPr lang="en-US"/>
               <a:t>Fifth level</a:t>
             </a:r>
-            <a:endParaRPr lang="en-US"/>
           </a:p>
         </p:txBody>
       </p:sp>
@@ -1342,7 +1346,7 @@
           <a:p>
             <a:fld id="{EC01FFC2-8798-D243-B978-07080977D0C0}" type="datetimeFigureOut">
               <a:rPr lang="en-US" smtClean="0"/>
-              <a:t>3/9/17</a:t>
+              <a:t>11/20/18</a:t>
             </a:fld>
             <a:endParaRPr lang="en-US"/>
           </a:p>
@@ -1440,10 +1444,9 @@
           </a:lstStyle>
           <a:p>
             <a:r>
-              <a:rPr lang="en-US" smtClean="0"/>
+              <a:rPr lang="en-US"/>
               <a:t>Click to edit Master title style</a:t>
             </a:r>
-            <a:endParaRPr lang="en-US"/>
           </a:p>
         </p:txBody>
       </p:sp>
@@ -1459,8 +1462,8 @@
         </p:nvSpPr>
         <p:spPr>
           <a:xfrm>
-            <a:off x="502921" y="1535113"/>
-            <a:ext cx="4444207" cy="639762"/>
+            <a:off x="609602" y="1535113"/>
+            <a:ext cx="5386918" cy="639762"/>
           </a:xfrm>
         </p:spPr>
         <p:txBody>
@@ -1506,7 +1509,7 @@
           <a:p>
             <a:pPr lvl="0"/>
             <a:r>
-              <a:rPr lang="en-US" smtClean="0"/>
+              <a:rPr lang="en-US"/>
               <a:t>Click to edit Master text styles</a:t>
             </a:r>
           </a:p>
@@ -1524,8 +1527,8 @@
         </p:nvSpPr>
         <p:spPr>
           <a:xfrm>
-            <a:off x="502921" y="2174875"/>
-            <a:ext cx="4444207" cy="3951288"/>
+            <a:off x="609602" y="2174875"/>
+            <a:ext cx="5386918" cy="3951288"/>
           </a:xfrm>
         </p:spPr>
         <p:txBody>
@@ -1562,38 +1565,37 @@
           <a:p>
             <a:pPr lvl="0"/>
             <a:r>
-              <a:rPr lang="en-US" smtClean="0"/>
+              <a:rPr lang="en-US"/>
               <a:t>Click to edit Master text styles</a:t>
             </a:r>
           </a:p>
           <a:p>
             <a:pPr lvl="1"/>
             <a:r>
-              <a:rPr lang="en-US" smtClean="0"/>
+              <a:rPr lang="en-US"/>
               <a:t>Second level</a:t>
             </a:r>
           </a:p>
           <a:p>
             <a:pPr lvl="2"/>
             <a:r>
-              <a:rPr lang="en-US" smtClean="0"/>
+              <a:rPr lang="en-US"/>
               <a:t>Third level</a:t>
             </a:r>
           </a:p>
           <a:p>
             <a:pPr lvl="3"/>
             <a:r>
-              <a:rPr lang="en-US" smtClean="0"/>
+              <a:rPr lang="en-US"/>
               <a:t>Fourth level</a:t>
             </a:r>
           </a:p>
           <a:p>
             <a:pPr lvl="4"/>
             <a:r>
-              <a:rPr lang="en-US" smtClean="0"/>
+              <a:rPr lang="en-US"/>
               <a:t>Fifth level</a:t>
             </a:r>
-            <a:endParaRPr lang="en-US"/>
           </a:p>
         </p:txBody>
       </p:sp>
@@ -1609,8 +1611,8 @@
         </p:nvSpPr>
         <p:spPr>
           <a:xfrm>
-            <a:off x="5109529" y="1535113"/>
-            <a:ext cx="4445953" cy="639762"/>
+            <a:off x="6193369" y="1535113"/>
+            <a:ext cx="5389034" cy="639762"/>
           </a:xfrm>
         </p:spPr>
         <p:txBody>
@@ -1656,7 +1658,7 @@
           <a:p>
             <a:pPr lvl="0"/>
             <a:r>
-              <a:rPr lang="en-US" smtClean="0"/>
+              <a:rPr lang="en-US"/>
               <a:t>Click to edit Master text styles</a:t>
             </a:r>
           </a:p>
@@ -1674,8 +1676,8 @@
         </p:nvSpPr>
         <p:spPr>
           <a:xfrm>
-            <a:off x="5109529" y="2174875"/>
-            <a:ext cx="4445953" cy="3951288"/>
+            <a:off x="6193369" y="2174875"/>
+            <a:ext cx="5389034" cy="3951288"/>
           </a:xfrm>
         </p:spPr>
         <p:txBody>
@@ -1712,38 +1714,37 @@
           <a:p>
             <a:pPr lvl="0"/>
             <a:r>
-              <a:rPr lang="en-US" smtClean="0"/>
+              <a:rPr lang="en-US"/>
               <a:t>Click to edit Master text styles</a:t>
             </a:r>
           </a:p>
           <a:p>
             <a:pPr lvl="1"/>
             <a:r>
-              <a:rPr lang="en-US" smtClean="0"/>
+              <a:rPr lang="en-US"/>
               <a:t>Second level</a:t>
             </a:r>
           </a:p>
           <a:p>
             <a:pPr lvl="2"/>
             <a:r>
-              <a:rPr lang="en-US" smtClean="0"/>
+              <a:rPr lang="en-US"/>
               <a:t>Third level</a:t>
             </a:r>
           </a:p>
           <a:p>
             <a:pPr lvl="3"/>
             <a:r>
-              <a:rPr lang="en-US" smtClean="0"/>
+              <a:rPr lang="en-US"/>
               <a:t>Fourth level</a:t>
             </a:r>
           </a:p>
           <a:p>
             <a:pPr lvl="4"/>
             <a:r>
-              <a:rPr lang="en-US" smtClean="0"/>
+              <a:rPr lang="en-US"/>
               <a:t>Fifth level</a:t>
             </a:r>
-            <a:endParaRPr lang="en-US"/>
           </a:p>
         </p:txBody>
       </p:sp>
@@ -1764,7 +1765,7 @@
           <a:p>
             <a:fld id="{EC01FFC2-8798-D243-B978-07080977D0C0}" type="datetimeFigureOut">
               <a:rPr lang="en-US" smtClean="0"/>
-              <a:t>3/9/17</a:t>
+              <a:t>11/20/18</a:t>
             </a:fld>
             <a:endParaRPr lang="en-US"/>
           </a:p>
@@ -1858,10 +1859,9 @@
           <a:lstStyle/>
           <a:p>
             <a:r>
-              <a:rPr lang="en-US" smtClean="0"/>
+              <a:rPr lang="en-US"/>
               <a:t>Click to edit Master title style</a:t>
             </a:r>
-            <a:endParaRPr lang="en-US"/>
           </a:p>
         </p:txBody>
       </p:sp>
@@ -1882,7 +1882,7 @@
           <a:p>
             <a:fld id="{EC01FFC2-8798-D243-B978-07080977D0C0}" type="datetimeFigureOut">
               <a:rPr lang="en-US" smtClean="0"/>
-              <a:t>3/9/17</a:t>
+              <a:t>11/20/18</a:t>
             </a:fld>
             <a:endParaRPr lang="en-US"/>
           </a:p>
@@ -1977,7 +1977,7 @@
           <a:p>
             <a:fld id="{EC01FFC2-8798-D243-B978-07080977D0C0}" type="datetimeFigureOut">
               <a:rPr lang="en-US" smtClean="0"/>
-              <a:t>3/9/17</a:t>
+              <a:t>11/20/18</a:t>
             </a:fld>
             <a:endParaRPr lang="en-US"/>
           </a:p>
@@ -2067,8 +2067,8 @@
         </p:nvSpPr>
         <p:spPr>
           <a:xfrm>
-            <a:off x="502922" y="273050"/>
-            <a:ext cx="3309144" cy="1162050"/>
+            <a:off x="609602" y="273050"/>
+            <a:ext cx="4011084" cy="1162050"/>
           </a:xfrm>
         </p:spPr>
         <p:txBody>
@@ -2080,10 +2080,9 @@
           </a:lstStyle>
           <a:p>
             <a:r>
-              <a:rPr lang="en-US" smtClean="0"/>
+              <a:rPr lang="en-US"/>
               <a:t>Click to edit Master title style</a:t>
             </a:r>
-            <a:endParaRPr lang="en-US"/>
           </a:p>
         </p:txBody>
       </p:sp>
@@ -2099,8 +2098,8 @@
         </p:nvSpPr>
         <p:spPr>
           <a:xfrm>
-            <a:off x="3932555" y="273053"/>
-            <a:ext cx="5622925" cy="5853113"/>
+            <a:off x="4766734" y="273054"/>
+            <a:ext cx="6815667" cy="5853113"/>
           </a:xfrm>
         </p:spPr>
         <p:txBody>
@@ -2137,38 +2136,37 @@
           <a:p>
             <a:pPr lvl="0"/>
             <a:r>
-              <a:rPr lang="en-US" smtClean="0"/>
+              <a:rPr lang="en-US"/>
               <a:t>Click to edit Master text styles</a:t>
             </a:r>
           </a:p>
           <a:p>
             <a:pPr lvl="1"/>
             <a:r>
-              <a:rPr lang="en-US" smtClean="0"/>
+              <a:rPr lang="en-US"/>
               <a:t>Second level</a:t>
             </a:r>
           </a:p>
           <a:p>
             <a:pPr lvl="2"/>
             <a:r>
-              <a:rPr lang="en-US" smtClean="0"/>
+              <a:rPr lang="en-US"/>
               <a:t>Third level</a:t>
             </a:r>
           </a:p>
           <a:p>
             <a:pPr lvl="3"/>
             <a:r>
-              <a:rPr lang="en-US" smtClean="0"/>
+              <a:rPr lang="en-US"/>
               <a:t>Fourth level</a:t>
             </a:r>
           </a:p>
           <a:p>
             <a:pPr lvl="4"/>
             <a:r>
-              <a:rPr lang="en-US" smtClean="0"/>
+              <a:rPr lang="en-US"/>
               <a:t>Fifth level</a:t>
             </a:r>
-            <a:endParaRPr lang="en-US"/>
           </a:p>
         </p:txBody>
       </p:sp>
@@ -2184,8 +2182,8 @@
         </p:nvSpPr>
         <p:spPr>
           <a:xfrm>
-            <a:off x="502922" y="1435103"/>
-            <a:ext cx="3309144" cy="4691063"/>
+            <a:off x="609602" y="1435103"/>
+            <a:ext cx="4011084" cy="4691063"/>
           </a:xfrm>
         </p:spPr>
         <p:txBody>
@@ -2231,7 +2229,7 @@
           <a:p>
             <a:pPr lvl="0"/>
             <a:r>
-              <a:rPr lang="en-US" smtClean="0"/>
+              <a:rPr lang="en-US"/>
               <a:t>Click to edit Master text styles</a:t>
             </a:r>
           </a:p>
@@ -2254,7 +2252,7 @@
           <a:p>
             <a:fld id="{EC01FFC2-8798-D243-B978-07080977D0C0}" type="datetimeFigureOut">
               <a:rPr lang="en-US" smtClean="0"/>
-              <a:t>3/9/17</a:t>
+              <a:t>11/20/18</a:t>
             </a:fld>
             <a:endParaRPr lang="en-US"/>
           </a:p>
@@ -2344,8 +2342,8 @@
         </p:nvSpPr>
         <p:spPr>
           <a:xfrm>
-            <a:off x="1971517" y="4800600"/>
-            <a:ext cx="6035040" cy="566738"/>
+            <a:off x="2389718" y="4800600"/>
+            <a:ext cx="7315200" cy="566738"/>
           </a:xfrm>
         </p:spPr>
         <p:txBody>
@@ -2357,10 +2355,9 @@
           </a:lstStyle>
           <a:p>
             <a:r>
-              <a:rPr lang="en-US" smtClean="0"/>
+              <a:rPr lang="en-US"/>
               <a:t>Click to edit Master title style</a:t>
             </a:r>
-            <a:endParaRPr lang="en-US"/>
           </a:p>
         </p:txBody>
       </p:sp>
@@ -2376,8 +2373,8 @@
         </p:nvSpPr>
         <p:spPr>
           <a:xfrm>
-            <a:off x="1971517" y="612775"/>
-            <a:ext cx="6035040" cy="4114800"/>
+            <a:off x="2389718" y="612775"/>
+            <a:ext cx="7315200" cy="4114800"/>
           </a:xfrm>
         </p:spPr>
         <p:txBody>
@@ -2437,8 +2434,8 @@
         </p:nvSpPr>
         <p:spPr>
           <a:xfrm>
-            <a:off x="1971517" y="5367338"/>
-            <a:ext cx="6035040" cy="804862"/>
+            <a:off x="2389718" y="5367338"/>
+            <a:ext cx="7315200" cy="804862"/>
           </a:xfrm>
         </p:spPr>
         <p:txBody>
@@ -2484,7 +2481,7 @@
           <a:p>
             <a:pPr lvl="0"/>
             <a:r>
-              <a:rPr lang="en-US" smtClean="0"/>
+              <a:rPr lang="en-US"/>
               <a:t>Click to edit Master text styles</a:t>
             </a:r>
           </a:p>
@@ -2507,7 +2504,7 @@
           <a:p>
             <a:fld id="{EC01FFC2-8798-D243-B978-07080977D0C0}" type="datetimeFigureOut">
               <a:rPr lang="en-US" smtClean="0"/>
-              <a:t>3/9/17</a:t>
+              <a:t>11/20/18</a:t>
             </a:fld>
             <a:endParaRPr lang="en-US"/>
           </a:p>
@@ -2602,8 +2599,8 @@
         </p:nvSpPr>
         <p:spPr>
           <a:xfrm>
-            <a:off x="502920" y="274638"/>
-            <a:ext cx="9052560" cy="1143000"/>
+            <a:off x="609600" y="274638"/>
+            <a:ext cx="10972800" cy="1143000"/>
           </a:xfrm>
           <a:prstGeom prst="rect">
             <a:avLst/>
@@ -2616,10 +2613,9 @@
           <a:lstStyle/>
           <a:p>
             <a:r>
-              <a:rPr lang="en-US" smtClean="0"/>
+              <a:rPr lang="en-US"/>
               <a:t>Click to edit Master title style</a:t>
             </a:r>
-            <a:endParaRPr lang="en-US"/>
           </a:p>
         </p:txBody>
       </p:sp>
@@ -2635,8 +2631,8 @@
         </p:nvSpPr>
         <p:spPr>
           <a:xfrm>
-            <a:off x="502920" y="1600203"/>
-            <a:ext cx="9052560" cy="4525963"/>
+            <a:off x="609600" y="1600204"/>
+            <a:ext cx="10972800" cy="4525963"/>
           </a:xfrm>
           <a:prstGeom prst="rect">
             <a:avLst/>
@@ -2650,38 +2646,37 @@
           <a:p>
             <a:pPr lvl="0"/>
             <a:r>
-              <a:rPr lang="en-US" smtClean="0"/>
+              <a:rPr lang="en-US"/>
               <a:t>Click to edit Master text styles</a:t>
             </a:r>
           </a:p>
           <a:p>
             <a:pPr lvl="1"/>
             <a:r>
-              <a:rPr lang="en-US" smtClean="0"/>
+              <a:rPr lang="en-US"/>
               <a:t>Second level</a:t>
             </a:r>
           </a:p>
           <a:p>
             <a:pPr lvl="2"/>
             <a:r>
-              <a:rPr lang="en-US" smtClean="0"/>
+              <a:rPr lang="en-US"/>
               <a:t>Third level</a:t>
             </a:r>
           </a:p>
           <a:p>
             <a:pPr lvl="3"/>
             <a:r>
-              <a:rPr lang="en-US" smtClean="0"/>
+              <a:rPr lang="en-US"/>
               <a:t>Fourth level</a:t>
             </a:r>
           </a:p>
           <a:p>
             <a:pPr lvl="4"/>
             <a:r>
-              <a:rPr lang="en-US" smtClean="0"/>
+              <a:rPr lang="en-US"/>
               <a:t>Fifth level</a:t>
             </a:r>
-            <a:endParaRPr lang="en-US"/>
           </a:p>
         </p:txBody>
       </p:sp>
@@ -2697,8 +2692,8 @@
         </p:nvSpPr>
         <p:spPr>
           <a:xfrm>
-            <a:off x="502920" y="6356353"/>
-            <a:ext cx="2346960" cy="365125"/>
+            <a:off x="609600" y="6356354"/>
+            <a:ext cx="2844800" cy="365125"/>
           </a:xfrm>
           <a:prstGeom prst="rect">
             <a:avLst/>
@@ -2720,7 +2715,7 @@
           <a:p>
             <a:fld id="{EC01FFC2-8798-D243-B978-07080977D0C0}" type="datetimeFigureOut">
               <a:rPr lang="en-US" smtClean="0"/>
-              <a:t>3/9/17</a:t>
+              <a:t>11/20/18</a:t>
             </a:fld>
             <a:endParaRPr lang="en-US"/>
           </a:p>
@@ -2738,8 +2733,8 @@
         </p:nvSpPr>
         <p:spPr>
           <a:xfrm>
-            <a:off x="3436620" y="6356353"/>
-            <a:ext cx="3185160" cy="365125"/>
+            <a:off x="4165600" y="6356354"/>
+            <a:ext cx="3860800" cy="365125"/>
           </a:xfrm>
           <a:prstGeom prst="rect">
             <a:avLst/>
@@ -2775,8 +2770,8 @@
         </p:nvSpPr>
         <p:spPr>
           <a:xfrm>
-            <a:off x="7208520" y="6356353"/>
-            <a:ext cx="2346960" cy="365125"/>
+            <a:off x="8737600" y="6356354"/>
+            <a:ext cx="2844800" cy="365125"/>
           </a:xfrm>
           <a:prstGeom prst="rect">
             <a:avLst/>
@@ -3103,8 +3098,8 @@
         </p:nvSpPr>
         <p:spPr>
           <a:xfrm>
-            <a:off x="248784" y="1956604"/>
-            <a:ext cx="1733982" cy="610455"/>
+            <a:off x="2630670" y="1896672"/>
+            <a:ext cx="1733982" cy="1062421"/>
           </a:xfrm>
           <a:prstGeom prst="roundRect">
             <a:avLst/>
@@ -3132,80 +3127,18 @@
           </a:fontRef>
         </p:style>
         <p:txBody>
-          <a:bodyPr lIns="182880" tIns="0" rIns="182880" bIns="91440" rtlCol="0" anchor="ctr" anchorCtr="1"/>
+          <a:bodyPr lIns="182880" tIns="0" rIns="182880" bIns="91440" rtlCol="0" anchor="t" anchorCtr="0"/>
           <a:lstStyle/>
           <a:p>
             <a:pPr algn="ctr"/>
             <a:r>
-              <a:rPr lang="en-US" sz="3200" dirty="0" smtClean="0">
+              <a:rPr lang="en-US" sz="3200" dirty="0">
                 <a:solidFill>
                   <a:schemeClr val="tx1"/>
                 </a:solidFill>
               </a:rPr>
               <a:t>chunk</a:t>
             </a:r>
-            <a:endParaRPr lang="en-US" sz="3200" dirty="0">
-              <a:solidFill>
-                <a:schemeClr val="tx1"/>
-              </a:solidFill>
-            </a:endParaRPr>
-          </a:p>
-        </p:txBody>
-      </p:sp>
-      <p:sp>
-        <p:nvSpPr>
-          <p:cNvPr id="91" name="Rounded Rectangle 90"/>
-          <p:cNvSpPr/>
-          <p:nvPr/>
-        </p:nvSpPr>
-        <p:spPr>
-          <a:xfrm>
-            <a:off x="3986867" y="1956604"/>
-            <a:ext cx="1661248" cy="610455"/>
-          </a:xfrm>
-          <a:prstGeom prst="roundRect">
-            <a:avLst/>
-          </a:prstGeom>
-          <a:noFill/>
-          <a:ln w="19050" cmpd="sng">
-            <a:solidFill>
-              <a:srgbClr val="000000"/>
-            </a:solidFill>
-          </a:ln>
-          <a:effectLst/>
-        </p:spPr>
-        <p:style>
-          <a:lnRef idx="1">
-            <a:schemeClr val="accent1"/>
-          </a:lnRef>
-          <a:fillRef idx="3">
-            <a:schemeClr val="accent1"/>
-          </a:fillRef>
-          <a:effectRef idx="2">
-            <a:schemeClr val="accent1"/>
-          </a:effectRef>
-          <a:fontRef idx="minor">
-            <a:schemeClr val="lt1"/>
-          </a:fontRef>
-        </p:style>
-        <p:txBody>
-          <a:bodyPr lIns="182880" tIns="0" rIns="182880" bIns="91440" rtlCol="0" anchor="ctr" anchorCtr="1"/>
-          <a:lstStyle/>
-          <a:p>
-            <a:pPr algn="ctr"/>
-            <a:r>
-              <a:rPr lang="en-US" sz="3200" dirty="0" smtClean="0">
-                <a:solidFill>
-                  <a:schemeClr val="tx1"/>
-                </a:solidFill>
-              </a:rPr>
-              <a:t>chunk</a:t>
-            </a:r>
-            <a:endParaRPr lang="en-US" sz="3200" dirty="0">
-              <a:solidFill>
-                <a:schemeClr val="tx1"/>
-              </a:solidFill>
-            </a:endParaRPr>
           </a:p>
         </p:txBody>
       </p:sp>
@@ -3217,8 +3150,8 @@
         </p:nvSpPr>
         <p:spPr>
           <a:xfrm>
-            <a:off x="265217" y="436942"/>
-            <a:ext cx="3000667" cy="884991"/>
+            <a:off x="2758688" y="436943"/>
+            <a:ext cx="2561998" cy="884991"/>
           </a:xfrm>
           <a:prstGeom prst="roundRect">
             <a:avLst/>
@@ -3272,7 +3205,7 @@
           <a:p>
             <a:pPr algn="ctr"/>
             <a:r>
-              <a:rPr lang="en-US" sz="3200" dirty="0" smtClean="0"/>
+              <a:rPr lang="en-US" sz="3200" dirty="0"/>
               <a:t>index</a:t>
             </a:r>
           </a:p>
@@ -3286,14 +3219,15 @@
         <p:nvCxnSpPr>
           <p:cNvPr id="98" name="Straight Arrow Connector 97"/>
           <p:cNvCxnSpPr>
+            <a:cxnSpLocks/>
             <a:stCxn id="90" idx="3"/>
           </p:cNvCxnSpPr>
           <p:nvPr/>
         </p:nvCxnSpPr>
         <p:spPr>
           <a:xfrm>
-            <a:off x="1982766" y="2261829"/>
-            <a:ext cx="535978" cy="8828"/>
+            <a:off x="4364652" y="2427883"/>
+            <a:ext cx="363118" cy="0"/>
           </a:xfrm>
           <a:prstGeom prst="straightConnector1">
             <a:avLst/>
@@ -3326,13 +3260,13 @@
         <p:nvCxnSpPr>
           <p:cNvPr id="99" name="Straight Arrow Connector 98"/>
           <p:cNvCxnSpPr>
-            <a:stCxn id="91" idx="3"/>
+            <a:cxnSpLocks/>
           </p:cNvCxnSpPr>
           <p:nvPr/>
         </p:nvCxnSpPr>
         <p:spPr>
           <a:xfrm flipV="1">
-            <a:off x="5648114" y="2258081"/>
+            <a:off x="7670129" y="2417896"/>
             <a:ext cx="477259" cy="3748"/>
           </a:xfrm>
           <a:prstGeom prst="straightConnector1">
@@ -3371,13 +3305,13 @@
           <p:nvPr>
             <p:extLst>
               <p:ext uri="{D42A27DB-BD31-4B8C-83A1-F6EECF244321}">
-                <p14:modId xmlns:p14="http://schemas.microsoft.com/office/powerpoint/2010/main" val="3334295540"/>
+                <p14:modId xmlns:p14="http://schemas.microsoft.com/office/powerpoint/2010/main" val="4096807072"/>
               </p:ext>
             </p:extLst>
           </p:nvPr>
         </p:nvGraphicFramePr>
         <p:xfrm>
-          <a:off x="3688730" y="830508"/>
+          <a:off x="5834314" y="830508"/>
           <a:ext cx="4137187" cy="457200"/>
         </p:xfrm>
         <a:graphic>
@@ -3387,10 +3321,34 @@
                 <a:tableStyleId>{2D5ABB26-0587-4C30-8999-92F81FD0307C}</a:tableStyleId>
               </a:tblPr>
               <a:tblGrid>
-                <a:gridCol w="982788"/>
-                <a:gridCol w="731786"/>
-                <a:gridCol w="782086"/>
-                <a:gridCol w="1640527"/>
+                <a:gridCol w="982788">
+                  <a:extLst>
+                    <a:ext uri="{9D8B030D-6E8A-4147-A177-3AD203B41FA5}">
+                      <a16:colId xmlns:a16="http://schemas.microsoft.com/office/drawing/2014/main" val="20000"/>
+                    </a:ext>
+                  </a:extLst>
+                </a:gridCol>
+                <a:gridCol w="731786">
+                  <a:extLst>
+                    <a:ext uri="{9D8B030D-6E8A-4147-A177-3AD203B41FA5}">
+                      <a16:colId xmlns:a16="http://schemas.microsoft.com/office/drawing/2014/main" val="20001"/>
+                    </a:ext>
+                  </a:extLst>
+                </a:gridCol>
+                <a:gridCol w="782086">
+                  <a:extLst>
+                    <a:ext uri="{9D8B030D-6E8A-4147-A177-3AD203B41FA5}">
+                      <a16:colId xmlns:a16="http://schemas.microsoft.com/office/drawing/2014/main" val="20002"/>
+                    </a:ext>
+                  </a:extLst>
+                </a:gridCol>
+                <a:gridCol w="1640527">
+                  <a:extLst>
+                    <a:ext uri="{9D8B030D-6E8A-4147-A177-3AD203B41FA5}">
+                      <a16:colId xmlns:a16="http://schemas.microsoft.com/office/drawing/2014/main" val="20003"/>
+                    </a:ext>
+                  </a:extLst>
+                </a:gridCol>
               </a:tblGrid>
               <a:tr h="0">
                 <a:tc>
@@ -3400,10 +3358,9 @@
                     <a:p>
                       <a:pPr algn="ctr"/>
                       <a:r>
-                        <a:rPr lang="en-US" sz="2400" b="0" dirty="0" smtClean="0"/>
+                        <a:rPr lang="en-US" sz="2400" b="0" dirty="0"/>
                         <a:t>none</a:t>
                       </a:r>
-                      <a:endParaRPr lang="en-US" sz="2400" b="0" dirty="0"/>
                     </a:p>
                   </a:txBody>
                   <a:tcPr marL="100584" marR="100584">
@@ -3455,10 +3412,9 @@
                     <a:p>
                       <a:pPr algn="ctr"/>
                       <a:r>
-                        <a:rPr lang="en-US" sz="2400" b="0" dirty="0" smtClean="0"/>
+                        <a:rPr lang="en-US" sz="2400" b="0" dirty="0"/>
                         <a:t>3</a:t>
                       </a:r>
-                      <a:endParaRPr lang="en-US" sz="2400" b="0" dirty="0"/>
                     </a:p>
                   </a:txBody>
                   <a:tcPr marL="100584" marR="100584">
@@ -3510,10 +3466,9 @@
                     <a:p>
                       <a:pPr algn="ctr"/>
                       <a:r>
-                        <a:rPr lang="en-US" sz="2400" b="0" dirty="0" smtClean="0"/>
+                        <a:rPr lang="en-US" sz="2400" b="0" dirty="0"/>
                         <a:t>4</a:t>
                       </a:r>
-                      <a:endParaRPr lang="en-US" sz="2400" b="0" dirty="0"/>
                     </a:p>
                   </a:txBody>
                   <a:tcPr marL="100584" marR="100584">
@@ -3565,10 +3520,9 @@
                     <a:p>
                       <a:pPr algn="ctr"/>
                       <a:r>
-                        <a:rPr lang="en-US" sz="2400" b="0" dirty="0" smtClean="0"/>
+                        <a:rPr lang="en-US" sz="2400" b="0" dirty="0"/>
                         <a:t>…</a:t>
                       </a:r>
-                      <a:endParaRPr lang="en-US" sz="2400" b="0" dirty="0"/>
                     </a:p>
                   </a:txBody>
                   <a:tcPr marL="100584" marR="100584">
@@ -3613,6 +3567,11 @@
                     </a:solidFill>
                   </a:tcPr>
                 </a:tc>
+                <a:extLst>
+                  <a:ext uri="{0D108BD9-81ED-4DB2-BD59-A6C34878D82A}">
+                    <a16:rowId xmlns:a16="http://schemas.microsoft.com/office/drawing/2014/main" val="10000"/>
+                  </a:ext>
+                </a:extLst>
               </a:tr>
             </a:tbl>
           </a:graphicData>
@@ -3626,7 +3585,7 @@
         </p:nvSpPr>
         <p:spPr>
           <a:xfrm>
-            <a:off x="5474382" y="2832295"/>
+            <a:off x="7990668" y="2869366"/>
             <a:ext cx="2922326" cy="1282152"/>
           </a:xfrm>
           <a:prstGeom prst="roundRect">
@@ -3671,13 +3630,15 @@
       <p:cxnSp>
         <p:nvCxnSpPr>
           <p:cNvPr id="109" name="Straight Arrow Connector 108"/>
-          <p:cNvCxnSpPr/>
+          <p:cNvCxnSpPr>
+            <a:cxnSpLocks/>
+          </p:cNvCxnSpPr>
           <p:nvPr/>
         </p:nvCxnSpPr>
         <p:spPr>
           <a:xfrm>
-            <a:off x="4937655" y="2567059"/>
-            <a:ext cx="536727" cy="373797"/>
+            <a:off x="7667783" y="2780688"/>
+            <a:ext cx="322885" cy="215695"/>
           </a:xfrm>
           <a:prstGeom prst="straightConnector1">
             <a:avLst/>
@@ -3714,7 +3675,7 @@
         </p:nvSpPr>
         <p:spPr>
           <a:xfrm>
-            <a:off x="3634354" y="122887"/>
+            <a:off x="5779938" y="122887"/>
             <a:ext cx="4146501" cy="571072"/>
           </a:xfrm>
           <a:prstGeom prst="roundRect">
@@ -3776,12 +3737,8 @@
               </a:lnSpc>
             </a:pPr>
             <a:r>
-              <a:rPr lang="en-US" sz="2800" dirty="0" smtClean="0"/>
-              <a:t>PSA (pending scan array</a:t>
-            </a:r>
-            <a:r>
-              <a:rPr lang="en-US" sz="2800" dirty="0" smtClean="0"/>
-              <a:t>)</a:t>
+              <a:rPr lang="en-US" sz="2800" dirty="0"/>
+              <a:t>PSA (pending scan array)</a:t>
             </a:r>
             <a:endParaRPr lang="en-US" b="1" dirty="0"/>
           </a:p>
@@ -3795,7 +3752,7 @@
         </p:nvSpPr>
         <p:spPr>
           <a:xfrm>
-            <a:off x="911599" y="4831577"/>
+            <a:off x="3057182" y="4831577"/>
             <a:ext cx="1607144" cy="457200"/>
           </a:xfrm>
           <a:prstGeom prst="roundRect">
@@ -3829,7 +3786,7 @@
           <a:p>
             <a:pPr algn="ctr"/>
             <a:r>
-              <a:rPr lang="en-US" sz="3200" dirty="0" err="1" smtClean="0">
+              <a:rPr lang="en-US" sz="3200" dirty="0" err="1">
                 <a:solidFill>
                   <a:schemeClr val="tx1"/>
                 </a:solidFill>
@@ -3852,7 +3809,7 @@
         </p:nvSpPr>
         <p:spPr>
           <a:xfrm>
-            <a:off x="911599" y="5441177"/>
+            <a:off x="3057182" y="5441177"/>
             <a:ext cx="1607144" cy="457200"/>
           </a:xfrm>
           <a:prstGeom prst="roundRect">
@@ -3886,7 +3843,7 @@
           <a:p>
             <a:pPr algn="ctr"/>
             <a:r>
-              <a:rPr lang="en-US" sz="3200" dirty="0" err="1" smtClean="0">
+              <a:rPr lang="en-US" sz="3200" dirty="0" err="1">
                 <a:solidFill>
                   <a:schemeClr val="tx1"/>
                 </a:solidFill>
@@ -3909,7 +3866,7 @@
         </p:nvSpPr>
         <p:spPr>
           <a:xfrm>
-            <a:off x="916686" y="6016683"/>
+            <a:off x="3062269" y="6016683"/>
             <a:ext cx="1607144" cy="457200"/>
           </a:xfrm>
           <a:prstGeom prst="roundRect">
@@ -3943,7 +3900,7 @@
           <a:p>
             <a:pPr algn="ctr"/>
             <a:r>
-              <a:rPr lang="en-US" sz="3200" dirty="0" err="1" smtClean="0">
+              <a:rPr lang="en-US" sz="3200" dirty="0" err="1">
                 <a:solidFill>
                   <a:schemeClr val="tx1"/>
                 </a:solidFill>
@@ -3966,7 +3923,7 @@
         </p:nvSpPr>
         <p:spPr>
           <a:xfrm>
-            <a:off x="6629558" y="2940853"/>
+            <a:off x="9145844" y="2977924"/>
             <a:ext cx="1607144" cy="457200"/>
           </a:xfrm>
           <a:prstGeom prst="roundRect">
@@ -4000,7 +3957,7 @@
           <a:p>
             <a:pPr algn="ctr"/>
             <a:r>
-              <a:rPr lang="en-US" sz="3200" dirty="0" err="1" smtClean="0">
+              <a:rPr lang="en-US" sz="3200" dirty="0" err="1">
                 <a:solidFill>
                   <a:schemeClr val="tx1"/>
                 </a:solidFill>
@@ -4023,7 +3980,7 @@
         </p:nvSpPr>
         <p:spPr>
           <a:xfrm>
-            <a:off x="6629558" y="3550453"/>
+            <a:off x="9145844" y="3587524"/>
             <a:ext cx="1607144" cy="457200"/>
           </a:xfrm>
           <a:prstGeom prst="roundRect">
@@ -4057,7 +4014,7 @@
           <a:p>
             <a:pPr algn="ctr"/>
             <a:r>
-              <a:rPr lang="en-US" sz="3200" dirty="0" err="1" smtClean="0">
+              <a:rPr lang="en-US" sz="3200" dirty="0" err="1">
                 <a:solidFill>
                   <a:schemeClr val="tx1"/>
                 </a:solidFill>
@@ -4080,7 +4037,7 @@
         </p:nvSpPr>
         <p:spPr>
           <a:xfrm rot="16200000">
-            <a:off x="4511679" y="3180984"/>
+            <a:off x="7027965" y="3218055"/>
             <a:ext cx="1282152" cy="584776"/>
           </a:xfrm>
           <a:prstGeom prst="rect">
@@ -4114,7 +4071,7 @@
         </p:nvSpPr>
         <p:spPr>
           <a:xfrm>
-            <a:off x="684379" y="4669738"/>
+            <a:off x="2829963" y="4669739"/>
             <a:ext cx="2149091" cy="1966383"/>
           </a:xfrm>
           <a:prstGeom prst="roundRect">
@@ -4164,7 +4121,7 @@
         </p:nvSpPr>
         <p:spPr>
           <a:xfrm rot="16200000">
-            <a:off x="-620439" y="5360540"/>
+            <a:off x="1525145" y="5360540"/>
             <a:ext cx="1966383" cy="584776"/>
           </a:xfrm>
           <a:prstGeom prst="rect">
@@ -4179,7 +4136,7 @@
           <a:p>
             <a:pPr algn="ctr"/>
             <a:r>
-              <a:rPr lang="en-US" sz="3200" dirty="0" smtClean="0">
+              <a:rPr lang="en-US" sz="3200" dirty="0">
                 <a:solidFill>
                   <a:prstClr val="black"/>
                 </a:solidFill>
@@ -4193,13 +4150,15 @@
       <p:cxnSp>
         <p:nvCxnSpPr>
           <p:cNvPr id="161" name="Straight Connector 160"/>
-          <p:cNvCxnSpPr/>
+          <p:cNvCxnSpPr>
+            <a:cxnSpLocks/>
+          </p:cNvCxnSpPr>
           <p:nvPr/>
         </p:nvCxnSpPr>
         <p:spPr>
           <a:xfrm flipV="1">
-            <a:off x="0" y="4301185"/>
-            <a:ext cx="10058400" cy="40964"/>
+            <a:off x="0" y="4313007"/>
+            <a:ext cx="12207459" cy="25981"/>
           </a:xfrm>
           <a:prstGeom prst="line">
             <a:avLst/>
@@ -4237,8 +4196,8 @@
         </p:nvSpPr>
         <p:spPr>
           <a:xfrm>
-            <a:off x="9019603" y="3738268"/>
-            <a:ext cx="995785" cy="1077218"/>
+            <a:off x="11118699" y="3738268"/>
+            <a:ext cx="1088760" cy="1077218"/>
           </a:xfrm>
           <a:prstGeom prst="rect">
             <a:avLst/>
@@ -4252,7 +4211,7 @@
           <a:p>
             <a:pPr lvl="0" algn="ctr"/>
             <a:r>
-              <a:rPr lang="en-US" sz="3200" dirty="0" smtClean="0">
+              <a:rPr lang="en-US" sz="3200" dirty="0">
                 <a:solidFill>
                   <a:prstClr val="black"/>
                 </a:solidFill>
@@ -4263,7 +4222,7 @@
           <a:p>
             <a:pPr lvl="0" algn="ctr"/>
             <a:r>
-              <a:rPr lang="en-US" sz="3200" dirty="0" smtClean="0">
+              <a:rPr lang="en-US" sz="3200" dirty="0">
                 <a:solidFill>
                   <a:prstClr val="black"/>
                 </a:solidFill>
@@ -4277,6 +4236,7 @@
         <p:nvCxnSpPr>
           <p:cNvPr id="165" name="Straight Arrow Connector 164"/>
           <p:cNvCxnSpPr>
+            <a:cxnSpLocks/>
             <a:stCxn id="90" idx="2"/>
             <a:endCxn id="141" idx="0"/>
           </p:cNvCxnSpPr>
@@ -4284,8 +4244,8 @@
         </p:nvCxnSpPr>
         <p:spPr>
           <a:xfrm>
-            <a:off x="1115776" y="2567059"/>
-            <a:ext cx="643149" cy="2102679"/>
+            <a:off x="3497661" y="2959093"/>
+            <a:ext cx="406848" cy="1710646"/>
           </a:xfrm>
           <a:prstGeom prst="straightConnector1">
             <a:avLst/>
@@ -4322,7 +4282,7 @@
         </p:nvSpPr>
         <p:spPr>
           <a:xfrm>
-            <a:off x="4203503" y="4833772"/>
+            <a:off x="6349086" y="4833772"/>
             <a:ext cx="1607144" cy="457200"/>
           </a:xfrm>
           <a:prstGeom prst="roundRect">
@@ -4356,7 +4316,7 @@
           <a:p>
             <a:pPr algn="ctr"/>
             <a:r>
-              <a:rPr lang="en-US" sz="3200" dirty="0" err="1" smtClean="0">
+              <a:rPr lang="en-US" sz="3200" dirty="0" err="1">
                 <a:solidFill>
                   <a:schemeClr val="tx1"/>
                 </a:solidFill>
@@ -4379,7 +4339,7 @@
         </p:nvSpPr>
         <p:spPr>
           <a:xfrm>
-            <a:off x="4203503" y="5443372"/>
+            <a:off x="6349086" y="5443372"/>
             <a:ext cx="1607144" cy="457200"/>
           </a:xfrm>
           <a:prstGeom prst="roundRect">
@@ -4413,7 +4373,7 @@
           <a:p>
             <a:pPr algn="ctr"/>
             <a:r>
-              <a:rPr lang="en-US" sz="3200" dirty="0" err="1" smtClean="0">
+              <a:rPr lang="en-US" sz="3200" dirty="0" err="1">
                 <a:solidFill>
                   <a:schemeClr val="tx1"/>
                 </a:solidFill>
@@ -4436,7 +4396,7 @@
         </p:nvSpPr>
         <p:spPr>
           <a:xfrm>
-            <a:off x="4208590" y="6018878"/>
+            <a:off x="6354173" y="6018878"/>
             <a:ext cx="1607144" cy="457200"/>
           </a:xfrm>
           <a:prstGeom prst="roundRect">
@@ -4470,7 +4430,7 @@
           <a:p>
             <a:pPr algn="ctr"/>
             <a:r>
-              <a:rPr lang="en-US" sz="3200" dirty="0" err="1" smtClean="0">
+              <a:rPr lang="en-US" sz="3200" dirty="0" err="1">
                 <a:solidFill>
                   <a:schemeClr val="tx1"/>
                 </a:solidFill>
@@ -4493,7 +4453,7 @@
         </p:nvSpPr>
         <p:spPr>
           <a:xfrm>
-            <a:off x="3976283" y="4671933"/>
+            <a:off x="6121867" y="4671934"/>
             <a:ext cx="2149091" cy="1966383"/>
           </a:xfrm>
           <a:prstGeom prst="roundRect">
@@ -4543,7 +4503,7 @@
         </p:nvSpPr>
         <p:spPr>
           <a:xfrm rot="16200000">
-            <a:off x="2671465" y="5362735"/>
+            <a:off x="4817049" y="5362735"/>
             <a:ext cx="1966383" cy="584776"/>
           </a:xfrm>
           <a:prstGeom prst="rect">
@@ -4558,7 +4518,7 @@
           <a:p>
             <a:pPr algn="ctr"/>
             <a:r>
-              <a:rPr lang="en-US" sz="3200" dirty="0" smtClean="0">
+              <a:rPr lang="en-US" sz="3200" dirty="0">
                 <a:solidFill>
                   <a:prstClr val="black"/>
                 </a:solidFill>
@@ -4573,14 +4533,16 @@
         <p:nvCxnSpPr>
           <p:cNvPr id="174" name="Straight Arrow Connector 173"/>
           <p:cNvCxnSpPr>
+            <a:cxnSpLocks/>
+            <a:stCxn id="70" idx="2"/>
             <a:endCxn id="172" idx="0"/>
           </p:cNvCxnSpPr>
           <p:nvPr/>
         </p:nvCxnSpPr>
         <p:spPr>
           <a:xfrm>
-            <a:off x="4416158" y="2567056"/>
-            <a:ext cx="634669" cy="2104874"/>
+            <a:off x="6800792" y="2975833"/>
+            <a:ext cx="395621" cy="1696101"/>
           </a:xfrm>
           <a:prstGeom prst="straightConnector1">
             <a:avLst/>
@@ -4617,7 +4579,7 @@
         </p:nvSpPr>
         <p:spPr>
           <a:xfrm>
-            <a:off x="6289835" y="2189766"/>
+            <a:off x="8237706" y="2350406"/>
             <a:ext cx="150876" cy="137160"/>
           </a:xfrm>
           <a:prstGeom prst="ellipse">
@@ -4663,7 +4625,7 @@
         </p:nvSpPr>
         <p:spPr>
           <a:xfrm>
-            <a:off x="6543710" y="2185366"/>
+            <a:off x="8491581" y="2346006"/>
             <a:ext cx="150876" cy="137160"/>
           </a:xfrm>
           <a:prstGeom prst="ellipse">
@@ -4709,7 +4671,7 @@
         </p:nvSpPr>
         <p:spPr>
           <a:xfrm>
-            <a:off x="6793701" y="2189766"/>
+            <a:off x="8741572" y="2350406"/>
             <a:ext cx="150876" cy="137160"/>
           </a:xfrm>
           <a:prstGeom prst="ellipse">
@@ -4751,14 +4713,15 @@
         <p:nvCxnSpPr>
           <p:cNvPr id="183" name="Straight Arrow Connector 182"/>
           <p:cNvCxnSpPr>
+            <a:cxnSpLocks/>
             <a:endCxn id="90" idx="0"/>
           </p:cNvCxnSpPr>
           <p:nvPr/>
         </p:nvCxnSpPr>
         <p:spPr>
           <a:xfrm flipH="1">
-            <a:off x="1115774" y="1321933"/>
-            <a:ext cx="145475" cy="634671"/>
+            <a:off x="3497661" y="1321934"/>
+            <a:ext cx="122869" cy="574738"/>
           </a:xfrm>
           <a:prstGeom prst="straightConnector1">
             <a:avLst/>
@@ -4791,14 +4754,14 @@
         <p:nvCxnSpPr>
           <p:cNvPr id="186" name="Straight Arrow Connector 185"/>
           <p:cNvCxnSpPr>
-            <a:endCxn id="91" idx="0"/>
+            <a:cxnSpLocks/>
           </p:cNvCxnSpPr>
           <p:nvPr/>
         </p:nvCxnSpPr>
         <p:spPr>
           <a:xfrm>
-            <a:off x="2582186" y="1321933"/>
-            <a:ext cx="2235303" cy="634671"/>
+            <a:off x="4727770" y="1321934"/>
+            <a:ext cx="1665101" cy="508087"/>
           </a:xfrm>
           <a:prstGeom prst="straightConnector1">
             <a:avLst/>
@@ -4830,13 +4793,16 @@
       <p:cxnSp>
         <p:nvCxnSpPr>
           <p:cNvPr id="193" name="Straight Arrow Connector 192"/>
-          <p:cNvCxnSpPr/>
+          <p:cNvCxnSpPr>
+            <a:cxnSpLocks/>
+            <a:endCxn id="70" idx="1"/>
+          </p:cNvCxnSpPr>
           <p:nvPr/>
         </p:nvCxnSpPr>
         <p:spPr>
-          <a:xfrm>
-            <a:off x="3335459" y="2270657"/>
-            <a:ext cx="659299" cy="0"/>
+          <a:xfrm flipV="1">
+            <a:off x="5545072" y="2444623"/>
+            <a:ext cx="388729" cy="12926"/>
           </a:xfrm>
           <a:prstGeom prst="straightConnector1">
             <a:avLst/>
@@ -4873,7 +4839,7 @@
         </p:nvSpPr>
         <p:spPr>
           <a:xfrm>
-            <a:off x="2582186" y="2191961"/>
+            <a:off x="4797322" y="2340245"/>
             <a:ext cx="150876" cy="137160"/>
           </a:xfrm>
           <a:prstGeom prst="ellipse">
@@ -4919,7 +4885,7 @@
         </p:nvSpPr>
         <p:spPr>
           <a:xfrm>
-            <a:off x="2836061" y="2187561"/>
+            <a:off x="5051197" y="2335845"/>
             <a:ext cx="150876" cy="137160"/>
           </a:xfrm>
           <a:prstGeom prst="ellipse">
@@ -4965,7 +4931,7 @@
         </p:nvSpPr>
         <p:spPr>
           <a:xfrm>
-            <a:off x="3086052" y="2191961"/>
+            <a:off x="5301188" y="2340245"/>
             <a:ext cx="150876" cy="137160"/>
           </a:xfrm>
           <a:prstGeom prst="ellipse">
@@ -5011,7 +4977,7 @@
         </p:nvSpPr>
         <p:spPr>
           <a:xfrm>
-            <a:off x="8159676" y="445121"/>
+            <a:off x="10305259" y="445122"/>
             <a:ext cx="1739126" cy="1302665"/>
           </a:xfrm>
           <a:prstGeom prst="roundRect">
@@ -5045,7 +5011,7 @@
           <a:p>
             <a:pPr algn="ctr"/>
             <a:r>
-              <a:rPr lang="en-US" sz="2800" dirty="0" smtClean="0">
+              <a:rPr lang="en-US" sz="2800" dirty="0">
                 <a:solidFill>
                   <a:schemeClr val="tx1"/>
                 </a:solidFill>
@@ -5069,13 +5035,13 @@
           <p:nvPr>
             <p:extLst>
               <p:ext uri="{D42A27DB-BD31-4B8C-83A1-F6EECF244321}">
-                <p14:modId xmlns:p14="http://schemas.microsoft.com/office/powerpoint/2010/main" val="225066900"/>
+                <p14:modId xmlns:p14="http://schemas.microsoft.com/office/powerpoint/2010/main" val="723944270"/>
               </p:ext>
             </p:extLst>
           </p:nvPr>
         </p:nvGraphicFramePr>
         <p:xfrm>
-          <a:off x="5762412" y="3181512"/>
+          <a:off x="8278699" y="3218584"/>
           <a:ext cx="632587" cy="853451"/>
         </p:xfrm>
         <a:graphic>
@@ -5085,7 +5051,13 @@
                 <a:tableStyleId>{2D5ABB26-0587-4C30-8999-92F81FD0307C}</a:tableStyleId>
               </a:tblPr>
               <a:tblGrid>
-                <a:gridCol w="632587"/>
+                <a:gridCol w="632587">
+                  <a:extLst>
+                    <a:ext uri="{9D8B030D-6E8A-4147-A177-3AD203B41FA5}">
+                      <a16:colId xmlns:a16="http://schemas.microsoft.com/office/drawing/2014/main" val="20000"/>
+                    </a:ext>
+                  </a:extLst>
+                </a:gridCol>
               </a:tblGrid>
               <a:tr h="276297">
                 <a:tc>
@@ -5139,6 +5111,11 @@
                     </a:solidFill>
                   </a:tcPr>
                 </a:tc>
+                <a:extLst>
+                  <a:ext uri="{0D108BD9-81ED-4DB2-BD59-A6C34878D82A}">
+                    <a16:rowId xmlns:a16="http://schemas.microsoft.com/office/drawing/2014/main" val="10000"/>
+                  </a:ext>
+                </a:extLst>
               </a:tr>
               <a:tr h="288577">
                 <a:tc>
@@ -5192,6 +5169,11 @@
                     </a:solidFill>
                   </a:tcPr>
                 </a:tc>
+                <a:extLst>
+                  <a:ext uri="{0D108BD9-81ED-4DB2-BD59-A6C34878D82A}">
+                    <a16:rowId xmlns:a16="http://schemas.microsoft.com/office/drawing/2014/main" val="10001"/>
+                  </a:ext>
+                </a:extLst>
               </a:tr>
               <a:tr h="288577">
                 <a:tc>
@@ -5245,6 +5227,11 @@
                     </a:solidFill>
                   </a:tcPr>
                 </a:tc>
+                <a:extLst>
+                  <a:ext uri="{0D108BD9-81ED-4DB2-BD59-A6C34878D82A}">
+                    <a16:rowId xmlns:a16="http://schemas.microsoft.com/office/drawing/2014/main" val="10002"/>
+                  </a:ext>
+                </a:extLst>
               </a:tr>
             </a:tbl>
           </a:graphicData>
@@ -5258,7 +5245,7 @@
         </p:nvSpPr>
         <p:spPr>
           <a:xfrm>
-            <a:off x="5641717" y="2731260"/>
+            <a:off x="8158004" y="2768331"/>
             <a:ext cx="763425" cy="523220"/>
           </a:xfrm>
           <a:prstGeom prst="rect">
@@ -5272,10 +5259,1016 @@
           <a:lstStyle/>
           <a:p>
             <a:r>
-              <a:rPr lang="en-US" sz="2800" dirty="0" smtClean="0"/>
+              <a:rPr lang="en-US" sz="2800" dirty="0"/>
               <a:t>PPA</a:t>
             </a:r>
-            <a:endParaRPr lang="en-US" sz="2800" dirty="0"/>
+          </a:p>
+        </p:txBody>
+      </p:sp>
+      <p:sp>
+        <p:nvSpPr>
+          <p:cNvPr id="40" name="Rounded Rectangle 39">
+            <a:extLst>
+              <a:ext uri="{FF2B5EF4-FFF2-40B4-BE49-F238E27FC236}">
+                <a16:creationId xmlns:a16="http://schemas.microsoft.com/office/drawing/2014/main" id="{75CD762C-8D2C-E044-A99B-A379022A7F0A}"/>
+              </a:ext>
+            </a:extLst>
+          </p:cNvPr>
+          <p:cNvSpPr/>
+          <p:nvPr/>
+        </p:nvSpPr>
+        <p:spPr>
+          <a:xfrm>
+            <a:off x="142277" y="471042"/>
+            <a:ext cx="2149091" cy="3599230"/>
+          </a:xfrm>
+          <a:prstGeom prst="roundRect">
+            <a:avLst/>
+          </a:prstGeom>
+          <a:noFill/>
+          <a:ln w="19050" cmpd="sng">
+            <a:solidFill>
+              <a:srgbClr val="000000"/>
+            </a:solidFill>
+            <a:prstDash val="solid"/>
+          </a:ln>
+          <a:effectLst/>
+        </p:spPr>
+        <p:style>
+          <a:lnRef idx="1">
+            <a:schemeClr val="accent1"/>
+          </a:lnRef>
+          <a:fillRef idx="3">
+            <a:schemeClr val="accent1"/>
+          </a:fillRef>
+          <a:effectRef idx="2">
+            <a:schemeClr val="accent1"/>
+          </a:effectRef>
+          <a:fontRef idx="minor">
+            <a:schemeClr val="lt1"/>
+          </a:fontRef>
+        </p:style>
+        <p:txBody>
+          <a:bodyPr lIns="182880" tIns="0" rIns="182880" bIns="91440" rtlCol="0" anchor="t" anchorCtr="1"/>
+          <a:lstStyle/>
+          <a:p>
+            <a:pPr algn="ctr"/>
+            <a:r>
+              <a:rPr lang="en-US" sz="3200" dirty="0">
+                <a:solidFill>
+                  <a:schemeClr val="tx1"/>
+                </a:solidFill>
+              </a:rPr>
+              <a:t>row cache</a:t>
+            </a:r>
+          </a:p>
+        </p:txBody>
+      </p:sp>
+      <p:sp>
+        <p:nvSpPr>
+          <p:cNvPr id="7" name="TextBox 6">
+            <a:extLst>
+              <a:ext uri="{FF2B5EF4-FFF2-40B4-BE49-F238E27FC236}">
+                <a16:creationId xmlns:a16="http://schemas.microsoft.com/office/drawing/2014/main" id="{2A445EC8-24BF-204E-86C0-44593E5065BF}"/>
+              </a:ext>
+            </a:extLst>
+          </p:cNvPr>
+          <p:cNvSpPr txBox="1"/>
+          <p:nvPr/>
+        </p:nvSpPr>
+        <p:spPr>
+          <a:xfrm>
+            <a:off x="409960" y="1553559"/>
+            <a:ext cx="612506" cy="461665"/>
+          </a:xfrm>
+          <a:prstGeom prst="rect">
+            <a:avLst/>
+          </a:prstGeom>
+          <a:noFill/>
+        </p:spPr>
+        <p:txBody>
+          <a:bodyPr wrap="square" rtlCol="0">
+            <a:spAutoFit/>
+          </a:bodyPr>
+          <a:lstStyle/>
+          <a:p>
+            <a:r>
+              <a:rPr lang="en-US" sz="2400" dirty="0"/>
+              <a:t>key</a:t>
+            </a:r>
+          </a:p>
+        </p:txBody>
+      </p:sp>
+      <p:graphicFrame>
+        <p:nvGraphicFramePr>
+          <p:cNvPr id="46" name="Table 45">
+            <a:extLst>
+              <a:ext uri="{FF2B5EF4-FFF2-40B4-BE49-F238E27FC236}">
+                <a16:creationId xmlns:a16="http://schemas.microsoft.com/office/drawing/2014/main" id="{F5ED96CD-9714-634A-AA24-0479C2A89C6E}"/>
+              </a:ext>
+            </a:extLst>
+          </p:cNvPr>
+          <p:cNvGraphicFramePr>
+            <a:graphicFrameLocks noGrp="1"/>
+          </p:cNvGraphicFramePr>
+          <p:nvPr>
+            <p:extLst>
+              <p:ext uri="{D42A27DB-BD31-4B8C-83A1-F6EECF244321}">
+                <p14:modId xmlns:p14="http://schemas.microsoft.com/office/powerpoint/2010/main" val="1942133668"/>
+              </p:ext>
+            </p:extLst>
+          </p:nvPr>
+        </p:nvGraphicFramePr>
+        <p:xfrm>
+          <a:off x="399817" y="2015223"/>
+          <a:ext cx="1633566" cy="1821287"/>
+        </p:xfrm>
+        <a:graphic>
+          <a:graphicData uri="http://schemas.openxmlformats.org/drawingml/2006/table">
+            <a:tbl>
+              <a:tblPr firstRow="1" bandRow="1">
+                <a:tableStyleId>{2D5ABB26-0587-4C30-8999-92F81FD0307C}</a:tableStyleId>
+              </a:tblPr>
+              <a:tblGrid>
+                <a:gridCol w="632632">
+                  <a:extLst>
+                    <a:ext uri="{9D8B030D-6E8A-4147-A177-3AD203B41FA5}">
+                      <a16:colId xmlns:a16="http://schemas.microsoft.com/office/drawing/2014/main" val="20000"/>
+                    </a:ext>
+                  </a:extLst>
+                </a:gridCol>
+                <a:gridCol w="1000934">
+                  <a:extLst>
+                    <a:ext uri="{9D8B030D-6E8A-4147-A177-3AD203B41FA5}">
+                      <a16:colId xmlns:a16="http://schemas.microsoft.com/office/drawing/2014/main" val="1950249366"/>
+                    </a:ext>
+                  </a:extLst>
+                </a:gridCol>
+              </a:tblGrid>
+              <a:tr h="292707">
+                <a:tc>
+                  <a:txBody>
+                    <a:bodyPr/>
+                    <a:lstStyle/>
+                    <a:p>
+                      <a:pPr algn="ctr"/>
+                      <a:endParaRPr lang="en-US" sz="1200" b="0" dirty="0"/>
+                    </a:p>
+                  </a:txBody>
+                  <a:tcPr marL="100584" marR="100584">
+                    <a:lnL w="12700" cap="flat" cmpd="sng" algn="ctr">
+                      <a:solidFill>
+                        <a:scrgbClr r="0" g="0" b="0"/>
+                      </a:solidFill>
+                      <a:prstDash val="solid"/>
+                      <a:round/>
+                      <a:headEnd type="none" w="med" len="med"/>
+                      <a:tailEnd type="none" w="med" len="med"/>
+                    </a:lnL>
+                    <a:lnR w="12700" cap="flat" cmpd="sng" algn="ctr">
+                      <a:solidFill>
+                        <a:scrgbClr r="0" g="0" b="0"/>
+                      </a:solidFill>
+                      <a:prstDash val="solid"/>
+                      <a:round/>
+                      <a:headEnd type="none" w="med" len="med"/>
+                      <a:tailEnd type="none" w="med" len="med"/>
+                    </a:lnR>
+                    <a:lnT w="12700" cap="flat" cmpd="sng" algn="ctr">
+                      <a:solidFill>
+                        <a:scrgbClr r="0" g="0" b="0"/>
+                      </a:solidFill>
+                      <a:prstDash val="solid"/>
+                      <a:round/>
+                      <a:headEnd type="none" w="med" len="med"/>
+                      <a:tailEnd type="none" w="med" len="med"/>
+                    </a:lnT>
+                    <a:lnB w="12700" cap="flat" cmpd="sng" algn="ctr">
+                      <a:solidFill>
+                        <a:scrgbClr r="0" g="0" b="0"/>
+                      </a:solidFill>
+                      <a:prstDash val="solid"/>
+                      <a:round/>
+                      <a:headEnd type="none" w="med" len="med"/>
+                      <a:tailEnd type="none" w="med" len="med"/>
+                    </a:lnB>
+                    <a:solidFill>
+                      <a:srgbClr val="FFFFFF"/>
+                    </a:solidFill>
+                  </a:tcPr>
+                </a:tc>
+                <a:tc>
+                  <a:txBody>
+                    <a:bodyPr/>
+                    <a:lstStyle/>
+                    <a:p>
+                      <a:pPr algn="ctr"/>
+                      <a:endParaRPr lang="en-US" sz="1200" b="0" dirty="0"/>
+                    </a:p>
+                  </a:txBody>
+                  <a:tcPr marL="100584" marR="100584">
+                    <a:lnL w="12700" cap="flat" cmpd="sng" algn="ctr">
+                      <a:solidFill>
+                        <a:scrgbClr r="0" g="0" b="0"/>
+                      </a:solidFill>
+                      <a:prstDash val="solid"/>
+                      <a:round/>
+                      <a:headEnd type="none" w="med" len="med"/>
+                      <a:tailEnd type="none" w="med" len="med"/>
+                    </a:lnL>
+                    <a:lnR w="12700" cap="flat" cmpd="sng" algn="ctr">
+                      <a:solidFill>
+                        <a:scrgbClr r="0" g="0" b="0"/>
+                      </a:solidFill>
+                      <a:prstDash val="solid"/>
+                      <a:round/>
+                      <a:headEnd type="none" w="med" len="med"/>
+                      <a:tailEnd type="none" w="med" len="med"/>
+                    </a:lnR>
+                    <a:lnT w="12700" cap="flat" cmpd="sng" algn="ctr">
+                      <a:solidFill>
+                        <a:scrgbClr r="0" g="0" b="0"/>
+                      </a:solidFill>
+                      <a:prstDash val="solid"/>
+                      <a:round/>
+                      <a:headEnd type="none" w="med" len="med"/>
+                      <a:tailEnd type="none" w="med" len="med"/>
+                    </a:lnT>
+                    <a:lnB w="12700" cap="flat" cmpd="sng" algn="ctr">
+                      <a:solidFill>
+                        <a:scrgbClr r="0" g="0" b="0"/>
+                      </a:solidFill>
+                      <a:prstDash val="solid"/>
+                      <a:round/>
+                      <a:headEnd type="none" w="med" len="med"/>
+                      <a:tailEnd type="none" w="med" len="med"/>
+                    </a:lnB>
+                    <a:solidFill>
+                      <a:srgbClr val="FFFFFF"/>
+                    </a:solidFill>
+                  </a:tcPr>
+                </a:tc>
+                <a:extLst>
+                  <a:ext uri="{0D108BD9-81ED-4DB2-BD59-A6C34878D82A}">
+                    <a16:rowId xmlns:a16="http://schemas.microsoft.com/office/drawing/2014/main" val="10000"/>
+                  </a:ext>
+                </a:extLst>
+              </a:tr>
+              <a:tr h="305716">
+                <a:tc>
+                  <a:txBody>
+                    <a:bodyPr/>
+                    <a:lstStyle/>
+                    <a:p>
+                      <a:pPr algn="ctr"/>
+                      <a:endParaRPr lang="en-US" sz="1200" b="0" dirty="0"/>
+                    </a:p>
+                  </a:txBody>
+                  <a:tcPr marL="100584" marR="100584">
+                    <a:lnL w="12700" cap="flat" cmpd="sng" algn="ctr">
+                      <a:solidFill>
+                        <a:scrgbClr r="0" g="0" b="0"/>
+                      </a:solidFill>
+                      <a:prstDash val="solid"/>
+                      <a:round/>
+                      <a:headEnd type="none" w="med" len="med"/>
+                      <a:tailEnd type="none" w="med" len="med"/>
+                    </a:lnL>
+                    <a:lnR w="12700" cap="flat" cmpd="sng" algn="ctr">
+                      <a:solidFill>
+                        <a:scrgbClr r="0" g="0" b="0"/>
+                      </a:solidFill>
+                      <a:prstDash val="solid"/>
+                      <a:round/>
+                      <a:headEnd type="none" w="med" len="med"/>
+                      <a:tailEnd type="none" w="med" len="med"/>
+                    </a:lnR>
+                    <a:lnT w="12700" cap="flat" cmpd="sng" algn="ctr">
+                      <a:solidFill>
+                        <a:scrgbClr r="0" g="0" b="0"/>
+                      </a:solidFill>
+                      <a:prstDash val="solid"/>
+                      <a:round/>
+                      <a:headEnd type="none" w="med" len="med"/>
+                      <a:tailEnd type="none" w="med" len="med"/>
+                    </a:lnT>
+                    <a:lnB w="12700" cap="flat" cmpd="sng" algn="ctr">
+                      <a:solidFill>
+                        <a:scrgbClr r="0" g="0" b="0"/>
+                      </a:solidFill>
+                      <a:prstDash val="solid"/>
+                      <a:round/>
+                      <a:headEnd type="none" w="med" len="med"/>
+                      <a:tailEnd type="none" w="med" len="med"/>
+                    </a:lnB>
+                    <a:solidFill>
+                      <a:srgbClr val="FFFFFF"/>
+                    </a:solidFill>
+                  </a:tcPr>
+                </a:tc>
+                <a:tc>
+                  <a:txBody>
+                    <a:bodyPr/>
+                    <a:lstStyle/>
+                    <a:p>
+                      <a:pPr algn="ctr"/>
+                      <a:endParaRPr lang="en-US" sz="1200" b="0" dirty="0"/>
+                    </a:p>
+                  </a:txBody>
+                  <a:tcPr marL="100584" marR="100584">
+                    <a:lnL w="12700" cap="flat" cmpd="sng" algn="ctr">
+                      <a:solidFill>
+                        <a:scrgbClr r="0" g="0" b="0"/>
+                      </a:solidFill>
+                      <a:prstDash val="solid"/>
+                      <a:round/>
+                      <a:headEnd type="none" w="med" len="med"/>
+                      <a:tailEnd type="none" w="med" len="med"/>
+                    </a:lnL>
+                    <a:lnR w="12700" cap="flat" cmpd="sng" algn="ctr">
+                      <a:solidFill>
+                        <a:scrgbClr r="0" g="0" b="0"/>
+                      </a:solidFill>
+                      <a:prstDash val="solid"/>
+                      <a:round/>
+                      <a:headEnd type="none" w="med" len="med"/>
+                      <a:tailEnd type="none" w="med" len="med"/>
+                    </a:lnR>
+                    <a:lnT w="12700" cap="flat" cmpd="sng" algn="ctr">
+                      <a:solidFill>
+                        <a:scrgbClr r="0" g="0" b="0"/>
+                      </a:solidFill>
+                      <a:prstDash val="solid"/>
+                      <a:round/>
+                      <a:headEnd type="none" w="med" len="med"/>
+                      <a:tailEnd type="none" w="med" len="med"/>
+                    </a:lnT>
+                    <a:lnB w="12700" cap="flat" cmpd="sng" algn="ctr">
+                      <a:solidFill>
+                        <a:scrgbClr r="0" g="0" b="0"/>
+                      </a:solidFill>
+                      <a:prstDash val="solid"/>
+                      <a:round/>
+                      <a:headEnd type="none" w="med" len="med"/>
+                      <a:tailEnd type="none" w="med" len="med"/>
+                    </a:lnB>
+                    <a:solidFill>
+                      <a:srgbClr val="FFFFFF"/>
+                    </a:solidFill>
+                  </a:tcPr>
+                </a:tc>
+                <a:extLst>
+                  <a:ext uri="{0D108BD9-81ED-4DB2-BD59-A6C34878D82A}">
+                    <a16:rowId xmlns:a16="http://schemas.microsoft.com/office/drawing/2014/main" val="10001"/>
+                  </a:ext>
+                </a:extLst>
+              </a:tr>
+              <a:tr h="305716">
+                <a:tc>
+                  <a:txBody>
+                    <a:bodyPr/>
+                    <a:lstStyle/>
+                    <a:p>
+                      <a:pPr algn="ctr"/>
+                      <a:endParaRPr lang="en-US" sz="1200" b="0" dirty="0"/>
+                    </a:p>
+                  </a:txBody>
+                  <a:tcPr marL="100584" marR="100584">
+                    <a:lnL w="12700" cap="flat" cmpd="sng" algn="ctr">
+                      <a:solidFill>
+                        <a:scrgbClr r="0" g="0" b="0"/>
+                      </a:solidFill>
+                      <a:prstDash val="solid"/>
+                      <a:round/>
+                      <a:headEnd type="none" w="med" len="med"/>
+                      <a:tailEnd type="none" w="med" len="med"/>
+                    </a:lnL>
+                    <a:lnR w="12700" cap="flat" cmpd="sng" algn="ctr">
+                      <a:solidFill>
+                        <a:scrgbClr r="0" g="0" b="0"/>
+                      </a:solidFill>
+                      <a:prstDash val="solid"/>
+                      <a:round/>
+                      <a:headEnd type="none" w="med" len="med"/>
+                      <a:tailEnd type="none" w="med" len="med"/>
+                    </a:lnR>
+                    <a:lnT w="12700" cap="flat" cmpd="sng" algn="ctr">
+                      <a:solidFill>
+                        <a:scrgbClr r="0" g="0" b="0"/>
+                      </a:solidFill>
+                      <a:prstDash val="solid"/>
+                      <a:round/>
+                      <a:headEnd type="none" w="med" len="med"/>
+                      <a:tailEnd type="none" w="med" len="med"/>
+                    </a:lnT>
+                    <a:lnB w="12700" cap="flat" cmpd="sng" algn="ctr">
+                      <a:solidFill>
+                        <a:scrgbClr r="0" g="0" b="0"/>
+                      </a:solidFill>
+                      <a:prstDash val="solid"/>
+                      <a:round/>
+                      <a:headEnd type="none" w="med" len="med"/>
+                      <a:tailEnd type="none" w="med" len="med"/>
+                    </a:lnB>
+                    <a:solidFill>
+                      <a:srgbClr val="FFFFFF"/>
+                    </a:solidFill>
+                  </a:tcPr>
+                </a:tc>
+                <a:tc>
+                  <a:txBody>
+                    <a:bodyPr/>
+                    <a:lstStyle/>
+                    <a:p>
+                      <a:pPr algn="ctr"/>
+                      <a:endParaRPr lang="en-US" sz="1200" b="0" dirty="0"/>
+                    </a:p>
+                  </a:txBody>
+                  <a:tcPr marL="100584" marR="100584">
+                    <a:lnL w="12700" cap="flat" cmpd="sng" algn="ctr">
+                      <a:solidFill>
+                        <a:scrgbClr r="0" g="0" b="0"/>
+                      </a:solidFill>
+                      <a:prstDash val="solid"/>
+                      <a:round/>
+                      <a:headEnd type="none" w="med" len="med"/>
+                      <a:tailEnd type="none" w="med" len="med"/>
+                    </a:lnL>
+                    <a:lnR w="12700" cap="flat" cmpd="sng" algn="ctr">
+                      <a:solidFill>
+                        <a:scrgbClr r="0" g="0" b="0"/>
+                      </a:solidFill>
+                      <a:prstDash val="solid"/>
+                      <a:round/>
+                      <a:headEnd type="none" w="med" len="med"/>
+                      <a:tailEnd type="none" w="med" len="med"/>
+                    </a:lnR>
+                    <a:lnT w="12700" cap="flat" cmpd="sng" algn="ctr">
+                      <a:solidFill>
+                        <a:scrgbClr r="0" g="0" b="0"/>
+                      </a:solidFill>
+                      <a:prstDash val="solid"/>
+                      <a:round/>
+                      <a:headEnd type="none" w="med" len="med"/>
+                      <a:tailEnd type="none" w="med" len="med"/>
+                    </a:lnT>
+                    <a:lnB w="12700" cap="flat" cmpd="sng" algn="ctr">
+                      <a:solidFill>
+                        <a:scrgbClr r="0" g="0" b="0"/>
+                      </a:solidFill>
+                      <a:prstDash val="solid"/>
+                      <a:round/>
+                      <a:headEnd type="none" w="med" len="med"/>
+                      <a:tailEnd type="none" w="med" len="med"/>
+                    </a:lnB>
+                    <a:solidFill>
+                      <a:srgbClr val="FFFFFF"/>
+                    </a:solidFill>
+                  </a:tcPr>
+                </a:tc>
+                <a:extLst>
+                  <a:ext uri="{0D108BD9-81ED-4DB2-BD59-A6C34878D82A}">
+                    <a16:rowId xmlns:a16="http://schemas.microsoft.com/office/drawing/2014/main" val="10002"/>
+                  </a:ext>
+                </a:extLst>
+              </a:tr>
+              <a:tr h="305716">
+                <a:tc>
+                  <a:txBody>
+                    <a:bodyPr/>
+                    <a:lstStyle/>
+                    <a:p>
+                      <a:pPr algn="ctr"/>
+                      <a:endParaRPr lang="en-US" sz="1200" b="0" dirty="0"/>
+                    </a:p>
+                  </a:txBody>
+                  <a:tcPr marL="100584" marR="100584">
+                    <a:lnL w="12700" cap="flat" cmpd="sng" algn="ctr">
+                      <a:solidFill>
+                        <a:scrgbClr r="0" g="0" b="0"/>
+                      </a:solidFill>
+                      <a:prstDash val="solid"/>
+                      <a:round/>
+                      <a:headEnd type="none" w="med" len="med"/>
+                      <a:tailEnd type="none" w="med" len="med"/>
+                    </a:lnL>
+                    <a:lnR w="12700" cap="flat" cmpd="sng" algn="ctr">
+                      <a:solidFill>
+                        <a:scrgbClr r="0" g="0" b="0"/>
+                      </a:solidFill>
+                      <a:prstDash val="solid"/>
+                      <a:round/>
+                      <a:headEnd type="none" w="med" len="med"/>
+                      <a:tailEnd type="none" w="med" len="med"/>
+                    </a:lnR>
+                    <a:lnT w="12700" cap="flat" cmpd="sng" algn="ctr">
+                      <a:solidFill>
+                        <a:scrgbClr r="0" g="0" b="0"/>
+                      </a:solidFill>
+                      <a:prstDash val="solid"/>
+                      <a:round/>
+                      <a:headEnd type="none" w="med" len="med"/>
+                      <a:tailEnd type="none" w="med" len="med"/>
+                    </a:lnT>
+                    <a:lnB w="12700" cap="flat" cmpd="sng" algn="ctr">
+                      <a:solidFill>
+                        <a:scrgbClr r="0" g="0" b="0"/>
+                      </a:solidFill>
+                      <a:prstDash val="solid"/>
+                      <a:round/>
+                      <a:headEnd type="none" w="med" len="med"/>
+                      <a:tailEnd type="none" w="med" len="med"/>
+                    </a:lnB>
+                    <a:solidFill>
+                      <a:srgbClr val="FFFFFF"/>
+                    </a:solidFill>
+                  </a:tcPr>
+                </a:tc>
+                <a:tc>
+                  <a:txBody>
+                    <a:bodyPr/>
+                    <a:lstStyle/>
+                    <a:p>
+                      <a:pPr algn="ctr"/>
+                      <a:endParaRPr lang="en-US" sz="1200" b="0" dirty="0"/>
+                    </a:p>
+                  </a:txBody>
+                  <a:tcPr marL="100584" marR="100584">
+                    <a:lnL w="12700" cap="flat" cmpd="sng" algn="ctr">
+                      <a:solidFill>
+                        <a:scrgbClr r="0" g="0" b="0"/>
+                      </a:solidFill>
+                      <a:prstDash val="solid"/>
+                      <a:round/>
+                      <a:headEnd type="none" w="med" len="med"/>
+                      <a:tailEnd type="none" w="med" len="med"/>
+                    </a:lnL>
+                    <a:lnR w="12700" cap="flat" cmpd="sng" algn="ctr">
+                      <a:solidFill>
+                        <a:scrgbClr r="0" g="0" b="0"/>
+                      </a:solidFill>
+                      <a:prstDash val="solid"/>
+                      <a:round/>
+                      <a:headEnd type="none" w="med" len="med"/>
+                      <a:tailEnd type="none" w="med" len="med"/>
+                    </a:lnR>
+                    <a:lnT w="12700" cap="flat" cmpd="sng" algn="ctr">
+                      <a:solidFill>
+                        <a:scrgbClr r="0" g="0" b="0"/>
+                      </a:solidFill>
+                      <a:prstDash val="solid"/>
+                      <a:round/>
+                      <a:headEnd type="none" w="med" len="med"/>
+                      <a:tailEnd type="none" w="med" len="med"/>
+                    </a:lnT>
+                    <a:lnB w="12700" cap="flat" cmpd="sng" algn="ctr">
+                      <a:solidFill>
+                        <a:scrgbClr r="0" g="0" b="0"/>
+                      </a:solidFill>
+                      <a:prstDash val="solid"/>
+                      <a:round/>
+                      <a:headEnd type="none" w="med" len="med"/>
+                      <a:tailEnd type="none" w="med" len="med"/>
+                    </a:lnB>
+                    <a:solidFill>
+                      <a:srgbClr val="FFFFFF"/>
+                    </a:solidFill>
+                  </a:tcPr>
+                </a:tc>
+                <a:extLst>
+                  <a:ext uri="{0D108BD9-81ED-4DB2-BD59-A6C34878D82A}">
+                    <a16:rowId xmlns:a16="http://schemas.microsoft.com/office/drawing/2014/main" val="268726941"/>
+                  </a:ext>
+                </a:extLst>
+              </a:tr>
+              <a:tr h="305716">
+                <a:tc>
+                  <a:txBody>
+                    <a:bodyPr/>
+                    <a:lstStyle/>
+                    <a:p>
+                      <a:pPr algn="ctr"/>
+                      <a:endParaRPr lang="en-US" sz="1200" b="0" dirty="0"/>
+                    </a:p>
+                  </a:txBody>
+                  <a:tcPr marL="100584" marR="100584">
+                    <a:lnL w="12700" cap="flat" cmpd="sng" algn="ctr">
+                      <a:solidFill>
+                        <a:scrgbClr r="0" g="0" b="0"/>
+                      </a:solidFill>
+                      <a:prstDash val="solid"/>
+                      <a:round/>
+                      <a:headEnd type="none" w="med" len="med"/>
+                      <a:tailEnd type="none" w="med" len="med"/>
+                    </a:lnL>
+                    <a:lnR w="12700" cap="flat" cmpd="sng" algn="ctr">
+                      <a:solidFill>
+                        <a:scrgbClr r="0" g="0" b="0"/>
+                      </a:solidFill>
+                      <a:prstDash val="solid"/>
+                      <a:round/>
+                      <a:headEnd type="none" w="med" len="med"/>
+                      <a:tailEnd type="none" w="med" len="med"/>
+                    </a:lnR>
+                    <a:lnT w="12700" cap="flat" cmpd="sng" algn="ctr">
+                      <a:solidFill>
+                        <a:scrgbClr r="0" g="0" b="0"/>
+                      </a:solidFill>
+                      <a:prstDash val="solid"/>
+                      <a:round/>
+                      <a:headEnd type="none" w="med" len="med"/>
+                      <a:tailEnd type="none" w="med" len="med"/>
+                    </a:lnT>
+                    <a:lnB w="12700" cap="flat" cmpd="sng" algn="ctr">
+                      <a:solidFill>
+                        <a:scrgbClr r="0" g="0" b="0"/>
+                      </a:solidFill>
+                      <a:prstDash val="solid"/>
+                      <a:round/>
+                      <a:headEnd type="none" w="med" len="med"/>
+                      <a:tailEnd type="none" w="med" len="med"/>
+                    </a:lnB>
+                    <a:solidFill>
+                      <a:srgbClr val="FFFFFF"/>
+                    </a:solidFill>
+                  </a:tcPr>
+                </a:tc>
+                <a:tc>
+                  <a:txBody>
+                    <a:bodyPr/>
+                    <a:lstStyle/>
+                    <a:p>
+                      <a:pPr algn="ctr"/>
+                      <a:endParaRPr lang="en-US" sz="1200" b="0" dirty="0"/>
+                    </a:p>
+                  </a:txBody>
+                  <a:tcPr marL="100584" marR="100584">
+                    <a:lnL w="12700" cap="flat" cmpd="sng" algn="ctr">
+                      <a:solidFill>
+                        <a:scrgbClr r="0" g="0" b="0"/>
+                      </a:solidFill>
+                      <a:prstDash val="solid"/>
+                      <a:round/>
+                      <a:headEnd type="none" w="med" len="med"/>
+                      <a:tailEnd type="none" w="med" len="med"/>
+                    </a:lnL>
+                    <a:lnR w="12700" cap="flat" cmpd="sng" algn="ctr">
+                      <a:solidFill>
+                        <a:scrgbClr r="0" g="0" b="0"/>
+                      </a:solidFill>
+                      <a:prstDash val="solid"/>
+                      <a:round/>
+                      <a:headEnd type="none" w="med" len="med"/>
+                      <a:tailEnd type="none" w="med" len="med"/>
+                    </a:lnR>
+                    <a:lnT w="12700" cap="flat" cmpd="sng" algn="ctr">
+                      <a:solidFill>
+                        <a:scrgbClr r="0" g="0" b="0"/>
+                      </a:solidFill>
+                      <a:prstDash val="solid"/>
+                      <a:round/>
+                      <a:headEnd type="none" w="med" len="med"/>
+                      <a:tailEnd type="none" w="med" len="med"/>
+                    </a:lnT>
+                    <a:lnB w="12700" cap="flat" cmpd="sng" algn="ctr">
+                      <a:solidFill>
+                        <a:scrgbClr r="0" g="0" b="0"/>
+                      </a:solidFill>
+                      <a:prstDash val="solid"/>
+                      <a:round/>
+                      <a:headEnd type="none" w="med" len="med"/>
+                      <a:tailEnd type="none" w="med" len="med"/>
+                    </a:lnB>
+                    <a:solidFill>
+                      <a:srgbClr val="FFFFFF"/>
+                    </a:solidFill>
+                  </a:tcPr>
+                </a:tc>
+                <a:extLst>
+                  <a:ext uri="{0D108BD9-81ED-4DB2-BD59-A6C34878D82A}">
+                    <a16:rowId xmlns:a16="http://schemas.microsoft.com/office/drawing/2014/main" val="4110293258"/>
+                  </a:ext>
+                </a:extLst>
+              </a:tr>
+              <a:tr h="305716">
+                <a:tc>
+                  <a:txBody>
+                    <a:bodyPr/>
+                    <a:lstStyle/>
+                    <a:p>
+                      <a:pPr algn="ctr"/>
+                      <a:endParaRPr lang="en-US" sz="1200" b="0" dirty="0"/>
+                    </a:p>
+                  </a:txBody>
+                  <a:tcPr marL="100584" marR="100584">
+                    <a:lnL w="12700" cap="flat" cmpd="sng" algn="ctr">
+                      <a:solidFill>
+                        <a:scrgbClr r="0" g="0" b="0"/>
+                      </a:solidFill>
+                      <a:prstDash val="solid"/>
+                      <a:round/>
+                      <a:headEnd type="none" w="med" len="med"/>
+                      <a:tailEnd type="none" w="med" len="med"/>
+                    </a:lnL>
+                    <a:lnR w="12700" cap="flat" cmpd="sng" algn="ctr">
+                      <a:solidFill>
+                        <a:scrgbClr r="0" g="0" b="0"/>
+                      </a:solidFill>
+                      <a:prstDash val="solid"/>
+                      <a:round/>
+                      <a:headEnd type="none" w="med" len="med"/>
+                      <a:tailEnd type="none" w="med" len="med"/>
+                    </a:lnR>
+                    <a:lnT w="12700" cap="flat" cmpd="sng" algn="ctr">
+                      <a:solidFill>
+                        <a:scrgbClr r="0" g="0" b="0"/>
+                      </a:solidFill>
+                      <a:prstDash val="solid"/>
+                      <a:round/>
+                      <a:headEnd type="none" w="med" len="med"/>
+                      <a:tailEnd type="none" w="med" len="med"/>
+                    </a:lnT>
+                    <a:lnB w="12700" cap="flat" cmpd="sng" algn="ctr">
+                      <a:solidFill>
+                        <a:scrgbClr r="0" g="0" b="0"/>
+                      </a:solidFill>
+                      <a:prstDash val="solid"/>
+                      <a:round/>
+                      <a:headEnd type="none" w="med" len="med"/>
+                      <a:tailEnd type="none" w="med" len="med"/>
+                    </a:lnB>
+                    <a:solidFill>
+                      <a:srgbClr val="FFFFFF"/>
+                    </a:solidFill>
+                  </a:tcPr>
+                </a:tc>
+                <a:tc>
+                  <a:txBody>
+                    <a:bodyPr/>
+                    <a:lstStyle/>
+                    <a:p>
+                      <a:pPr algn="ctr"/>
+                      <a:endParaRPr lang="en-US" sz="1200" b="0" dirty="0"/>
+                    </a:p>
+                  </a:txBody>
+                  <a:tcPr marL="100584" marR="100584">
+                    <a:lnL w="12700" cap="flat" cmpd="sng" algn="ctr">
+                      <a:solidFill>
+                        <a:scrgbClr r="0" g="0" b="0"/>
+                      </a:solidFill>
+                      <a:prstDash val="solid"/>
+                      <a:round/>
+                      <a:headEnd type="none" w="med" len="med"/>
+                      <a:tailEnd type="none" w="med" len="med"/>
+                    </a:lnL>
+                    <a:lnR w="12700" cap="flat" cmpd="sng" algn="ctr">
+                      <a:solidFill>
+                        <a:scrgbClr r="0" g="0" b="0"/>
+                      </a:solidFill>
+                      <a:prstDash val="solid"/>
+                      <a:round/>
+                      <a:headEnd type="none" w="med" len="med"/>
+                      <a:tailEnd type="none" w="med" len="med"/>
+                    </a:lnR>
+                    <a:lnT w="12700" cap="flat" cmpd="sng" algn="ctr">
+                      <a:solidFill>
+                        <a:scrgbClr r="0" g="0" b="0"/>
+                      </a:solidFill>
+                      <a:prstDash val="solid"/>
+                      <a:round/>
+                      <a:headEnd type="none" w="med" len="med"/>
+                      <a:tailEnd type="none" w="med" len="med"/>
+                    </a:lnT>
+                    <a:lnB w="12700" cap="flat" cmpd="sng" algn="ctr">
+                      <a:solidFill>
+                        <a:scrgbClr r="0" g="0" b="0"/>
+                      </a:solidFill>
+                      <a:prstDash val="solid"/>
+                      <a:round/>
+                      <a:headEnd type="none" w="med" len="med"/>
+                      <a:tailEnd type="none" w="med" len="med"/>
+                    </a:lnB>
+                    <a:solidFill>
+                      <a:srgbClr val="FFFFFF"/>
+                    </a:solidFill>
+                  </a:tcPr>
+                </a:tc>
+                <a:extLst>
+                  <a:ext uri="{0D108BD9-81ED-4DB2-BD59-A6C34878D82A}">
+                    <a16:rowId xmlns:a16="http://schemas.microsoft.com/office/drawing/2014/main" val="1818455869"/>
+                  </a:ext>
+                </a:extLst>
+              </a:tr>
+            </a:tbl>
+          </a:graphicData>
+        </a:graphic>
+      </p:graphicFrame>
+      <p:sp>
+        <p:nvSpPr>
+          <p:cNvPr id="47" name="TextBox 46">
+            <a:extLst>
+              <a:ext uri="{FF2B5EF4-FFF2-40B4-BE49-F238E27FC236}">
+                <a16:creationId xmlns:a16="http://schemas.microsoft.com/office/drawing/2014/main" id="{38AE2AC5-A17D-C243-8D75-F73591D6945F}"/>
+              </a:ext>
+            </a:extLst>
+          </p:cNvPr>
+          <p:cNvSpPr txBox="1"/>
+          <p:nvPr/>
+        </p:nvSpPr>
+        <p:spPr>
+          <a:xfrm>
+            <a:off x="1022465" y="1553558"/>
+            <a:ext cx="1021061" cy="461665"/>
+          </a:xfrm>
+          <a:prstGeom prst="rect">
+            <a:avLst/>
+          </a:prstGeom>
+          <a:noFill/>
+        </p:spPr>
+        <p:txBody>
+          <a:bodyPr wrap="square" rtlCol="0">
+            <a:spAutoFit/>
+          </a:bodyPr>
+          <a:lstStyle/>
+          <a:p>
+            <a:r>
+              <a:rPr lang="en-US" sz="2400" dirty="0"/>
+              <a:t>value</a:t>
+            </a:r>
+          </a:p>
+        </p:txBody>
+      </p:sp>
+      <p:sp>
+        <p:nvSpPr>
+          <p:cNvPr id="51" name="Rounded Rectangle 50">
+            <a:extLst>
+              <a:ext uri="{FF2B5EF4-FFF2-40B4-BE49-F238E27FC236}">
+                <a16:creationId xmlns:a16="http://schemas.microsoft.com/office/drawing/2014/main" id="{BED651F4-A2F5-294D-B018-13290DDABF7A}"/>
+              </a:ext>
+            </a:extLst>
+          </p:cNvPr>
+          <p:cNvSpPr/>
+          <p:nvPr/>
+        </p:nvSpPr>
+        <p:spPr>
+          <a:xfrm>
+            <a:off x="2716383" y="2466491"/>
+            <a:ext cx="1124163" cy="401935"/>
+          </a:xfrm>
+          <a:prstGeom prst="roundRect">
+            <a:avLst/>
+          </a:prstGeom>
+          <a:noFill/>
+          <a:ln w="19050" cmpd="sng">
+            <a:solidFill>
+              <a:srgbClr val="000000"/>
+            </a:solidFill>
+          </a:ln>
+          <a:effectLst/>
+        </p:spPr>
+        <p:style>
+          <a:lnRef idx="1">
+            <a:schemeClr val="accent1"/>
+          </a:lnRef>
+          <a:fillRef idx="3">
+            <a:schemeClr val="accent1"/>
+          </a:fillRef>
+          <a:effectRef idx="2">
+            <a:schemeClr val="accent1"/>
+          </a:effectRef>
+          <a:fontRef idx="minor">
+            <a:schemeClr val="lt1"/>
+          </a:fontRef>
+        </p:style>
+        <p:txBody>
+          <a:bodyPr lIns="182880" tIns="0" rIns="182880" bIns="91440" rtlCol="0" anchor="ctr" anchorCtr="1"/>
+          <a:lstStyle/>
+          <a:p>
+            <a:pPr algn="ctr"/>
+            <a:r>
+              <a:rPr lang="en-US" sz="2800" dirty="0">
+                <a:solidFill>
+                  <a:schemeClr val="tx1"/>
+                </a:solidFill>
+              </a:rPr>
+              <a:t>filter</a:t>
+            </a:r>
+          </a:p>
+        </p:txBody>
+      </p:sp>
+      <p:sp>
+        <p:nvSpPr>
+          <p:cNvPr id="70" name="Rounded Rectangle 69">
+            <a:extLst>
+              <a:ext uri="{FF2B5EF4-FFF2-40B4-BE49-F238E27FC236}">
+                <a16:creationId xmlns:a16="http://schemas.microsoft.com/office/drawing/2014/main" id="{4AC52F38-4CC8-8C48-BFE4-D4FD5CB25AEB}"/>
+              </a:ext>
+            </a:extLst>
+          </p:cNvPr>
+          <p:cNvSpPr/>
+          <p:nvPr/>
+        </p:nvSpPr>
+        <p:spPr>
+          <a:xfrm>
+            <a:off x="5933801" y="1913412"/>
+            <a:ext cx="1733982" cy="1062421"/>
+          </a:xfrm>
+          <a:prstGeom prst="roundRect">
+            <a:avLst/>
+          </a:prstGeom>
+          <a:noFill/>
+          <a:ln w="19050" cmpd="sng">
+            <a:solidFill>
+              <a:srgbClr val="000000"/>
+            </a:solidFill>
+          </a:ln>
+          <a:effectLst/>
+        </p:spPr>
+        <p:style>
+          <a:lnRef idx="1">
+            <a:schemeClr val="accent1"/>
+          </a:lnRef>
+          <a:fillRef idx="3">
+            <a:schemeClr val="accent1"/>
+          </a:fillRef>
+          <a:effectRef idx="2">
+            <a:schemeClr val="accent1"/>
+          </a:effectRef>
+          <a:fontRef idx="minor">
+            <a:schemeClr val="lt1"/>
+          </a:fontRef>
+        </p:style>
+        <p:txBody>
+          <a:bodyPr lIns="182880" tIns="0" rIns="182880" bIns="91440" rtlCol="0" anchor="t" anchorCtr="0"/>
+          <a:lstStyle/>
+          <a:p>
+            <a:pPr algn="ctr"/>
+            <a:r>
+              <a:rPr lang="en-US" sz="3200" dirty="0">
+                <a:solidFill>
+                  <a:schemeClr val="tx1"/>
+                </a:solidFill>
+              </a:rPr>
+              <a:t>chunk</a:t>
+            </a:r>
+          </a:p>
+        </p:txBody>
+      </p:sp>
+      <p:sp>
+        <p:nvSpPr>
+          <p:cNvPr id="71" name="Rounded Rectangle 70">
+            <a:extLst>
+              <a:ext uri="{FF2B5EF4-FFF2-40B4-BE49-F238E27FC236}">
+                <a16:creationId xmlns:a16="http://schemas.microsoft.com/office/drawing/2014/main" id="{DDED4A63-28CA-204B-A3DC-FAB688086288}"/>
+              </a:ext>
+            </a:extLst>
+          </p:cNvPr>
+          <p:cNvSpPr/>
+          <p:nvPr/>
+        </p:nvSpPr>
+        <p:spPr>
+          <a:xfrm>
+            <a:off x="6007240" y="2444623"/>
+            <a:ext cx="1124163" cy="401935"/>
+          </a:xfrm>
+          <a:prstGeom prst="roundRect">
+            <a:avLst/>
+          </a:prstGeom>
+          <a:noFill/>
+          <a:ln w="19050" cmpd="sng">
+            <a:solidFill>
+              <a:srgbClr val="000000"/>
+            </a:solidFill>
+          </a:ln>
+          <a:effectLst/>
+        </p:spPr>
+        <p:style>
+          <a:lnRef idx="1">
+            <a:schemeClr val="accent1"/>
+          </a:lnRef>
+          <a:fillRef idx="3">
+            <a:schemeClr val="accent1"/>
+          </a:fillRef>
+          <a:effectRef idx="2">
+            <a:schemeClr val="accent1"/>
+          </a:effectRef>
+          <a:fontRef idx="minor">
+            <a:schemeClr val="lt1"/>
+          </a:fontRef>
+        </p:style>
+        <p:txBody>
+          <a:bodyPr lIns="182880" tIns="0" rIns="182880" bIns="91440" rtlCol="0" anchor="ctr" anchorCtr="1"/>
+          <a:lstStyle/>
+          <a:p>
+            <a:pPr algn="ctr"/>
+            <a:r>
+              <a:rPr lang="en-US" sz="2800" dirty="0">
+                <a:solidFill>
+                  <a:schemeClr val="tx1"/>
+                </a:solidFill>
+              </a:rPr>
+              <a:t>filter</a:t>
+            </a:r>
           </a:p>
         </p:txBody>
       </p:sp>

--- a/PiWi.pptx
+++ b/PiWi.pptx
@@ -6,6 +6,7 @@
   </p:sldMasterIdLst>
   <p:sldIdLst>
     <p:sldId id="256" r:id="rId2"/>
+    <p:sldId id="257" r:id="rId3"/>
   </p:sldIdLst>
   <p:sldSz cx="12192000" cy="6858000"/>
   <p:notesSz cx="6858000" cy="9144000"/>
@@ -302,7 +303,7 @@
           <a:p>
             <a:fld id="{EC01FFC2-8798-D243-B978-07080977D0C0}" type="datetimeFigureOut">
               <a:rPr lang="en-US" smtClean="0"/>
-              <a:t>11/20/18</a:t>
+              <a:t>12/4/18</a:t>
             </a:fld>
             <a:endParaRPr lang="en-US"/>
           </a:p>
@@ -470,7 +471,7 @@
           <a:p>
             <a:fld id="{EC01FFC2-8798-D243-B978-07080977D0C0}" type="datetimeFigureOut">
               <a:rPr lang="en-US" smtClean="0"/>
-              <a:t>11/20/18</a:t>
+              <a:t>12/4/18</a:t>
             </a:fld>
             <a:endParaRPr lang="en-US"/>
           </a:p>
@@ -648,7 +649,7 @@
           <a:p>
             <a:fld id="{EC01FFC2-8798-D243-B978-07080977D0C0}" type="datetimeFigureOut">
               <a:rPr lang="en-US" smtClean="0"/>
-              <a:t>11/20/18</a:t>
+              <a:t>12/4/18</a:t>
             </a:fld>
             <a:endParaRPr lang="en-US"/>
           </a:p>
@@ -816,7 +817,7 @@
           <a:p>
             <a:fld id="{EC01FFC2-8798-D243-B978-07080977D0C0}" type="datetimeFigureOut">
               <a:rPr lang="en-US" smtClean="0"/>
-              <a:t>11/20/18</a:t>
+              <a:t>12/4/18</a:t>
             </a:fld>
             <a:endParaRPr lang="en-US"/>
           </a:p>
@@ -1061,7 +1062,7 @@
           <a:p>
             <a:fld id="{EC01FFC2-8798-D243-B978-07080977D0C0}" type="datetimeFigureOut">
               <a:rPr lang="en-US" smtClean="0"/>
-              <a:t>11/20/18</a:t>
+              <a:t>12/4/18</a:t>
             </a:fld>
             <a:endParaRPr lang="en-US"/>
           </a:p>
@@ -1346,7 +1347,7 @@
           <a:p>
             <a:fld id="{EC01FFC2-8798-D243-B978-07080977D0C0}" type="datetimeFigureOut">
               <a:rPr lang="en-US" smtClean="0"/>
-              <a:t>11/20/18</a:t>
+              <a:t>12/4/18</a:t>
             </a:fld>
             <a:endParaRPr lang="en-US"/>
           </a:p>
@@ -1765,7 +1766,7 @@
           <a:p>
             <a:fld id="{EC01FFC2-8798-D243-B978-07080977D0C0}" type="datetimeFigureOut">
               <a:rPr lang="en-US" smtClean="0"/>
-              <a:t>11/20/18</a:t>
+              <a:t>12/4/18</a:t>
             </a:fld>
             <a:endParaRPr lang="en-US"/>
           </a:p>
@@ -1882,7 +1883,7 @@
           <a:p>
             <a:fld id="{EC01FFC2-8798-D243-B978-07080977D0C0}" type="datetimeFigureOut">
               <a:rPr lang="en-US" smtClean="0"/>
-              <a:t>11/20/18</a:t>
+              <a:t>12/4/18</a:t>
             </a:fld>
             <a:endParaRPr lang="en-US"/>
           </a:p>
@@ -1977,7 +1978,7 @@
           <a:p>
             <a:fld id="{EC01FFC2-8798-D243-B978-07080977D0C0}" type="datetimeFigureOut">
               <a:rPr lang="en-US" smtClean="0"/>
-              <a:t>11/20/18</a:t>
+              <a:t>12/4/18</a:t>
             </a:fld>
             <a:endParaRPr lang="en-US"/>
           </a:p>
@@ -2252,7 +2253,7 @@
           <a:p>
             <a:fld id="{EC01FFC2-8798-D243-B978-07080977D0C0}" type="datetimeFigureOut">
               <a:rPr lang="en-US" smtClean="0"/>
-              <a:t>11/20/18</a:t>
+              <a:t>12/4/18</a:t>
             </a:fld>
             <a:endParaRPr lang="en-US"/>
           </a:p>
@@ -2504,7 +2505,7 @@
           <a:p>
             <a:fld id="{EC01FFC2-8798-D243-B978-07080977D0C0}" type="datetimeFigureOut">
               <a:rPr lang="en-US" smtClean="0"/>
-              <a:t>11/20/18</a:t>
+              <a:t>12/4/18</a:t>
             </a:fld>
             <a:endParaRPr lang="en-US"/>
           </a:p>
@@ -2715,7 +2716,7 @@
           <a:p>
             <a:fld id="{EC01FFC2-8798-D243-B978-07080977D0C0}" type="datetimeFigureOut">
               <a:rPr lang="en-US" smtClean="0"/>
-              <a:t>11/20/18</a:t>
+              <a:t>12/4/18</a:t>
             </a:fld>
             <a:endParaRPr lang="en-US"/>
           </a:p>
@@ -3752,8 +3753,8 @@
         </p:nvSpPr>
         <p:spPr>
           <a:xfrm>
-            <a:off x="3057182" y="4831577"/>
-            <a:ext cx="1607144" cy="457200"/>
+            <a:off x="3057181" y="4831577"/>
+            <a:ext cx="1735053" cy="457200"/>
           </a:xfrm>
           <a:prstGeom prst="roundRect">
             <a:avLst/>
@@ -3791,7 +3792,7 @@
                   <a:schemeClr val="tx1"/>
                 </a:solidFill>
               </a:rPr>
-              <a:t>kstore</a:t>
+              <a:t>kvstore</a:t>
             </a:r>
             <a:endParaRPr lang="en-US" sz="3200" dirty="0">
               <a:solidFill>
@@ -3803,71 +3804,14 @@
       </p:sp>
       <p:sp>
         <p:nvSpPr>
-          <p:cNvPr id="123" name="Rounded Rectangle 122"/>
-          <p:cNvSpPr/>
-          <p:nvPr/>
-        </p:nvSpPr>
-        <p:spPr>
-          <a:xfrm>
-            <a:off x="3057182" y="5441177"/>
-            <a:ext cx="1607144" cy="457200"/>
-          </a:xfrm>
-          <a:prstGeom prst="roundRect">
-            <a:avLst/>
-          </a:prstGeom>
-          <a:noFill/>
-          <a:ln w="19050" cmpd="sng">
-            <a:solidFill>
-              <a:srgbClr val="7F7F7F"/>
-            </a:solidFill>
-          </a:ln>
-          <a:effectLst/>
-        </p:spPr>
-        <p:style>
-          <a:lnRef idx="1">
-            <a:schemeClr val="accent1"/>
-          </a:lnRef>
-          <a:fillRef idx="3">
-            <a:schemeClr val="accent1"/>
-          </a:fillRef>
-          <a:effectRef idx="2">
-            <a:schemeClr val="accent1"/>
-          </a:effectRef>
-          <a:fontRef idx="minor">
-            <a:schemeClr val="lt1"/>
-          </a:fontRef>
-        </p:style>
-        <p:txBody>
-          <a:bodyPr lIns="182880" tIns="0" rIns="182880" bIns="91440" rtlCol="0" anchor="ctr" anchorCtr="1"/>
-          <a:lstStyle/>
-          <a:p>
-            <a:pPr algn="ctr"/>
-            <a:r>
-              <a:rPr lang="en-US" sz="3200" dirty="0" err="1">
-                <a:solidFill>
-                  <a:schemeClr val="tx1"/>
-                </a:solidFill>
-              </a:rPr>
-              <a:t>vstore</a:t>
-            </a:r>
-            <a:endParaRPr lang="en-US" sz="3200" dirty="0">
-              <a:solidFill>
-                <a:schemeClr val="tx1"/>
-              </a:solidFill>
-            </a:endParaRPr>
-          </a:p>
-        </p:txBody>
-      </p:sp>
-      <p:sp>
-        <p:nvSpPr>
           <p:cNvPr id="124" name="Rounded Rectangle 123"/>
           <p:cNvSpPr/>
           <p:nvPr/>
         </p:nvSpPr>
         <p:spPr>
           <a:xfrm>
-            <a:off x="3062269" y="6016683"/>
-            <a:ext cx="1607144" cy="457200"/>
+            <a:off x="3062268" y="5523525"/>
+            <a:ext cx="1735053" cy="457200"/>
           </a:xfrm>
           <a:prstGeom prst="roundRect">
             <a:avLst/>
@@ -4071,8 +4015,8 @@
         </p:nvSpPr>
         <p:spPr>
           <a:xfrm>
-            <a:off x="2829963" y="4669739"/>
-            <a:ext cx="2149091" cy="1966383"/>
+            <a:off x="2829963" y="4669740"/>
+            <a:ext cx="2149091" cy="1554372"/>
           </a:xfrm>
           <a:prstGeom prst="roundRect">
             <a:avLst/>
@@ -4121,8 +4065,8 @@
         </p:nvSpPr>
         <p:spPr>
           <a:xfrm rot="16200000">
-            <a:off x="1525145" y="5360540"/>
-            <a:ext cx="1966383" cy="584776"/>
+            <a:off x="1731150" y="5154538"/>
+            <a:ext cx="1554373" cy="584776"/>
           </a:xfrm>
           <a:prstGeom prst="rect">
             <a:avLst/>
@@ -4245,7 +4189,7 @@
         <p:spPr>
           <a:xfrm>
             <a:off x="3497661" y="2959093"/>
-            <a:ext cx="406848" cy="1710646"/>
+            <a:ext cx="406848" cy="1710647"/>
           </a:xfrm>
           <a:prstGeom prst="straightConnector1">
             <a:avLst/>
@@ -4282,8 +4226,8 @@
         </p:nvSpPr>
         <p:spPr>
           <a:xfrm>
-            <a:off x="6349086" y="4833772"/>
-            <a:ext cx="1607144" cy="457200"/>
+            <a:off x="6349085" y="4833772"/>
+            <a:ext cx="1735053" cy="457200"/>
           </a:xfrm>
           <a:prstGeom prst="roundRect">
             <a:avLst/>
@@ -4321,7 +4265,7 @@
                   <a:schemeClr val="tx1"/>
                 </a:solidFill>
               </a:rPr>
-              <a:t>kstore</a:t>
+              <a:t>kvstore</a:t>
             </a:r>
             <a:endParaRPr lang="en-US" sz="3200" dirty="0">
               <a:solidFill>
@@ -4333,14 +4277,14 @@
       </p:sp>
       <p:sp>
         <p:nvSpPr>
-          <p:cNvPr id="170" name="Rounded Rectangle 169"/>
+          <p:cNvPr id="171" name="Rounded Rectangle 170"/>
           <p:cNvSpPr/>
           <p:nvPr/>
         </p:nvSpPr>
         <p:spPr>
           <a:xfrm>
-            <a:off x="6349086" y="5443372"/>
-            <a:ext cx="1607144" cy="457200"/>
+            <a:off x="6354172" y="5525720"/>
+            <a:ext cx="1735053" cy="457200"/>
           </a:xfrm>
           <a:prstGeom prst="roundRect">
             <a:avLst/>
@@ -4378,63 +4322,6 @@
                   <a:schemeClr val="tx1"/>
                 </a:solidFill>
               </a:rPr>
-              <a:t>vstore</a:t>
-            </a:r>
-            <a:endParaRPr lang="en-US" sz="3200" dirty="0">
-              <a:solidFill>
-                <a:schemeClr val="tx1"/>
-              </a:solidFill>
-            </a:endParaRPr>
-          </a:p>
-        </p:txBody>
-      </p:sp>
-      <p:sp>
-        <p:nvSpPr>
-          <p:cNvPr id="171" name="Rounded Rectangle 170"/>
-          <p:cNvSpPr/>
-          <p:nvPr/>
-        </p:nvSpPr>
-        <p:spPr>
-          <a:xfrm>
-            <a:off x="6354173" y="6018878"/>
-            <a:ext cx="1607144" cy="457200"/>
-          </a:xfrm>
-          <a:prstGeom prst="roundRect">
-            <a:avLst/>
-          </a:prstGeom>
-          <a:noFill/>
-          <a:ln w="19050" cmpd="sng">
-            <a:solidFill>
-              <a:srgbClr val="7F7F7F"/>
-            </a:solidFill>
-          </a:ln>
-          <a:effectLst/>
-        </p:spPr>
-        <p:style>
-          <a:lnRef idx="1">
-            <a:schemeClr val="accent1"/>
-          </a:lnRef>
-          <a:fillRef idx="3">
-            <a:schemeClr val="accent1"/>
-          </a:fillRef>
-          <a:effectRef idx="2">
-            <a:schemeClr val="accent1"/>
-          </a:effectRef>
-          <a:fontRef idx="minor">
-            <a:schemeClr val="lt1"/>
-          </a:fontRef>
-        </p:style>
-        <p:txBody>
-          <a:bodyPr lIns="182880" tIns="0" rIns="182880" bIns="91440" rtlCol="0" anchor="ctr" anchorCtr="1"/>
-          <a:lstStyle/>
-          <a:p>
-            <a:pPr algn="ctr"/>
-            <a:r>
-              <a:rPr lang="en-US" sz="3200" dirty="0" err="1">
-                <a:solidFill>
-                  <a:schemeClr val="tx1"/>
-                </a:solidFill>
-              </a:rPr>
               <a:t>wbuf</a:t>
             </a:r>
             <a:endParaRPr lang="en-US" sz="3200" dirty="0">
@@ -4454,7 +4341,7 @@
         <p:spPr>
           <a:xfrm>
             <a:off x="6121867" y="4671934"/>
-            <a:ext cx="2149091" cy="1966383"/>
+            <a:ext cx="2149091" cy="1552177"/>
           </a:xfrm>
           <a:prstGeom prst="roundRect">
             <a:avLst/>
@@ -4503,8 +4390,8 @@
         </p:nvSpPr>
         <p:spPr>
           <a:xfrm rot="16200000">
-            <a:off x="4817049" y="5362735"/>
-            <a:ext cx="1966383" cy="584776"/>
+            <a:off x="5023055" y="5156732"/>
+            <a:ext cx="1554372" cy="584776"/>
           </a:xfrm>
           <a:prstGeom prst="rect">
             <a:avLst/>
@@ -6276,6 +6163,2414 @@
     <p:extLst>
       <p:ext uri="{BB962C8B-B14F-4D97-AF65-F5344CB8AC3E}">
         <p14:creationId xmlns:p14="http://schemas.microsoft.com/office/powerpoint/2010/main" val="120092973"/>
+      </p:ext>
+    </p:extLst>
+  </p:cSld>
+  <p:clrMapOvr>
+    <a:masterClrMapping/>
+  </p:clrMapOvr>
+</p:sld>
+</file>
+
+<file path=ppt/slides/slide2.xml><?xml version="1.0" encoding="utf-8"?>
+<p:sld xmlns:a="http://schemas.openxmlformats.org/drawingml/2006/main" xmlns:r="http://schemas.openxmlformats.org/officeDocument/2006/relationships" xmlns:p="http://schemas.openxmlformats.org/presentationml/2006/main">
+  <p:cSld>
+    <p:spTree>
+      <p:nvGrpSpPr>
+        <p:cNvPr id="1" name=""/>
+        <p:cNvGrpSpPr/>
+        <p:nvPr/>
+      </p:nvGrpSpPr>
+      <p:grpSpPr>
+        <a:xfrm>
+          <a:off x="0" y="0"/>
+          <a:ext cx="0" cy="0"/>
+          <a:chOff x="0" y="0"/>
+          <a:chExt cx="0" cy="0"/>
+        </a:xfrm>
+      </p:grpSpPr>
+      <p:sp>
+        <p:nvSpPr>
+          <p:cNvPr id="9" name="Rounded Rectangle 8">
+            <a:extLst>
+              <a:ext uri="{FF2B5EF4-FFF2-40B4-BE49-F238E27FC236}">
+                <a16:creationId xmlns:a16="http://schemas.microsoft.com/office/drawing/2014/main" id="{3EC0E7F8-5317-AA49-9FCD-79AEE97C02A5}"/>
+              </a:ext>
+            </a:extLst>
+          </p:cNvPr>
+          <p:cNvSpPr/>
+          <p:nvPr/>
+        </p:nvSpPr>
+        <p:spPr>
+          <a:xfrm>
+            <a:off x="1470453" y="212980"/>
+            <a:ext cx="8192531" cy="2465797"/>
+          </a:xfrm>
+          <a:prstGeom prst="roundRect">
+            <a:avLst/>
+          </a:prstGeom>
+          <a:noFill/>
+          <a:ln w="19050" cmpd="sng">
+            <a:solidFill>
+              <a:srgbClr val="000000"/>
+            </a:solidFill>
+            <a:prstDash val="solid"/>
+          </a:ln>
+          <a:effectLst/>
+        </p:spPr>
+        <p:style>
+          <a:lnRef idx="1">
+            <a:schemeClr val="accent1"/>
+          </a:lnRef>
+          <a:fillRef idx="3">
+            <a:schemeClr val="accent1"/>
+          </a:fillRef>
+          <a:effectRef idx="2">
+            <a:schemeClr val="accent1"/>
+          </a:effectRef>
+          <a:fontRef idx="minor">
+            <a:schemeClr val="lt1"/>
+          </a:fontRef>
+        </p:style>
+        <p:txBody>
+          <a:bodyPr lIns="182880" tIns="0" rIns="182880" bIns="91440" rtlCol="0" anchor="t" anchorCtr="1"/>
+          <a:lstStyle/>
+          <a:p>
+            <a:pPr algn="ctr"/>
+            <a:endParaRPr lang="en-US" sz="3200" dirty="0">
+              <a:solidFill>
+                <a:schemeClr val="tx1"/>
+              </a:solidFill>
+            </a:endParaRPr>
+          </a:p>
+        </p:txBody>
+      </p:sp>
+      <p:graphicFrame>
+        <p:nvGraphicFramePr>
+          <p:cNvPr id="10" name="Table 9">
+            <a:extLst>
+              <a:ext uri="{FF2B5EF4-FFF2-40B4-BE49-F238E27FC236}">
+                <a16:creationId xmlns:a16="http://schemas.microsoft.com/office/drawing/2014/main" id="{774164A9-DC50-8F4D-93C0-45A2850E3D9B}"/>
+              </a:ext>
+            </a:extLst>
+          </p:cNvPr>
+          <p:cNvGraphicFramePr>
+            <a:graphicFrameLocks noGrp="1"/>
+          </p:cNvGraphicFramePr>
+          <p:nvPr>
+            <p:extLst>
+              <p:ext uri="{D42A27DB-BD31-4B8C-83A1-F6EECF244321}">
+                <p14:modId xmlns:p14="http://schemas.microsoft.com/office/powerpoint/2010/main" val="3350004318"/>
+              </p:ext>
+            </p:extLst>
+          </p:nvPr>
+        </p:nvGraphicFramePr>
+        <p:xfrm>
+          <a:off x="1564849" y="454469"/>
+          <a:ext cx="7863356" cy="2042160"/>
+        </p:xfrm>
+        <a:graphic>
+          <a:graphicData uri="http://schemas.openxmlformats.org/drawingml/2006/table">
+            <a:tbl>
+              <a:tblPr firstRow="1" bandRow="1">
+                <a:tableStyleId>{5C22544A-7EE6-4342-B048-85BDC9FD1C3A}</a:tableStyleId>
+              </a:tblPr>
+              <a:tblGrid>
+                <a:gridCol w="1215422">
+                  <a:extLst>
+                    <a:ext uri="{9D8B030D-6E8A-4147-A177-3AD203B41FA5}">
+                      <a16:colId xmlns:a16="http://schemas.microsoft.com/office/drawing/2014/main" val="4138952109"/>
+                    </a:ext>
+                  </a:extLst>
+                </a:gridCol>
+                <a:gridCol w="816578">
+                  <a:extLst>
+                    <a:ext uri="{9D8B030D-6E8A-4147-A177-3AD203B41FA5}">
+                      <a16:colId xmlns:a16="http://schemas.microsoft.com/office/drawing/2014/main" val="2681957748"/>
+                    </a:ext>
+                  </a:extLst>
+                </a:gridCol>
+                <a:gridCol w="777444">
+                  <a:extLst>
+                    <a:ext uri="{9D8B030D-6E8A-4147-A177-3AD203B41FA5}">
+                      <a16:colId xmlns:a16="http://schemas.microsoft.com/office/drawing/2014/main" val="1935494629"/>
+                    </a:ext>
+                  </a:extLst>
+                </a:gridCol>
+                <a:gridCol w="840259">
+                  <a:extLst>
+                    <a:ext uri="{9D8B030D-6E8A-4147-A177-3AD203B41FA5}">
+                      <a16:colId xmlns:a16="http://schemas.microsoft.com/office/drawing/2014/main" val="2554570016"/>
+                    </a:ext>
+                  </a:extLst>
+                </a:gridCol>
+                <a:gridCol w="963826">
+                  <a:extLst>
+                    <a:ext uri="{9D8B030D-6E8A-4147-A177-3AD203B41FA5}">
+                      <a16:colId xmlns:a16="http://schemas.microsoft.com/office/drawing/2014/main" val="579209202"/>
+                    </a:ext>
+                  </a:extLst>
+                </a:gridCol>
+                <a:gridCol w="1482471">
+                  <a:extLst>
+                    <a:ext uri="{9D8B030D-6E8A-4147-A177-3AD203B41FA5}">
+                      <a16:colId xmlns:a16="http://schemas.microsoft.com/office/drawing/2014/main" val="1924946939"/>
+                    </a:ext>
+                  </a:extLst>
+                </a:gridCol>
+                <a:gridCol w="1016000">
+                  <a:extLst>
+                    <a:ext uri="{9D8B030D-6E8A-4147-A177-3AD203B41FA5}">
+                      <a16:colId xmlns:a16="http://schemas.microsoft.com/office/drawing/2014/main" val="3285728594"/>
+                    </a:ext>
+                  </a:extLst>
+                </a:gridCol>
+                <a:gridCol w="751356">
+                  <a:extLst>
+                    <a:ext uri="{9D8B030D-6E8A-4147-A177-3AD203B41FA5}">
+                      <a16:colId xmlns:a16="http://schemas.microsoft.com/office/drawing/2014/main" val="2869191847"/>
+                    </a:ext>
+                  </a:extLst>
+                </a:gridCol>
+              </a:tblGrid>
+              <a:tr h="370840">
+                <a:tc rowSpan="2">
+                  <a:txBody>
+                    <a:bodyPr/>
+                    <a:lstStyle/>
+                    <a:p>
+                      <a:r>
+                        <a:rPr lang="en-US" sz="2400" b="0" dirty="0" err="1">
+                          <a:solidFill>
+                            <a:schemeClr val="tx1"/>
+                          </a:solidFill>
+                        </a:rPr>
+                        <a:t>KVstore</a:t>
+                      </a:r>
+                      <a:endParaRPr lang="en-US" sz="2400" b="0" dirty="0">
+                        <a:solidFill>
+                          <a:schemeClr val="tx1"/>
+                        </a:solidFill>
+                      </a:endParaRPr>
+                    </a:p>
+                  </a:txBody>
+                  <a:tcPr marT="0" anchor="ctr">
+                    <a:lnL w="12700" cap="flat" cmpd="sng" algn="ctr">
+                      <a:noFill/>
+                      <a:prstDash val="solid"/>
+                      <a:round/>
+                      <a:headEnd type="none" w="med" len="med"/>
+                      <a:tailEnd type="none" w="med" len="med"/>
+                    </a:lnL>
+                    <a:lnR w="12700" cap="flat" cmpd="sng" algn="ctr">
+                      <a:solidFill>
+                        <a:schemeClr val="tx1"/>
+                      </a:solidFill>
+                      <a:prstDash val="solid"/>
+                      <a:round/>
+                      <a:headEnd type="none" w="med" len="med"/>
+                      <a:tailEnd type="none" w="med" len="med"/>
+                    </a:lnR>
+                    <a:lnT w="12700" cap="flat" cmpd="sng" algn="ctr">
+                      <a:noFill/>
+                      <a:prstDash val="solid"/>
+                      <a:round/>
+                      <a:headEnd type="none" w="med" len="med"/>
+                      <a:tailEnd type="none" w="med" len="med"/>
+                    </a:lnT>
+                    <a:lnB w="12700" cap="flat" cmpd="sng" algn="ctr">
+                      <a:noFill/>
+                      <a:prstDash val="solid"/>
+                      <a:round/>
+                      <a:headEnd type="none" w="med" len="med"/>
+                      <a:tailEnd type="none" w="med" len="med"/>
+                    </a:lnB>
+                    <a:lnTlToBr w="12700" cmpd="sng">
+                      <a:noFill/>
+                      <a:prstDash val="solid"/>
+                    </a:lnTlToBr>
+                    <a:lnBlToTr w="12700" cmpd="sng">
+                      <a:noFill/>
+                      <a:prstDash val="solid"/>
+                    </a:lnBlToTr>
+                    <a:noFill/>
+                  </a:tcPr>
+                </a:tc>
+                <a:tc>
+                  <a:txBody>
+                    <a:bodyPr/>
+                    <a:lstStyle/>
+                    <a:p>
+                      <a:r>
+                        <a:rPr lang="en-US" sz="2000" b="0" dirty="0" err="1">
+                          <a:solidFill>
+                            <a:schemeClr val="tx1"/>
+                          </a:solidFill>
+                        </a:rPr>
+                        <a:t>aaa</a:t>
+                      </a:r>
+                      <a:endParaRPr lang="en-US" sz="2000" b="0" dirty="0">
+                        <a:solidFill>
+                          <a:schemeClr val="tx1"/>
+                        </a:solidFill>
+                      </a:endParaRPr>
+                    </a:p>
+                  </a:txBody>
+                  <a:tcPr>
+                    <a:lnL w="12700" cap="flat" cmpd="sng" algn="ctr">
+                      <a:solidFill>
+                        <a:schemeClr val="tx1"/>
+                      </a:solidFill>
+                      <a:prstDash val="solid"/>
+                      <a:round/>
+                      <a:headEnd type="none" w="med" len="med"/>
+                      <a:tailEnd type="none" w="med" len="med"/>
+                    </a:lnL>
+                    <a:lnR w="12700" cap="flat" cmpd="sng" algn="ctr">
+                      <a:solidFill>
+                        <a:schemeClr val="tx1"/>
+                      </a:solidFill>
+                      <a:prstDash val="solid"/>
+                      <a:round/>
+                      <a:headEnd type="none" w="med" len="med"/>
+                      <a:tailEnd type="none" w="med" len="med"/>
+                    </a:lnR>
+                    <a:lnT w="12700" cap="flat" cmpd="sng" algn="ctr">
+                      <a:solidFill>
+                        <a:schemeClr val="tx1"/>
+                      </a:solidFill>
+                      <a:prstDash val="solid"/>
+                      <a:round/>
+                      <a:headEnd type="none" w="med" len="med"/>
+                      <a:tailEnd type="none" w="med" len="med"/>
+                    </a:lnT>
+                    <a:lnB w="12700" cap="flat" cmpd="sng" algn="ctr">
+                      <a:solidFill>
+                        <a:schemeClr val="tx1"/>
+                      </a:solidFill>
+                      <a:prstDash val="solid"/>
+                      <a:round/>
+                      <a:headEnd type="none" w="med" len="med"/>
+                      <a:tailEnd type="none" w="med" len="med"/>
+                    </a:lnB>
+                    <a:noFill/>
+                  </a:tcPr>
+                </a:tc>
+                <a:tc>
+                  <a:txBody>
+                    <a:bodyPr/>
+                    <a:lstStyle/>
+                    <a:p>
+                      <a:r>
+                        <a:rPr lang="en-US" sz="2000" b="0" dirty="0">
+                          <a:solidFill>
+                            <a:schemeClr val="tx1"/>
+                          </a:solidFill>
+                        </a:rPr>
+                        <a:t>boo</a:t>
+                      </a:r>
+                    </a:p>
+                  </a:txBody>
+                  <a:tcPr>
+                    <a:lnL w="12700" cap="flat" cmpd="sng" algn="ctr">
+                      <a:solidFill>
+                        <a:schemeClr val="tx1"/>
+                      </a:solidFill>
+                      <a:prstDash val="solid"/>
+                      <a:round/>
+                      <a:headEnd type="none" w="med" len="med"/>
+                      <a:tailEnd type="none" w="med" len="med"/>
+                    </a:lnL>
+                    <a:lnR w="12700" cap="flat" cmpd="sng" algn="ctr">
+                      <a:solidFill>
+                        <a:schemeClr val="tx1"/>
+                      </a:solidFill>
+                      <a:prstDash val="solid"/>
+                      <a:round/>
+                      <a:headEnd type="none" w="med" len="med"/>
+                      <a:tailEnd type="none" w="med" len="med"/>
+                    </a:lnR>
+                    <a:lnT w="12700" cap="flat" cmpd="sng" algn="ctr">
+                      <a:solidFill>
+                        <a:schemeClr val="tx1"/>
+                      </a:solidFill>
+                      <a:prstDash val="solid"/>
+                      <a:round/>
+                      <a:headEnd type="none" w="med" len="med"/>
+                      <a:tailEnd type="none" w="med" len="med"/>
+                    </a:lnT>
+                    <a:lnB w="12700" cap="flat" cmpd="sng" algn="ctr">
+                      <a:solidFill>
+                        <a:schemeClr val="tx1"/>
+                      </a:solidFill>
+                      <a:prstDash val="solid"/>
+                      <a:round/>
+                      <a:headEnd type="none" w="med" len="med"/>
+                      <a:tailEnd type="none" w="med" len="med"/>
+                    </a:lnB>
+                    <a:noFill/>
+                  </a:tcPr>
+                </a:tc>
+                <a:tc>
+                  <a:txBody>
+                    <a:bodyPr/>
+                    <a:lstStyle/>
+                    <a:p>
+                      <a:r>
+                        <a:rPr lang="en-US" sz="2000" b="0" dirty="0">
+                          <a:solidFill>
+                            <a:schemeClr val="tx1"/>
+                          </a:solidFill>
+                        </a:rPr>
+                        <a:t>dog</a:t>
+                      </a:r>
+                    </a:p>
+                  </a:txBody>
+                  <a:tcPr>
+                    <a:lnL w="12700" cap="flat" cmpd="sng" algn="ctr">
+                      <a:solidFill>
+                        <a:schemeClr val="tx1"/>
+                      </a:solidFill>
+                      <a:prstDash val="solid"/>
+                      <a:round/>
+                      <a:headEnd type="none" w="med" len="med"/>
+                      <a:tailEnd type="none" w="med" len="med"/>
+                    </a:lnL>
+                    <a:lnR w="12700" cap="flat" cmpd="sng" algn="ctr">
+                      <a:solidFill>
+                        <a:schemeClr val="tx1"/>
+                      </a:solidFill>
+                      <a:prstDash val="solid"/>
+                      <a:round/>
+                      <a:headEnd type="none" w="med" len="med"/>
+                      <a:tailEnd type="none" w="med" len="med"/>
+                    </a:lnR>
+                    <a:lnT w="12700" cap="flat" cmpd="sng" algn="ctr">
+                      <a:solidFill>
+                        <a:schemeClr val="tx1"/>
+                      </a:solidFill>
+                      <a:prstDash val="solid"/>
+                      <a:round/>
+                      <a:headEnd type="none" w="med" len="med"/>
+                      <a:tailEnd type="none" w="med" len="med"/>
+                    </a:lnT>
+                    <a:lnB w="12700" cap="flat" cmpd="sng" algn="ctr">
+                      <a:solidFill>
+                        <a:schemeClr val="tx1"/>
+                      </a:solidFill>
+                      <a:prstDash val="solid"/>
+                      <a:round/>
+                      <a:headEnd type="none" w="med" len="med"/>
+                      <a:tailEnd type="none" w="med" len="med"/>
+                    </a:lnB>
+                    <a:noFill/>
+                  </a:tcPr>
+                </a:tc>
+                <a:tc gridSpan="3">
+                  <a:txBody>
+                    <a:bodyPr/>
+                    <a:lstStyle/>
+                    <a:p>
+                      <a:pPr algn="ctr"/>
+                      <a:r>
+                        <a:rPr lang="en-US" sz="2000" b="0" dirty="0">
+                          <a:solidFill>
+                            <a:schemeClr val="tx1"/>
+                          </a:solidFill>
+                        </a:rPr>
+                        <a:t>…</a:t>
+                      </a:r>
+                    </a:p>
+                  </a:txBody>
+                  <a:tcPr>
+                    <a:lnL w="12700" cap="flat" cmpd="sng" algn="ctr">
+                      <a:solidFill>
+                        <a:schemeClr val="tx1"/>
+                      </a:solidFill>
+                      <a:prstDash val="solid"/>
+                      <a:round/>
+                      <a:headEnd type="none" w="med" len="med"/>
+                      <a:tailEnd type="none" w="med" len="med"/>
+                    </a:lnL>
+                    <a:lnR w="12700" cap="flat" cmpd="sng" algn="ctr">
+                      <a:solidFill>
+                        <a:schemeClr val="tx1"/>
+                      </a:solidFill>
+                      <a:prstDash val="solid"/>
+                      <a:round/>
+                      <a:headEnd type="none" w="med" len="med"/>
+                      <a:tailEnd type="none" w="med" len="med"/>
+                    </a:lnR>
+                    <a:lnT w="12700" cap="flat" cmpd="sng" algn="ctr">
+                      <a:solidFill>
+                        <a:schemeClr val="tx1"/>
+                      </a:solidFill>
+                      <a:prstDash val="solid"/>
+                      <a:round/>
+                      <a:headEnd type="none" w="med" len="med"/>
+                      <a:tailEnd type="none" w="med" len="med"/>
+                    </a:lnT>
+                    <a:lnB w="12700" cap="flat" cmpd="sng" algn="ctr">
+                      <a:solidFill>
+                        <a:schemeClr val="tx1"/>
+                      </a:solidFill>
+                      <a:prstDash val="solid"/>
+                      <a:round/>
+                      <a:headEnd type="none" w="med" len="med"/>
+                      <a:tailEnd type="none" w="med" len="med"/>
+                    </a:lnB>
+                    <a:noFill/>
+                  </a:tcPr>
+                </a:tc>
+                <a:tc hMerge="1">
+                  <a:txBody>
+                    <a:bodyPr/>
+                    <a:lstStyle/>
+                    <a:p>
+                      <a:endParaRPr lang="en-US" sz="2000" b="0" dirty="0">
+                        <a:solidFill>
+                          <a:schemeClr val="tx1"/>
+                        </a:solidFill>
+                      </a:endParaRPr>
+                    </a:p>
+                  </a:txBody>
+                  <a:tcPr>
+                    <a:lnL w="12700" cap="flat" cmpd="sng" algn="ctr">
+                      <a:solidFill>
+                        <a:schemeClr val="tx1"/>
+                      </a:solidFill>
+                      <a:prstDash val="solid"/>
+                      <a:round/>
+                      <a:headEnd type="none" w="med" len="med"/>
+                      <a:tailEnd type="none" w="med" len="med"/>
+                    </a:lnL>
+                    <a:lnR w="12700" cap="flat" cmpd="sng" algn="ctr">
+                      <a:solidFill>
+                        <a:schemeClr val="tx1"/>
+                      </a:solidFill>
+                      <a:prstDash val="solid"/>
+                      <a:round/>
+                      <a:headEnd type="none" w="med" len="med"/>
+                      <a:tailEnd type="none" w="med" len="med"/>
+                    </a:lnR>
+                    <a:lnT w="12700" cap="flat" cmpd="sng" algn="ctr">
+                      <a:solidFill>
+                        <a:schemeClr val="tx1"/>
+                      </a:solidFill>
+                      <a:prstDash val="solid"/>
+                      <a:round/>
+                      <a:headEnd type="none" w="med" len="med"/>
+                      <a:tailEnd type="none" w="med" len="med"/>
+                    </a:lnT>
+                    <a:lnB w="12700" cap="flat" cmpd="sng" algn="ctr">
+                      <a:solidFill>
+                        <a:schemeClr val="tx1"/>
+                      </a:solidFill>
+                      <a:prstDash val="solid"/>
+                      <a:round/>
+                      <a:headEnd type="none" w="med" len="med"/>
+                      <a:tailEnd type="none" w="med" len="med"/>
+                    </a:lnB>
+                    <a:noFill/>
+                  </a:tcPr>
+                </a:tc>
+                <a:tc hMerge="1">
+                  <a:txBody>
+                    <a:bodyPr/>
+                    <a:lstStyle/>
+                    <a:p>
+                      <a:endParaRPr lang="en-US" sz="2000" b="0" dirty="0">
+                        <a:solidFill>
+                          <a:schemeClr val="tx1"/>
+                        </a:solidFill>
+                      </a:endParaRPr>
+                    </a:p>
+                  </a:txBody>
+                  <a:tcPr>
+                    <a:lnL w="12700" cap="flat" cmpd="sng" algn="ctr">
+                      <a:solidFill>
+                        <a:schemeClr val="tx1"/>
+                      </a:solidFill>
+                      <a:prstDash val="solid"/>
+                      <a:round/>
+                      <a:headEnd type="none" w="med" len="med"/>
+                      <a:tailEnd type="none" w="med" len="med"/>
+                    </a:lnL>
+                    <a:lnR w="12700" cap="flat" cmpd="sng" algn="ctr">
+                      <a:solidFill>
+                        <a:schemeClr val="tx1"/>
+                      </a:solidFill>
+                      <a:prstDash val="solid"/>
+                      <a:round/>
+                      <a:headEnd type="none" w="med" len="med"/>
+                      <a:tailEnd type="none" w="med" len="med"/>
+                    </a:lnR>
+                    <a:lnT w="12700" cap="flat" cmpd="sng" algn="ctr">
+                      <a:solidFill>
+                        <a:schemeClr val="tx1"/>
+                      </a:solidFill>
+                      <a:prstDash val="solid"/>
+                      <a:round/>
+                      <a:headEnd type="none" w="med" len="med"/>
+                      <a:tailEnd type="none" w="med" len="med"/>
+                    </a:lnT>
+                    <a:lnB w="12700" cap="flat" cmpd="sng" algn="ctr">
+                      <a:solidFill>
+                        <a:schemeClr val="tx1"/>
+                      </a:solidFill>
+                      <a:prstDash val="solid"/>
+                      <a:round/>
+                      <a:headEnd type="none" w="med" len="med"/>
+                      <a:tailEnd type="none" w="med" len="med"/>
+                    </a:lnB>
+                    <a:noFill/>
+                  </a:tcPr>
+                </a:tc>
+                <a:tc>
+                  <a:txBody>
+                    <a:bodyPr/>
+                    <a:lstStyle/>
+                    <a:p>
+                      <a:r>
+                        <a:rPr lang="en-US" sz="2000" b="0" dirty="0">
+                          <a:solidFill>
+                            <a:schemeClr val="tx1"/>
+                          </a:solidFill>
+                        </a:rPr>
+                        <a:t>zoo</a:t>
+                      </a:r>
+                    </a:p>
+                  </a:txBody>
+                  <a:tcPr>
+                    <a:lnL w="12700" cap="flat" cmpd="sng" algn="ctr">
+                      <a:solidFill>
+                        <a:schemeClr val="tx1"/>
+                      </a:solidFill>
+                      <a:prstDash val="solid"/>
+                      <a:round/>
+                      <a:headEnd type="none" w="med" len="med"/>
+                      <a:tailEnd type="none" w="med" len="med"/>
+                    </a:lnL>
+                    <a:lnR w="12700" cap="flat" cmpd="sng" algn="ctr">
+                      <a:solidFill>
+                        <a:schemeClr val="tx1"/>
+                      </a:solidFill>
+                      <a:prstDash val="solid"/>
+                      <a:round/>
+                      <a:headEnd type="none" w="med" len="med"/>
+                      <a:tailEnd type="none" w="med" len="med"/>
+                    </a:lnR>
+                    <a:lnT w="12700" cap="flat" cmpd="sng" algn="ctr">
+                      <a:solidFill>
+                        <a:schemeClr val="tx1"/>
+                      </a:solidFill>
+                      <a:prstDash val="solid"/>
+                      <a:round/>
+                      <a:headEnd type="none" w="med" len="med"/>
+                      <a:tailEnd type="none" w="med" len="med"/>
+                    </a:lnT>
+                    <a:lnB w="12700" cap="flat" cmpd="sng" algn="ctr">
+                      <a:solidFill>
+                        <a:schemeClr val="tx1"/>
+                      </a:solidFill>
+                      <a:prstDash val="solid"/>
+                      <a:round/>
+                      <a:headEnd type="none" w="med" len="med"/>
+                      <a:tailEnd type="none" w="med" len="med"/>
+                    </a:lnB>
+                    <a:noFill/>
+                  </a:tcPr>
+                </a:tc>
+                <a:extLst>
+                  <a:ext uri="{0D108BD9-81ED-4DB2-BD59-A6C34878D82A}">
+                    <a16:rowId xmlns:a16="http://schemas.microsoft.com/office/drawing/2014/main" val="533160720"/>
+                  </a:ext>
+                </a:extLst>
+              </a:tr>
+              <a:tr h="370840">
+                <a:tc vMerge="1">
+                  <a:txBody>
+                    <a:bodyPr/>
+                    <a:lstStyle/>
+                    <a:p>
+                      <a:endParaRPr lang="en-US" sz="2000" dirty="0">
+                        <a:solidFill>
+                          <a:schemeClr val="tx1"/>
+                        </a:solidFill>
+                      </a:endParaRPr>
+                    </a:p>
+                  </a:txBody>
+                  <a:tcPr>
+                    <a:lnL w="12700" cap="flat" cmpd="sng" algn="ctr">
+                      <a:solidFill>
+                        <a:schemeClr val="tx1"/>
+                      </a:solidFill>
+                      <a:prstDash val="solid"/>
+                      <a:round/>
+                      <a:headEnd type="none" w="med" len="med"/>
+                      <a:tailEnd type="none" w="med" len="med"/>
+                    </a:lnL>
+                    <a:lnR w="12700" cap="flat" cmpd="sng" algn="ctr">
+                      <a:solidFill>
+                        <a:schemeClr val="tx1"/>
+                      </a:solidFill>
+                      <a:prstDash val="solid"/>
+                      <a:round/>
+                      <a:headEnd type="none" w="med" len="med"/>
+                      <a:tailEnd type="none" w="med" len="med"/>
+                    </a:lnR>
+                    <a:lnT w="12700" cap="flat" cmpd="sng" algn="ctr">
+                      <a:solidFill>
+                        <a:schemeClr val="tx1"/>
+                      </a:solidFill>
+                      <a:prstDash val="solid"/>
+                      <a:round/>
+                      <a:headEnd type="none" w="med" len="med"/>
+                      <a:tailEnd type="none" w="med" len="med"/>
+                    </a:lnT>
+                    <a:lnB w="12700" cap="flat" cmpd="sng" algn="ctr">
+                      <a:solidFill>
+                        <a:schemeClr val="tx1"/>
+                      </a:solidFill>
+                      <a:prstDash val="solid"/>
+                      <a:round/>
+                      <a:headEnd type="none" w="med" len="med"/>
+                      <a:tailEnd type="none" w="med" len="med"/>
+                    </a:lnB>
+                    <a:noFill/>
+                  </a:tcPr>
+                </a:tc>
+                <a:tc>
+                  <a:txBody>
+                    <a:bodyPr/>
+                    <a:lstStyle/>
+                    <a:p>
+                      <a:endParaRPr lang="en-US" sz="2000" b="0" dirty="0">
+                        <a:solidFill>
+                          <a:schemeClr val="tx1"/>
+                        </a:solidFill>
+                      </a:endParaRPr>
+                    </a:p>
+                  </a:txBody>
+                  <a:tcPr>
+                    <a:lnL w="12700" cap="flat" cmpd="sng" algn="ctr">
+                      <a:solidFill>
+                        <a:schemeClr val="tx1"/>
+                      </a:solidFill>
+                      <a:prstDash val="solid"/>
+                      <a:round/>
+                      <a:headEnd type="none" w="med" len="med"/>
+                      <a:tailEnd type="none" w="med" len="med"/>
+                    </a:lnL>
+                    <a:lnR w="12700" cap="flat" cmpd="sng" algn="ctr">
+                      <a:solidFill>
+                        <a:schemeClr val="tx1"/>
+                      </a:solidFill>
+                      <a:prstDash val="solid"/>
+                      <a:round/>
+                      <a:headEnd type="none" w="med" len="med"/>
+                      <a:tailEnd type="none" w="med" len="med"/>
+                    </a:lnR>
+                    <a:lnT w="12700" cap="flat" cmpd="sng" algn="ctr">
+                      <a:solidFill>
+                        <a:schemeClr val="tx1"/>
+                      </a:solidFill>
+                      <a:prstDash val="solid"/>
+                      <a:round/>
+                      <a:headEnd type="none" w="med" len="med"/>
+                      <a:tailEnd type="none" w="med" len="med"/>
+                    </a:lnT>
+                    <a:lnB w="12700" cap="flat" cmpd="sng" algn="ctr">
+                      <a:solidFill>
+                        <a:schemeClr val="tx1"/>
+                      </a:solidFill>
+                      <a:prstDash val="solid"/>
+                      <a:round/>
+                      <a:headEnd type="none" w="med" len="med"/>
+                      <a:tailEnd type="none" w="med" len="med"/>
+                    </a:lnB>
+                    <a:noFill/>
+                  </a:tcPr>
+                </a:tc>
+                <a:tc>
+                  <a:txBody>
+                    <a:bodyPr/>
+                    <a:lstStyle/>
+                    <a:p>
+                      <a:endParaRPr lang="en-US" sz="2000" b="0" dirty="0">
+                        <a:solidFill>
+                          <a:schemeClr val="tx1"/>
+                        </a:solidFill>
+                      </a:endParaRPr>
+                    </a:p>
+                  </a:txBody>
+                  <a:tcPr>
+                    <a:lnL w="12700" cap="flat" cmpd="sng" algn="ctr">
+                      <a:solidFill>
+                        <a:schemeClr val="tx1"/>
+                      </a:solidFill>
+                      <a:prstDash val="solid"/>
+                      <a:round/>
+                      <a:headEnd type="none" w="med" len="med"/>
+                      <a:tailEnd type="none" w="med" len="med"/>
+                    </a:lnL>
+                    <a:lnR w="12700" cap="flat" cmpd="sng" algn="ctr">
+                      <a:solidFill>
+                        <a:schemeClr val="tx1"/>
+                      </a:solidFill>
+                      <a:prstDash val="solid"/>
+                      <a:round/>
+                      <a:headEnd type="none" w="med" len="med"/>
+                      <a:tailEnd type="none" w="med" len="med"/>
+                    </a:lnR>
+                    <a:lnT w="12700" cap="flat" cmpd="sng" algn="ctr">
+                      <a:solidFill>
+                        <a:schemeClr val="tx1"/>
+                      </a:solidFill>
+                      <a:prstDash val="solid"/>
+                      <a:round/>
+                      <a:headEnd type="none" w="med" len="med"/>
+                      <a:tailEnd type="none" w="med" len="med"/>
+                    </a:lnT>
+                    <a:lnB w="12700" cap="flat" cmpd="sng" algn="ctr">
+                      <a:solidFill>
+                        <a:schemeClr val="tx1"/>
+                      </a:solidFill>
+                      <a:prstDash val="solid"/>
+                      <a:round/>
+                      <a:headEnd type="none" w="med" len="med"/>
+                      <a:tailEnd type="none" w="med" len="med"/>
+                    </a:lnB>
+                    <a:noFill/>
+                  </a:tcPr>
+                </a:tc>
+                <a:tc>
+                  <a:txBody>
+                    <a:bodyPr/>
+                    <a:lstStyle/>
+                    <a:p>
+                      <a:r>
+                        <a:rPr lang="en-US" sz="2000" b="0" dirty="0" err="1">
+                          <a:solidFill>
+                            <a:schemeClr val="tx1"/>
+                          </a:solidFill>
+                        </a:rPr>
+                        <a:t>oldVal</a:t>
+                      </a:r>
+                      <a:endParaRPr lang="en-US" sz="2000" b="0" dirty="0">
+                        <a:solidFill>
+                          <a:schemeClr val="tx1"/>
+                        </a:solidFill>
+                      </a:endParaRPr>
+                    </a:p>
+                  </a:txBody>
+                  <a:tcPr>
+                    <a:lnL w="12700" cap="flat" cmpd="sng" algn="ctr">
+                      <a:solidFill>
+                        <a:schemeClr val="tx1"/>
+                      </a:solidFill>
+                      <a:prstDash val="solid"/>
+                      <a:round/>
+                      <a:headEnd type="none" w="med" len="med"/>
+                      <a:tailEnd type="none" w="med" len="med"/>
+                    </a:lnL>
+                    <a:lnR w="12700" cap="flat" cmpd="sng" algn="ctr">
+                      <a:solidFill>
+                        <a:schemeClr val="tx1"/>
+                      </a:solidFill>
+                      <a:prstDash val="solid"/>
+                      <a:round/>
+                      <a:headEnd type="none" w="med" len="med"/>
+                      <a:tailEnd type="none" w="med" len="med"/>
+                    </a:lnR>
+                    <a:lnT w="12700" cap="flat" cmpd="sng" algn="ctr">
+                      <a:solidFill>
+                        <a:schemeClr val="tx1"/>
+                      </a:solidFill>
+                      <a:prstDash val="solid"/>
+                      <a:round/>
+                      <a:headEnd type="none" w="med" len="med"/>
+                      <a:tailEnd type="none" w="med" len="med"/>
+                    </a:lnT>
+                    <a:lnB w="12700" cap="flat" cmpd="sng" algn="ctr">
+                      <a:solidFill>
+                        <a:schemeClr val="tx1"/>
+                      </a:solidFill>
+                      <a:prstDash val="solid"/>
+                      <a:round/>
+                      <a:headEnd type="none" w="med" len="med"/>
+                      <a:tailEnd type="none" w="med" len="med"/>
+                    </a:lnB>
+                    <a:noFill/>
+                  </a:tcPr>
+                </a:tc>
+                <a:tc gridSpan="3">
+                  <a:txBody>
+                    <a:bodyPr/>
+                    <a:lstStyle/>
+                    <a:p>
+                      <a:pPr algn="ctr"/>
+                      <a:endParaRPr lang="en-US" sz="2000" b="0" dirty="0">
+                        <a:solidFill>
+                          <a:schemeClr val="tx1"/>
+                        </a:solidFill>
+                      </a:endParaRPr>
+                    </a:p>
+                  </a:txBody>
+                  <a:tcPr>
+                    <a:lnL w="12700" cap="flat" cmpd="sng" algn="ctr">
+                      <a:solidFill>
+                        <a:schemeClr val="tx1"/>
+                      </a:solidFill>
+                      <a:prstDash val="solid"/>
+                      <a:round/>
+                      <a:headEnd type="none" w="med" len="med"/>
+                      <a:tailEnd type="none" w="med" len="med"/>
+                    </a:lnL>
+                    <a:lnR w="12700" cap="flat" cmpd="sng" algn="ctr">
+                      <a:solidFill>
+                        <a:schemeClr val="tx1"/>
+                      </a:solidFill>
+                      <a:prstDash val="solid"/>
+                      <a:round/>
+                      <a:headEnd type="none" w="med" len="med"/>
+                      <a:tailEnd type="none" w="med" len="med"/>
+                    </a:lnR>
+                    <a:lnT w="12700" cap="flat" cmpd="sng" algn="ctr">
+                      <a:solidFill>
+                        <a:schemeClr val="tx1"/>
+                      </a:solidFill>
+                      <a:prstDash val="solid"/>
+                      <a:round/>
+                      <a:headEnd type="none" w="med" len="med"/>
+                      <a:tailEnd type="none" w="med" len="med"/>
+                    </a:lnT>
+                    <a:lnB w="12700" cap="flat" cmpd="sng" algn="ctr">
+                      <a:solidFill>
+                        <a:schemeClr val="tx1"/>
+                      </a:solidFill>
+                      <a:prstDash val="solid"/>
+                      <a:round/>
+                      <a:headEnd type="none" w="med" len="med"/>
+                      <a:tailEnd type="none" w="med" len="med"/>
+                    </a:lnB>
+                    <a:noFill/>
+                  </a:tcPr>
+                </a:tc>
+                <a:tc hMerge="1">
+                  <a:txBody>
+                    <a:bodyPr/>
+                    <a:lstStyle/>
+                    <a:p>
+                      <a:endParaRPr lang="en-US" sz="2000" b="0" dirty="0">
+                        <a:solidFill>
+                          <a:schemeClr val="tx1"/>
+                        </a:solidFill>
+                      </a:endParaRPr>
+                    </a:p>
+                  </a:txBody>
+                  <a:tcPr>
+                    <a:lnL w="12700" cap="flat" cmpd="sng" algn="ctr">
+                      <a:solidFill>
+                        <a:schemeClr val="tx1"/>
+                      </a:solidFill>
+                      <a:prstDash val="solid"/>
+                      <a:round/>
+                      <a:headEnd type="none" w="med" len="med"/>
+                      <a:tailEnd type="none" w="med" len="med"/>
+                    </a:lnL>
+                    <a:lnR w="12700" cap="flat" cmpd="sng" algn="ctr">
+                      <a:solidFill>
+                        <a:schemeClr val="tx1"/>
+                      </a:solidFill>
+                      <a:prstDash val="solid"/>
+                      <a:round/>
+                      <a:headEnd type="none" w="med" len="med"/>
+                      <a:tailEnd type="none" w="med" len="med"/>
+                    </a:lnR>
+                    <a:lnT w="12700" cap="flat" cmpd="sng" algn="ctr">
+                      <a:solidFill>
+                        <a:schemeClr val="tx1"/>
+                      </a:solidFill>
+                      <a:prstDash val="solid"/>
+                      <a:round/>
+                      <a:headEnd type="none" w="med" len="med"/>
+                      <a:tailEnd type="none" w="med" len="med"/>
+                    </a:lnT>
+                    <a:lnB w="12700" cap="flat" cmpd="sng" algn="ctr">
+                      <a:solidFill>
+                        <a:schemeClr val="tx1"/>
+                      </a:solidFill>
+                      <a:prstDash val="solid"/>
+                      <a:round/>
+                      <a:headEnd type="none" w="med" len="med"/>
+                      <a:tailEnd type="none" w="med" len="med"/>
+                    </a:lnB>
+                    <a:noFill/>
+                  </a:tcPr>
+                </a:tc>
+                <a:tc hMerge="1">
+                  <a:txBody>
+                    <a:bodyPr/>
+                    <a:lstStyle/>
+                    <a:p>
+                      <a:endParaRPr lang="en-US" sz="2000" b="0" dirty="0">
+                        <a:solidFill>
+                          <a:schemeClr val="tx1"/>
+                        </a:solidFill>
+                      </a:endParaRPr>
+                    </a:p>
+                  </a:txBody>
+                  <a:tcPr>
+                    <a:lnL w="12700" cap="flat" cmpd="sng" algn="ctr">
+                      <a:solidFill>
+                        <a:schemeClr val="tx1"/>
+                      </a:solidFill>
+                      <a:prstDash val="solid"/>
+                      <a:round/>
+                      <a:headEnd type="none" w="med" len="med"/>
+                      <a:tailEnd type="none" w="med" len="med"/>
+                    </a:lnL>
+                    <a:lnR w="12700" cap="flat" cmpd="sng" algn="ctr">
+                      <a:solidFill>
+                        <a:schemeClr val="tx1"/>
+                      </a:solidFill>
+                      <a:prstDash val="solid"/>
+                      <a:round/>
+                      <a:headEnd type="none" w="med" len="med"/>
+                      <a:tailEnd type="none" w="med" len="med"/>
+                    </a:lnR>
+                    <a:lnT w="12700" cap="flat" cmpd="sng" algn="ctr">
+                      <a:solidFill>
+                        <a:schemeClr val="tx1"/>
+                      </a:solidFill>
+                      <a:prstDash val="solid"/>
+                      <a:round/>
+                      <a:headEnd type="none" w="med" len="med"/>
+                      <a:tailEnd type="none" w="med" len="med"/>
+                    </a:lnT>
+                    <a:lnB w="12700" cap="flat" cmpd="sng" algn="ctr">
+                      <a:solidFill>
+                        <a:schemeClr val="tx1"/>
+                      </a:solidFill>
+                      <a:prstDash val="solid"/>
+                      <a:round/>
+                      <a:headEnd type="none" w="med" len="med"/>
+                      <a:tailEnd type="none" w="med" len="med"/>
+                    </a:lnB>
+                    <a:noFill/>
+                  </a:tcPr>
+                </a:tc>
+                <a:tc>
+                  <a:txBody>
+                    <a:bodyPr/>
+                    <a:lstStyle/>
+                    <a:p>
+                      <a:endParaRPr lang="en-US" sz="2000" b="0" dirty="0">
+                        <a:solidFill>
+                          <a:schemeClr val="tx1"/>
+                        </a:solidFill>
+                      </a:endParaRPr>
+                    </a:p>
+                  </a:txBody>
+                  <a:tcPr>
+                    <a:lnL w="12700" cap="flat" cmpd="sng" algn="ctr">
+                      <a:solidFill>
+                        <a:schemeClr val="tx1"/>
+                      </a:solidFill>
+                      <a:prstDash val="solid"/>
+                      <a:round/>
+                      <a:headEnd type="none" w="med" len="med"/>
+                      <a:tailEnd type="none" w="med" len="med"/>
+                    </a:lnL>
+                    <a:lnR w="12700" cap="flat" cmpd="sng" algn="ctr">
+                      <a:solidFill>
+                        <a:schemeClr val="tx1"/>
+                      </a:solidFill>
+                      <a:prstDash val="solid"/>
+                      <a:round/>
+                      <a:headEnd type="none" w="med" len="med"/>
+                      <a:tailEnd type="none" w="med" len="med"/>
+                    </a:lnR>
+                    <a:lnT w="12700" cap="flat" cmpd="sng" algn="ctr">
+                      <a:solidFill>
+                        <a:schemeClr val="tx1"/>
+                      </a:solidFill>
+                      <a:prstDash val="solid"/>
+                      <a:round/>
+                      <a:headEnd type="none" w="med" len="med"/>
+                      <a:tailEnd type="none" w="med" len="med"/>
+                    </a:lnT>
+                    <a:lnB w="12700" cap="flat" cmpd="sng" algn="ctr">
+                      <a:solidFill>
+                        <a:schemeClr val="tx1"/>
+                      </a:solidFill>
+                      <a:prstDash val="solid"/>
+                      <a:round/>
+                      <a:headEnd type="none" w="med" len="med"/>
+                      <a:tailEnd type="none" w="med" len="med"/>
+                    </a:lnB>
+                    <a:noFill/>
+                  </a:tcPr>
+                </a:tc>
+                <a:extLst>
+                  <a:ext uri="{0D108BD9-81ED-4DB2-BD59-A6C34878D82A}">
+                    <a16:rowId xmlns:a16="http://schemas.microsoft.com/office/drawing/2014/main" val="2022868214"/>
+                  </a:ext>
+                </a:extLst>
+              </a:tr>
+              <a:tr h="370840">
+                <a:tc>
+                  <a:txBody>
+                    <a:bodyPr/>
+                    <a:lstStyle/>
+                    <a:p>
+                      <a:endParaRPr lang="en-US" sz="2400" dirty="0">
+                        <a:solidFill>
+                          <a:schemeClr val="tx1"/>
+                        </a:solidFill>
+                      </a:endParaRPr>
+                    </a:p>
+                  </a:txBody>
+                  <a:tcPr marT="0" anchor="ctr">
+                    <a:lnL w="12700" cap="flat" cmpd="sng" algn="ctr">
+                      <a:noFill/>
+                      <a:prstDash val="solid"/>
+                      <a:round/>
+                      <a:headEnd type="none" w="med" len="med"/>
+                      <a:tailEnd type="none" w="med" len="med"/>
+                    </a:lnL>
+                    <a:lnR w="12700" cap="flat" cmpd="sng" algn="ctr">
+                      <a:noFill/>
+                      <a:prstDash val="solid"/>
+                      <a:round/>
+                      <a:headEnd type="none" w="med" len="med"/>
+                      <a:tailEnd type="none" w="med" len="med"/>
+                    </a:lnR>
+                    <a:lnT w="12700" cap="flat" cmpd="sng" algn="ctr">
+                      <a:noFill/>
+                      <a:prstDash val="solid"/>
+                      <a:round/>
+                      <a:headEnd type="none" w="med" len="med"/>
+                      <a:tailEnd type="none" w="med" len="med"/>
+                    </a:lnT>
+                    <a:lnB w="12700" cap="flat" cmpd="sng" algn="ctr">
+                      <a:noFill/>
+                      <a:prstDash val="solid"/>
+                      <a:round/>
+                      <a:headEnd type="none" w="med" len="med"/>
+                      <a:tailEnd type="none" w="med" len="med"/>
+                    </a:lnB>
+                    <a:noFill/>
+                  </a:tcPr>
+                </a:tc>
+                <a:tc>
+                  <a:txBody>
+                    <a:bodyPr/>
+                    <a:lstStyle/>
+                    <a:p>
+                      <a:endParaRPr lang="en-US" sz="2000" b="0">
+                        <a:solidFill>
+                          <a:schemeClr val="tx1"/>
+                        </a:solidFill>
+                      </a:endParaRPr>
+                    </a:p>
+                  </a:txBody>
+                  <a:tcPr>
+                    <a:lnL w="12700" cap="flat" cmpd="sng" algn="ctr">
+                      <a:noFill/>
+                      <a:prstDash val="solid"/>
+                      <a:round/>
+                      <a:headEnd type="none" w="med" len="med"/>
+                      <a:tailEnd type="none" w="med" len="med"/>
+                    </a:lnL>
+                    <a:lnR w="12700" cap="flat" cmpd="sng" algn="ctr">
+                      <a:noFill/>
+                      <a:prstDash val="solid"/>
+                      <a:round/>
+                      <a:headEnd type="none" w="med" len="med"/>
+                      <a:tailEnd type="none" w="med" len="med"/>
+                    </a:lnR>
+                    <a:lnT w="12700" cap="flat" cmpd="sng" algn="ctr">
+                      <a:solidFill>
+                        <a:schemeClr val="tx1"/>
+                      </a:solidFill>
+                      <a:prstDash val="solid"/>
+                      <a:round/>
+                      <a:headEnd type="none" w="med" len="med"/>
+                      <a:tailEnd type="none" w="med" len="med"/>
+                    </a:lnT>
+                    <a:lnB w="12700" cap="flat" cmpd="sng" algn="ctr">
+                      <a:solidFill>
+                        <a:schemeClr val="tx1"/>
+                      </a:solidFill>
+                      <a:prstDash val="solid"/>
+                      <a:round/>
+                      <a:headEnd type="none" w="med" len="med"/>
+                      <a:tailEnd type="none" w="med" len="med"/>
+                    </a:lnB>
+                    <a:lnTlToBr w="12700" cmpd="sng">
+                      <a:noFill/>
+                      <a:prstDash val="solid"/>
+                    </a:lnTlToBr>
+                    <a:lnBlToTr w="12700" cmpd="sng">
+                      <a:noFill/>
+                      <a:prstDash val="solid"/>
+                    </a:lnBlToTr>
+                    <a:noFill/>
+                  </a:tcPr>
+                </a:tc>
+                <a:tc>
+                  <a:txBody>
+                    <a:bodyPr/>
+                    <a:lstStyle/>
+                    <a:p>
+                      <a:endParaRPr lang="en-US" sz="2000" b="0" dirty="0">
+                        <a:solidFill>
+                          <a:schemeClr val="tx1"/>
+                        </a:solidFill>
+                      </a:endParaRPr>
+                    </a:p>
+                  </a:txBody>
+                  <a:tcPr>
+                    <a:lnL w="12700" cap="flat" cmpd="sng" algn="ctr">
+                      <a:noFill/>
+                      <a:prstDash val="solid"/>
+                      <a:round/>
+                      <a:headEnd type="none" w="med" len="med"/>
+                      <a:tailEnd type="none" w="med" len="med"/>
+                    </a:lnL>
+                    <a:lnR w="12700" cap="flat" cmpd="sng" algn="ctr">
+                      <a:noFill/>
+                      <a:prstDash val="solid"/>
+                      <a:round/>
+                      <a:headEnd type="none" w="med" len="med"/>
+                      <a:tailEnd type="none" w="med" len="med"/>
+                    </a:lnR>
+                    <a:lnT w="12700" cap="flat" cmpd="sng" algn="ctr">
+                      <a:solidFill>
+                        <a:schemeClr val="tx1"/>
+                      </a:solidFill>
+                      <a:prstDash val="solid"/>
+                      <a:round/>
+                      <a:headEnd type="none" w="med" len="med"/>
+                      <a:tailEnd type="none" w="med" len="med"/>
+                    </a:lnT>
+                    <a:lnB w="12700" cap="flat" cmpd="sng" algn="ctr">
+                      <a:solidFill>
+                        <a:schemeClr val="tx1"/>
+                      </a:solidFill>
+                      <a:prstDash val="solid"/>
+                      <a:round/>
+                      <a:headEnd type="none" w="med" len="med"/>
+                      <a:tailEnd type="none" w="med" len="med"/>
+                    </a:lnB>
+                    <a:lnTlToBr w="12700" cmpd="sng">
+                      <a:noFill/>
+                      <a:prstDash val="solid"/>
+                    </a:lnTlToBr>
+                    <a:lnBlToTr w="12700" cmpd="sng">
+                      <a:noFill/>
+                      <a:prstDash val="solid"/>
+                    </a:lnBlToTr>
+                    <a:noFill/>
+                  </a:tcPr>
+                </a:tc>
+                <a:tc>
+                  <a:txBody>
+                    <a:bodyPr/>
+                    <a:lstStyle/>
+                    <a:p>
+                      <a:endParaRPr lang="en-US" sz="2400" b="0" dirty="0">
+                        <a:solidFill>
+                          <a:schemeClr val="tx1"/>
+                        </a:solidFill>
+                      </a:endParaRPr>
+                    </a:p>
+                  </a:txBody>
+                  <a:tcPr>
+                    <a:lnL w="12700" cap="flat" cmpd="sng" algn="ctr">
+                      <a:noFill/>
+                      <a:prstDash val="solid"/>
+                      <a:round/>
+                      <a:headEnd type="none" w="med" len="med"/>
+                      <a:tailEnd type="none" w="med" len="med"/>
+                    </a:lnL>
+                    <a:lnR w="12700" cap="flat" cmpd="sng" algn="ctr">
+                      <a:noFill/>
+                      <a:prstDash val="solid"/>
+                      <a:round/>
+                      <a:headEnd type="none" w="med" len="med"/>
+                      <a:tailEnd type="none" w="med" len="med"/>
+                    </a:lnR>
+                    <a:lnT w="12700" cap="flat" cmpd="sng" algn="ctr">
+                      <a:solidFill>
+                        <a:schemeClr val="tx1"/>
+                      </a:solidFill>
+                      <a:prstDash val="solid"/>
+                      <a:round/>
+                      <a:headEnd type="none" w="med" len="med"/>
+                      <a:tailEnd type="none" w="med" len="med"/>
+                    </a:lnT>
+                    <a:lnB w="12700" cap="flat" cmpd="sng" algn="ctr">
+                      <a:solidFill>
+                        <a:schemeClr val="tx1"/>
+                      </a:solidFill>
+                      <a:prstDash val="solid"/>
+                      <a:round/>
+                      <a:headEnd type="none" w="med" len="med"/>
+                      <a:tailEnd type="none" w="med" len="med"/>
+                    </a:lnB>
+                    <a:lnTlToBr w="12700" cmpd="sng">
+                      <a:noFill/>
+                      <a:prstDash val="solid"/>
+                    </a:lnTlToBr>
+                    <a:lnBlToTr w="12700" cmpd="sng">
+                      <a:noFill/>
+                      <a:prstDash val="solid"/>
+                    </a:lnBlToTr>
+                    <a:noFill/>
+                  </a:tcPr>
+                </a:tc>
+                <a:tc>
+                  <a:txBody>
+                    <a:bodyPr/>
+                    <a:lstStyle/>
+                    <a:p>
+                      <a:endParaRPr lang="en-US" sz="2000" b="0" dirty="0">
+                        <a:solidFill>
+                          <a:schemeClr val="tx1"/>
+                        </a:solidFill>
+                      </a:endParaRPr>
+                    </a:p>
+                  </a:txBody>
+                  <a:tcPr>
+                    <a:lnL w="12700" cap="flat" cmpd="sng" algn="ctr">
+                      <a:noFill/>
+                      <a:prstDash val="solid"/>
+                      <a:round/>
+                      <a:headEnd type="none" w="med" len="med"/>
+                      <a:tailEnd type="none" w="med" len="med"/>
+                    </a:lnL>
+                    <a:lnR w="12700" cap="flat" cmpd="sng" algn="ctr">
+                      <a:noFill/>
+                      <a:prstDash val="solid"/>
+                      <a:round/>
+                      <a:headEnd type="none" w="med" len="med"/>
+                      <a:tailEnd type="none" w="med" len="med"/>
+                    </a:lnR>
+                    <a:lnT w="12700" cap="flat" cmpd="sng" algn="ctr">
+                      <a:solidFill>
+                        <a:schemeClr val="tx1"/>
+                      </a:solidFill>
+                      <a:prstDash val="solid"/>
+                      <a:round/>
+                      <a:headEnd type="none" w="med" len="med"/>
+                      <a:tailEnd type="none" w="med" len="med"/>
+                    </a:lnT>
+                    <a:lnB w="12700" cap="flat" cmpd="sng" algn="ctr">
+                      <a:solidFill>
+                        <a:schemeClr val="tx1"/>
+                      </a:solidFill>
+                      <a:prstDash val="solid"/>
+                      <a:round/>
+                      <a:headEnd type="none" w="med" len="med"/>
+                      <a:tailEnd type="none" w="med" len="med"/>
+                    </a:lnB>
+                    <a:lnTlToBr w="12700" cmpd="sng">
+                      <a:noFill/>
+                      <a:prstDash val="solid"/>
+                    </a:lnTlToBr>
+                    <a:lnBlToTr w="12700" cmpd="sng">
+                      <a:noFill/>
+                      <a:prstDash val="solid"/>
+                    </a:lnBlToTr>
+                    <a:noFill/>
+                  </a:tcPr>
+                </a:tc>
+                <a:tc>
+                  <a:txBody>
+                    <a:bodyPr/>
+                    <a:lstStyle/>
+                    <a:p>
+                      <a:endParaRPr lang="en-US" sz="2000" b="0" dirty="0">
+                        <a:solidFill>
+                          <a:schemeClr val="tx1"/>
+                        </a:solidFill>
+                      </a:endParaRPr>
+                    </a:p>
+                  </a:txBody>
+                  <a:tcPr>
+                    <a:lnL w="12700" cap="flat" cmpd="sng" algn="ctr">
+                      <a:noFill/>
+                      <a:prstDash val="solid"/>
+                      <a:round/>
+                      <a:headEnd type="none" w="med" len="med"/>
+                      <a:tailEnd type="none" w="med" len="med"/>
+                    </a:lnL>
+                    <a:lnR w="12700" cap="flat" cmpd="sng" algn="ctr">
+                      <a:noFill/>
+                      <a:prstDash val="solid"/>
+                      <a:round/>
+                      <a:headEnd type="none" w="med" len="med"/>
+                      <a:tailEnd type="none" w="med" len="med"/>
+                    </a:lnR>
+                    <a:lnT w="12700" cap="flat" cmpd="sng" algn="ctr">
+                      <a:solidFill>
+                        <a:schemeClr val="tx1"/>
+                      </a:solidFill>
+                      <a:prstDash val="solid"/>
+                      <a:round/>
+                      <a:headEnd type="none" w="med" len="med"/>
+                      <a:tailEnd type="none" w="med" len="med"/>
+                    </a:lnT>
+                    <a:lnB w="12700" cap="flat" cmpd="sng" algn="ctr">
+                      <a:solidFill>
+                        <a:schemeClr val="tx1"/>
+                      </a:solidFill>
+                      <a:prstDash val="solid"/>
+                      <a:round/>
+                      <a:headEnd type="none" w="med" len="med"/>
+                      <a:tailEnd type="none" w="med" len="med"/>
+                    </a:lnB>
+                    <a:lnTlToBr w="12700" cmpd="sng">
+                      <a:noFill/>
+                      <a:prstDash val="solid"/>
+                    </a:lnTlToBr>
+                    <a:lnBlToTr w="12700" cmpd="sng">
+                      <a:noFill/>
+                      <a:prstDash val="solid"/>
+                    </a:lnBlToTr>
+                    <a:noFill/>
+                  </a:tcPr>
+                </a:tc>
+                <a:tc>
+                  <a:txBody>
+                    <a:bodyPr/>
+                    <a:lstStyle/>
+                    <a:p>
+                      <a:endParaRPr lang="en-US" sz="2000" b="0">
+                        <a:solidFill>
+                          <a:schemeClr val="tx1"/>
+                        </a:solidFill>
+                      </a:endParaRPr>
+                    </a:p>
+                  </a:txBody>
+                  <a:tcPr>
+                    <a:lnL w="12700" cap="flat" cmpd="sng" algn="ctr">
+                      <a:noFill/>
+                      <a:prstDash val="solid"/>
+                      <a:round/>
+                      <a:headEnd type="none" w="med" len="med"/>
+                      <a:tailEnd type="none" w="med" len="med"/>
+                    </a:lnL>
+                    <a:lnR w="12700" cap="flat" cmpd="sng" algn="ctr">
+                      <a:noFill/>
+                      <a:prstDash val="solid"/>
+                      <a:round/>
+                      <a:headEnd type="none" w="med" len="med"/>
+                      <a:tailEnd type="none" w="med" len="med"/>
+                    </a:lnR>
+                    <a:lnT w="12700" cap="flat" cmpd="sng" algn="ctr">
+                      <a:solidFill>
+                        <a:schemeClr val="tx1"/>
+                      </a:solidFill>
+                      <a:prstDash val="solid"/>
+                      <a:round/>
+                      <a:headEnd type="none" w="med" len="med"/>
+                      <a:tailEnd type="none" w="med" len="med"/>
+                    </a:lnT>
+                    <a:lnB w="12700" cap="flat" cmpd="sng" algn="ctr">
+                      <a:solidFill>
+                        <a:schemeClr val="tx1"/>
+                      </a:solidFill>
+                      <a:prstDash val="solid"/>
+                      <a:round/>
+                      <a:headEnd type="none" w="med" len="med"/>
+                      <a:tailEnd type="none" w="med" len="med"/>
+                    </a:lnB>
+                    <a:lnTlToBr w="12700" cmpd="sng">
+                      <a:noFill/>
+                      <a:prstDash val="solid"/>
+                    </a:lnTlToBr>
+                    <a:lnBlToTr w="12700" cmpd="sng">
+                      <a:noFill/>
+                      <a:prstDash val="solid"/>
+                    </a:lnBlToTr>
+                    <a:noFill/>
+                  </a:tcPr>
+                </a:tc>
+                <a:tc>
+                  <a:txBody>
+                    <a:bodyPr/>
+                    <a:lstStyle/>
+                    <a:p>
+                      <a:endParaRPr lang="en-US" sz="2000" b="0" dirty="0">
+                        <a:solidFill>
+                          <a:schemeClr val="tx1"/>
+                        </a:solidFill>
+                      </a:endParaRPr>
+                    </a:p>
+                  </a:txBody>
+                  <a:tcPr>
+                    <a:lnL w="12700" cap="flat" cmpd="sng" algn="ctr">
+                      <a:noFill/>
+                      <a:prstDash val="solid"/>
+                      <a:round/>
+                      <a:headEnd type="none" w="med" len="med"/>
+                      <a:tailEnd type="none" w="med" len="med"/>
+                    </a:lnL>
+                    <a:lnR w="12700" cap="flat" cmpd="sng" algn="ctr">
+                      <a:noFill/>
+                      <a:prstDash val="solid"/>
+                      <a:round/>
+                      <a:headEnd type="none" w="med" len="med"/>
+                      <a:tailEnd type="none" w="med" len="med"/>
+                    </a:lnR>
+                    <a:lnT w="12700" cap="flat" cmpd="sng" algn="ctr">
+                      <a:solidFill>
+                        <a:schemeClr val="tx1"/>
+                      </a:solidFill>
+                      <a:prstDash val="solid"/>
+                      <a:round/>
+                      <a:headEnd type="none" w="med" len="med"/>
+                      <a:tailEnd type="none" w="med" len="med"/>
+                    </a:lnT>
+                    <a:lnB w="12700" cap="flat" cmpd="sng" algn="ctr">
+                      <a:solidFill>
+                        <a:schemeClr val="tx1"/>
+                      </a:solidFill>
+                      <a:prstDash val="solid"/>
+                      <a:round/>
+                      <a:headEnd type="none" w="med" len="med"/>
+                      <a:tailEnd type="none" w="med" len="med"/>
+                    </a:lnB>
+                    <a:lnTlToBr w="12700" cmpd="sng">
+                      <a:noFill/>
+                      <a:prstDash val="solid"/>
+                    </a:lnTlToBr>
+                    <a:lnBlToTr w="12700" cmpd="sng">
+                      <a:noFill/>
+                      <a:prstDash val="solid"/>
+                    </a:lnBlToTr>
+                    <a:noFill/>
+                  </a:tcPr>
+                </a:tc>
+                <a:extLst>
+                  <a:ext uri="{0D108BD9-81ED-4DB2-BD59-A6C34878D82A}">
+                    <a16:rowId xmlns:a16="http://schemas.microsoft.com/office/drawing/2014/main" val="1236298915"/>
+                  </a:ext>
+                </a:extLst>
+              </a:tr>
+              <a:tr h="370840">
+                <a:tc rowSpan="2">
+                  <a:txBody>
+                    <a:bodyPr/>
+                    <a:lstStyle/>
+                    <a:p>
+                      <a:r>
+                        <a:rPr lang="en-US" sz="2400" b="0" dirty="0" err="1">
+                          <a:solidFill>
+                            <a:schemeClr val="tx1"/>
+                          </a:solidFill>
+                        </a:rPr>
+                        <a:t>wbuf</a:t>
+                      </a:r>
+                      <a:endParaRPr lang="en-US" sz="2400" b="0" dirty="0">
+                        <a:solidFill>
+                          <a:schemeClr val="tx1"/>
+                        </a:solidFill>
+                      </a:endParaRPr>
+                    </a:p>
+                  </a:txBody>
+                  <a:tcPr marT="0" anchor="ctr">
+                    <a:lnL w="12700" cap="flat" cmpd="sng" algn="ctr">
+                      <a:noFill/>
+                      <a:prstDash val="solid"/>
+                      <a:round/>
+                      <a:headEnd type="none" w="med" len="med"/>
+                      <a:tailEnd type="none" w="med" len="med"/>
+                    </a:lnL>
+                    <a:lnR w="12700" cap="flat" cmpd="sng" algn="ctr">
+                      <a:solidFill>
+                        <a:schemeClr val="tx1"/>
+                      </a:solidFill>
+                      <a:prstDash val="solid"/>
+                      <a:round/>
+                      <a:headEnd type="none" w="med" len="med"/>
+                      <a:tailEnd type="none" w="med" len="med"/>
+                    </a:lnR>
+                    <a:lnT w="12700" cap="flat" cmpd="sng" algn="ctr">
+                      <a:noFill/>
+                      <a:prstDash val="solid"/>
+                      <a:round/>
+                      <a:headEnd type="none" w="med" len="med"/>
+                      <a:tailEnd type="none" w="med" len="med"/>
+                    </a:lnT>
+                    <a:lnB w="12700" cap="flat" cmpd="sng" algn="ctr">
+                      <a:noFill/>
+                      <a:prstDash val="solid"/>
+                      <a:round/>
+                      <a:headEnd type="none" w="med" len="med"/>
+                      <a:tailEnd type="none" w="med" len="med"/>
+                    </a:lnB>
+                    <a:lnTlToBr w="12700" cmpd="sng">
+                      <a:noFill/>
+                      <a:prstDash val="solid"/>
+                    </a:lnTlToBr>
+                    <a:lnBlToTr w="12700" cmpd="sng">
+                      <a:noFill/>
+                      <a:prstDash val="solid"/>
+                    </a:lnBlToTr>
+                    <a:noFill/>
+                  </a:tcPr>
+                </a:tc>
+                <a:tc>
+                  <a:txBody>
+                    <a:bodyPr/>
+                    <a:lstStyle/>
+                    <a:p>
+                      <a:r>
+                        <a:rPr lang="en-US" sz="2000" b="0" dirty="0">
+                          <a:solidFill>
+                            <a:schemeClr val="tx1"/>
+                          </a:solidFill>
+                        </a:rPr>
+                        <a:t>foo</a:t>
+                      </a:r>
+                    </a:p>
+                  </a:txBody>
+                  <a:tcPr>
+                    <a:lnL w="12700" cap="flat" cmpd="sng" algn="ctr">
+                      <a:solidFill>
+                        <a:schemeClr val="tx1"/>
+                      </a:solidFill>
+                      <a:prstDash val="solid"/>
+                      <a:round/>
+                      <a:headEnd type="none" w="med" len="med"/>
+                      <a:tailEnd type="none" w="med" len="med"/>
+                    </a:lnL>
+                    <a:lnR w="12700" cap="flat" cmpd="sng" algn="ctr">
+                      <a:solidFill>
+                        <a:schemeClr val="tx1"/>
+                      </a:solidFill>
+                      <a:prstDash val="solid"/>
+                      <a:round/>
+                      <a:headEnd type="none" w="med" len="med"/>
+                      <a:tailEnd type="none" w="med" len="med"/>
+                    </a:lnR>
+                    <a:lnT w="12700" cap="flat" cmpd="sng" algn="ctr">
+                      <a:solidFill>
+                        <a:schemeClr val="tx1"/>
+                      </a:solidFill>
+                      <a:prstDash val="solid"/>
+                      <a:round/>
+                      <a:headEnd type="none" w="med" len="med"/>
+                      <a:tailEnd type="none" w="med" len="med"/>
+                    </a:lnT>
+                    <a:lnB w="12700" cap="flat" cmpd="sng" algn="ctr">
+                      <a:solidFill>
+                        <a:schemeClr val="tx1"/>
+                      </a:solidFill>
+                      <a:prstDash val="solid"/>
+                      <a:round/>
+                      <a:headEnd type="none" w="med" len="med"/>
+                      <a:tailEnd type="none" w="med" len="med"/>
+                    </a:lnB>
+                    <a:noFill/>
+                  </a:tcPr>
+                </a:tc>
+                <a:tc>
+                  <a:txBody>
+                    <a:bodyPr/>
+                    <a:lstStyle/>
+                    <a:p>
+                      <a:r>
+                        <a:rPr lang="en-US" sz="2000" b="0" dirty="0">
+                          <a:solidFill>
+                            <a:schemeClr val="tx1"/>
+                          </a:solidFill>
+                        </a:rPr>
+                        <a:t>bar</a:t>
+                      </a:r>
+                    </a:p>
+                  </a:txBody>
+                  <a:tcPr>
+                    <a:lnL w="12700" cap="flat" cmpd="sng" algn="ctr">
+                      <a:solidFill>
+                        <a:schemeClr val="tx1"/>
+                      </a:solidFill>
+                      <a:prstDash val="solid"/>
+                      <a:round/>
+                      <a:headEnd type="none" w="med" len="med"/>
+                      <a:tailEnd type="none" w="med" len="med"/>
+                    </a:lnL>
+                    <a:lnR w="12700" cap="flat" cmpd="sng" algn="ctr">
+                      <a:solidFill>
+                        <a:schemeClr val="tx1"/>
+                      </a:solidFill>
+                      <a:prstDash val="solid"/>
+                      <a:round/>
+                      <a:headEnd type="none" w="med" len="med"/>
+                      <a:tailEnd type="none" w="med" len="med"/>
+                    </a:lnR>
+                    <a:lnT w="12700" cap="flat" cmpd="sng" algn="ctr">
+                      <a:solidFill>
+                        <a:schemeClr val="tx1"/>
+                      </a:solidFill>
+                      <a:prstDash val="solid"/>
+                      <a:round/>
+                      <a:headEnd type="none" w="med" len="med"/>
+                      <a:tailEnd type="none" w="med" len="med"/>
+                    </a:lnT>
+                    <a:lnB w="12700" cap="flat" cmpd="sng" algn="ctr">
+                      <a:solidFill>
+                        <a:schemeClr val="tx1"/>
+                      </a:solidFill>
+                      <a:prstDash val="solid"/>
+                      <a:round/>
+                      <a:headEnd type="none" w="med" len="med"/>
+                      <a:tailEnd type="none" w="med" len="med"/>
+                    </a:lnB>
+                    <a:noFill/>
+                  </a:tcPr>
+                </a:tc>
+                <a:tc>
+                  <a:txBody>
+                    <a:bodyPr/>
+                    <a:lstStyle/>
+                    <a:p>
+                      <a:r>
+                        <a:rPr lang="en-US" sz="2000" b="0" dirty="0" err="1">
+                          <a:solidFill>
+                            <a:schemeClr val="tx1"/>
+                          </a:solidFill>
+                        </a:rPr>
+                        <a:t>aark</a:t>
+                      </a:r>
+                      <a:endParaRPr lang="en-US" sz="2000" b="0" dirty="0">
+                        <a:solidFill>
+                          <a:schemeClr val="tx1"/>
+                        </a:solidFill>
+                      </a:endParaRPr>
+                    </a:p>
+                  </a:txBody>
+                  <a:tcPr>
+                    <a:lnL w="12700" cap="flat" cmpd="sng" algn="ctr">
+                      <a:solidFill>
+                        <a:schemeClr val="tx1"/>
+                      </a:solidFill>
+                      <a:prstDash val="solid"/>
+                      <a:round/>
+                      <a:headEnd type="none" w="med" len="med"/>
+                      <a:tailEnd type="none" w="med" len="med"/>
+                    </a:lnL>
+                    <a:lnR w="12700" cap="flat" cmpd="sng" algn="ctr">
+                      <a:solidFill>
+                        <a:schemeClr val="tx1"/>
+                      </a:solidFill>
+                      <a:prstDash val="solid"/>
+                      <a:round/>
+                      <a:headEnd type="none" w="med" len="med"/>
+                      <a:tailEnd type="none" w="med" len="med"/>
+                    </a:lnR>
+                    <a:lnT w="12700" cap="flat" cmpd="sng" algn="ctr">
+                      <a:solidFill>
+                        <a:schemeClr val="tx1"/>
+                      </a:solidFill>
+                      <a:prstDash val="solid"/>
+                      <a:round/>
+                      <a:headEnd type="none" w="med" len="med"/>
+                      <a:tailEnd type="none" w="med" len="med"/>
+                    </a:lnT>
+                    <a:lnB w="12700" cap="flat" cmpd="sng" algn="ctr">
+                      <a:solidFill>
+                        <a:schemeClr val="tx1"/>
+                      </a:solidFill>
+                      <a:prstDash val="solid"/>
+                      <a:round/>
+                      <a:headEnd type="none" w="med" len="med"/>
+                      <a:tailEnd type="none" w="med" len="med"/>
+                    </a:lnB>
+                    <a:noFill/>
+                  </a:tcPr>
+                </a:tc>
+                <a:tc>
+                  <a:txBody>
+                    <a:bodyPr/>
+                    <a:lstStyle/>
+                    <a:p>
+                      <a:r>
+                        <a:rPr lang="en-US" sz="2000" b="0" dirty="0">
+                          <a:solidFill>
+                            <a:schemeClr val="tx1"/>
+                          </a:solidFill>
+                        </a:rPr>
+                        <a:t>dog</a:t>
+                      </a:r>
+                    </a:p>
+                  </a:txBody>
+                  <a:tcPr>
+                    <a:lnL w="12700" cap="flat" cmpd="sng" algn="ctr">
+                      <a:solidFill>
+                        <a:schemeClr val="tx1"/>
+                      </a:solidFill>
+                      <a:prstDash val="solid"/>
+                      <a:round/>
+                      <a:headEnd type="none" w="med" len="med"/>
+                      <a:tailEnd type="none" w="med" len="med"/>
+                    </a:lnL>
+                    <a:lnR w="12700" cap="flat" cmpd="sng" algn="ctr">
+                      <a:solidFill>
+                        <a:schemeClr val="tx1"/>
+                      </a:solidFill>
+                      <a:prstDash val="solid"/>
+                      <a:round/>
+                      <a:headEnd type="none" w="med" len="med"/>
+                      <a:tailEnd type="none" w="med" len="med"/>
+                    </a:lnR>
+                    <a:lnT w="12700" cap="flat" cmpd="sng" algn="ctr">
+                      <a:solidFill>
+                        <a:schemeClr val="tx1"/>
+                      </a:solidFill>
+                      <a:prstDash val="solid"/>
+                      <a:round/>
+                      <a:headEnd type="none" w="med" len="med"/>
+                      <a:tailEnd type="none" w="med" len="med"/>
+                    </a:lnT>
+                    <a:lnB w="12700" cap="flat" cmpd="sng" algn="ctr">
+                      <a:solidFill>
+                        <a:schemeClr val="tx1"/>
+                      </a:solidFill>
+                      <a:prstDash val="solid"/>
+                      <a:round/>
+                      <a:headEnd type="none" w="med" len="med"/>
+                      <a:tailEnd type="none" w="med" len="med"/>
+                    </a:lnB>
+                    <a:noFill/>
+                  </a:tcPr>
+                </a:tc>
+                <a:tc gridSpan="3">
+                  <a:txBody>
+                    <a:bodyPr/>
+                    <a:lstStyle/>
+                    <a:p>
+                      <a:pPr marL="0" marR="0" lvl="0" indent="0" algn="ctr" defTabSz="457200" rtl="0" eaLnBrk="1" fontAlgn="auto" latinLnBrk="0" hangingPunct="1">
+                        <a:lnSpc>
+                          <a:spcPct val="100000"/>
+                        </a:lnSpc>
+                        <a:spcBef>
+                          <a:spcPts val="0"/>
+                        </a:spcBef>
+                        <a:spcAft>
+                          <a:spcPts val="0"/>
+                        </a:spcAft>
+                        <a:buClrTx/>
+                        <a:buSzTx/>
+                        <a:buFontTx/>
+                        <a:buNone/>
+                        <a:tabLst/>
+                        <a:defRPr/>
+                      </a:pPr>
+                      <a:r>
+                        <a:rPr lang="en-US" sz="2000" b="0" dirty="0">
+                          <a:solidFill>
+                            <a:schemeClr val="tx1"/>
+                          </a:solidFill>
+                        </a:rPr>
+                        <a:t>…</a:t>
+                      </a:r>
+                    </a:p>
+                  </a:txBody>
+                  <a:tcPr>
+                    <a:lnL w="12700" cap="flat" cmpd="sng" algn="ctr">
+                      <a:solidFill>
+                        <a:schemeClr val="tx1"/>
+                      </a:solidFill>
+                      <a:prstDash val="solid"/>
+                      <a:round/>
+                      <a:headEnd type="none" w="med" len="med"/>
+                      <a:tailEnd type="none" w="med" len="med"/>
+                    </a:lnL>
+                    <a:lnR w="12700" cap="flat" cmpd="sng" algn="ctr">
+                      <a:solidFill>
+                        <a:schemeClr val="tx1"/>
+                      </a:solidFill>
+                      <a:prstDash val="solid"/>
+                      <a:round/>
+                      <a:headEnd type="none" w="med" len="med"/>
+                      <a:tailEnd type="none" w="med" len="med"/>
+                    </a:lnR>
+                    <a:lnT w="12700" cap="flat" cmpd="sng" algn="ctr">
+                      <a:solidFill>
+                        <a:schemeClr val="tx1"/>
+                      </a:solidFill>
+                      <a:prstDash val="solid"/>
+                      <a:round/>
+                      <a:headEnd type="none" w="med" len="med"/>
+                      <a:tailEnd type="none" w="med" len="med"/>
+                    </a:lnT>
+                    <a:lnB w="12700" cap="flat" cmpd="sng" algn="ctr">
+                      <a:solidFill>
+                        <a:schemeClr val="tx1"/>
+                      </a:solidFill>
+                      <a:prstDash val="solid"/>
+                      <a:round/>
+                      <a:headEnd type="none" w="med" len="med"/>
+                      <a:tailEnd type="none" w="med" len="med"/>
+                    </a:lnB>
+                    <a:noFill/>
+                  </a:tcPr>
+                </a:tc>
+                <a:tc hMerge="1">
+                  <a:txBody>
+                    <a:bodyPr/>
+                    <a:lstStyle/>
+                    <a:p>
+                      <a:endParaRPr lang="en-US" sz="2000" b="0" dirty="0">
+                        <a:solidFill>
+                          <a:schemeClr val="tx1"/>
+                        </a:solidFill>
+                      </a:endParaRPr>
+                    </a:p>
+                  </a:txBody>
+                  <a:tcPr>
+                    <a:lnL w="12700" cap="flat" cmpd="sng" algn="ctr">
+                      <a:solidFill>
+                        <a:schemeClr val="tx1"/>
+                      </a:solidFill>
+                      <a:prstDash val="solid"/>
+                      <a:round/>
+                      <a:headEnd type="none" w="med" len="med"/>
+                      <a:tailEnd type="none" w="med" len="med"/>
+                    </a:lnL>
+                    <a:lnR w="12700" cap="flat" cmpd="sng" algn="ctr">
+                      <a:solidFill>
+                        <a:schemeClr val="tx1"/>
+                      </a:solidFill>
+                      <a:prstDash val="solid"/>
+                      <a:round/>
+                      <a:headEnd type="none" w="med" len="med"/>
+                      <a:tailEnd type="none" w="med" len="med"/>
+                    </a:lnR>
+                    <a:lnT w="12700" cap="flat" cmpd="sng" algn="ctr">
+                      <a:solidFill>
+                        <a:schemeClr val="tx1"/>
+                      </a:solidFill>
+                      <a:prstDash val="solid"/>
+                      <a:round/>
+                      <a:headEnd type="none" w="med" len="med"/>
+                      <a:tailEnd type="none" w="med" len="med"/>
+                    </a:lnT>
+                    <a:lnB w="12700" cap="flat" cmpd="sng" algn="ctr">
+                      <a:solidFill>
+                        <a:schemeClr val="tx1"/>
+                      </a:solidFill>
+                      <a:prstDash val="solid"/>
+                      <a:round/>
+                      <a:headEnd type="none" w="med" len="med"/>
+                      <a:tailEnd type="none" w="med" len="med"/>
+                    </a:lnB>
+                    <a:noFill/>
+                  </a:tcPr>
+                </a:tc>
+                <a:tc hMerge="1">
+                  <a:txBody>
+                    <a:bodyPr/>
+                    <a:lstStyle/>
+                    <a:p>
+                      <a:endParaRPr lang="en-US" sz="2000" b="0" dirty="0">
+                        <a:solidFill>
+                          <a:schemeClr val="tx1"/>
+                        </a:solidFill>
+                      </a:endParaRPr>
+                    </a:p>
+                  </a:txBody>
+                  <a:tcPr>
+                    <a:lnL w="12700" cap="flat" cmpd="sng" algn="ctr">
+                      <a:solidFill>
+                        <a:schemeClr val="tx1"/>
+                      </a:solidFill>
+                      <a:prstDash val="solid"/>
+                      <a:round/>
+                      <a:headEnd type="none" w="med" len="med"/>
+                      <a:tailEnd type="none" w="med" len="med"/>
+                    </a:lnL>
+                    <a:lnR w="12700" cap="flat" cmpd="sng" algn="ctr">
+                      <a:solidFill>
+                        <a:schemeClr val="tx1"/>
+                      </a:solidFill>
+                      <a:prstDash val="solid"/>
+                      <a:round/>
+                      <a:headEnd type="none" w="med" len="med"/>
+                      <a:tailEnd type="none" w="med" len="med"/>
+                    </a:lnR>
+                    <a:lnT w="12700" cap="flat" cmpd="sng" algn="ctr">
+                      <a:solidFill>
+                        <a:schemeClr val="tx1"/>
+                      </a:solidFill>
+                      <a:prstDash val="solid"/>
+                      <a:round/>
+                      <a:headEnd type="none" w="med" len="med"/>
+                      <a:tailEnd type="none" w="med" len="med"/>
+                    </a:lnT>
+                    <a:lnB w="12700" cap="flat" cmpd="sng" algn="ctr">
+                      <a:solidFill>
+                        <a:schemeClr val="tx1"/>
+                      </a:solidFill>
+                      <a:prstDash val="solid"/>
+                      <a:round/>
+                      <a:headEnd type="none" w="med" len="med"/>
+                      <a:tailEnd type="none" w="med" len="med"/>
+                    </a:lnB>
+                    <a:noFill/>
+                  </a:tcPr>
+                </a:tc>
+                <a:extLst>
+                  <a:ext uri="{0D108BD9-81ED-4DB2-BD59-A6C34878D82A}">
+                    <a16:rowId xmlns:a16="http://schemas.microsoft.com/office/drawing/2014/main" val="3534074424"/>
+                  </a:ext>
+                </a:extLst>
+              </a:tr>
+              <a:tr h="370840">
+                <a:tc vMerge="1">
+                  <a:txBody>
+                    <a:bodyPr/>
+                    <a:lstStyle/>
+                    <a:p>
+                      <a:endParaRPr lang="en-US" sz="2000" dirty="0">
+                        <a:solidFill>
+                          <a:schemeClr val="tx1"/>
+                        </a:solidFill>
+                      </a:endParaRPr>
+                    </a:p>
+                  </a:txBody>
+                  <a:tcPr>
+                    <a:lnL w="12700" cap="flat" cmpd="sng" algn="ctr">
+                      <a:solidFill>
+                        <a:schemeClr val="tx1"/>
+                      </a:solidFill>
+                      <a:prstDash val="solid"/>
+                      <a:round/>
+                      <a:headEnd type="none" w="med" len="med"/>
+                      <a:tailEnd type="none" w="med" len="med"/>
+                    </a:lnL>
+                    <a:lnR w="12700" cap="flat" cmpd="sng" algn="ctr">
+                      <a:solidFill>
+                        <a:schemeClr val="tx1"/>
+                      </a:solidFill>
+                      <a:prstDash val="solid"/>
+                      <a:round/>
+                      <a:headEnd type="none" w="med" len="med"/>
+                      <a:tailEnd type="none" w="med" len="med"/>
+                    </a:lnR>
+                    <a:lnT w="12700" cap="flat" cmpd="sng" algn="ctr">
+                      <a:solidFill>
+                        <a:schemeClr val="tx1"/>
+                      </a:solidFill>
+                      <a:prstDash val="solid"/>
+                      <a:round/>
+                      <a:headEnd type="none" w="med" len="med"/>
+                      <a:tailEnd type="none" w="med" len="med"/>
+                    </a:lnT>
+                    <a:lnB w="12700" cap="flat" cmpd="sng" algn="ctr">
+                      <a:solidFill>
+                        <a:schemeClr val="tx1"/>
+                      </a:solidFill>
+                      <a:prstDash val="solid"/>
+                      <a:round/>
+                      <a:headEnd type="none" w="med" len="med"/>
+                      <a:tailEnd type="none" w="med" len="med"/>
+                    </a:lnB>
+                    <a:noFill/>
+                  </a:tcPr>
+                </a:tc>
+                <a:tc>
+                  <a:txBody>
+                    <a:bodyPr/>
+                    <a:lstStyle/>
+                    <a:p>
+                      <a:endParaRPr lang="en-US" sz="2000" b="0" dirty="0">
+                        <a:solidFill>
+                          <a:schemeClr val="tx1"/>
+                        </a:solidFill>
+                      </a:endParaRPr>
+                    </a:p>
+                  </a:txBody>
+                  <a:tcPr>
+                    <a:lnL w="12700" cap="flat" cmpd="sng" algn="ctr">
+                      <a:solidFill>
+                        <a:schemeClr val="tx1"/>
+                      </a:solidFill>
+                      <a:prstDash val="solid"/>
+                      <a:round/>
+                      <a:headEnd type="none" w="med" len="med"/>
+                      <a:tailEnd type="none" w="med" len="med"/>
+                    </a:lnL>
+                    <a:lnR w="12700" cap="flat" cmpd="sng" algn="ctr">
+                      <a:solidFill>
+                        <a:schemeClr val="tx1"/>
+                      </a:solidFill>
+                      <a:prstDash val="solid"/>
+                      <a:round/>
+                      <a:headEnd type="none" w="med" len="med"/>
+                      <a:tailEnd type="none" w="med" len="med"/>
+                    </a:lnR>
+                    <a:lnT w="12700" cap="flat" cmpd="sng" algn="ctr">
+                      <a:solidFill>
+                        <a:schemeClr val="tx1"/>
+                      </a:solidFill>
+                      <a:prstDash val="solid"/>
+                      <a:round/>
+                      <a:headEnd type="none" w="med" len="med"/>
+                      <a:tailEnd type="none" w="med" len="med"/>
+                    </a:lnT>
+                    <a:lnB w="12700" cap="flat" cmpd="sng" algn="ctr">
+                      <a:solidFill>
+                        <a:schemeClr val="tx1"/>
+                      </a:solidFill>
+                      <a:prstDash val="solid"/>
+                      <a:round/>
+                      <a:headEnd type="none" w="med" len="med"/>
+                      <a:tailEnd type="none" w="med" len="med"/>
+                    </a:lnB>
+                    <a:noFill/>
+                  </a:tcPr>
+                </a:tc>
+                <a:tc>
+                  <a:txBody>
+                    <a:bodyPr/>
+                    <a:lstStyle/>
+                    <a:p>
+                      <a:endParaRPr lang="en-US" sz="2000" b="0" dirty="0">
+                        <a:solidFill>
+                          <a:schemeClr val="tx1"/>
+                        </a:solidFill>
+                      </a:endParaRPr>
+                    </a:p>
+                  </a:txBody>
+                  <a:tcPr>
+                    <a:lnL w="12700" cap="flat" cmpd="sng" algn="ctr">
+                      <a:solidFill>
+                        <a:schemeClr val="tx1"/>
+                      </a:solidFill>
+                      <a:prstDash val="solid"/>
+                      <a:round/>
+                      <a:headEnd type="none" w="med" len="med"/>
+                      <a:tailEnd type="none" w="med" len="med"/>
+                    </a:lnL>
+                    <a:lnR w="12700" cap="flat" cmpd="sng" algn="ctr">
+                      <a:solidFill>
+                        <a:schemeClr val="tx1"/>
+                      </a:solidFill>
+                      <a:prstDash val="solid"/>
+                      <a:round/>
+                      <a:headEnd type="none" w="med" len="med"/>
+                      <a:tailEnd type="none" w="med" len="med"/>
+                    </a:lnR>
+                    <a:lnT w="12700" cap="flat" cmpd="sng" algn="ctr">
+                      <a:solidFill>
+                        <a:schemeClr val="tx1"/>
+                      </a:solidFill>
+                      <a:prstDash val="solid"/>
+                      <a:round/>
+                      <a:headEnd type="none" w="med" len="med"/>
+                      <a:tailEnd type="none" w="med" len="med"/>
+                    </a:lnT>
+                    <a:lnB w="12700" cap="flat" cmpd="sng" algn="ctr">
+                      <a:solidFill>
+                        <a:schemeClr val="tx1"/>
+                      </a:solidFill>
+                      <a:prstDash val="solid"/>
+                      <a:round/>
+                      <a:headEnd type="none" w="med" len="med"/>
+                      <a:tailEnd type="none" w="med" len="med"/>
+                    </a:lnB>
+                    <a:noFill/>
+                  </a:tcPr>
+                </a:tc>
+                <a:tc>
+                  <a:txBody>
+                    <a:bodyPr/>
+                    <a:lstStyle/>
+                    <a:p>
+                      <a:endParaRPr lang="en-US" sz="2000" b="0">
+                        <a:solidFill>
+                          <a:schemeClr val="tx1"/>
+                        </a:solidFill>
+                      </a:endParaRPr>
+                    </a:p>
+                  </a:txBody>
+                  <a:tcPr>
+                    <a:lnL w="12700" cap="flat" cmpd="sng" algn="ctr">
+                      <a:solidFill>
+                        <a:schemeClr val="tx1"/>
+                      </a:solidFill>
+                      <a:prstDash val="solid"/>
+                      <a:round/>
+                      <a:headEnd type="none" w="med" len="med"/>
+                      <a:tailEnd type="none" w="med" len="med"/>
+                    </a:lnL>
+                    <a:lnR w="12700" cap="flat" cmpd="sng" algn="ctr">
+                      <a:solidFill>
+                        <a:schemeClr val="tx1"/>
+                      </a:solidFill>
+                      <a:prstDash val="solid"/>
+                      <a:round/>
+                      <a:headEnd type="none" w="med" len="med"/>
+                      <a:tailEnd type="none" w="med" len="med"/>
+                    </a:lnR>
+                    <a:lnT w="12700" cap="flat" cmpd="sng" algn="ctr">
+                      <a:solidFill>
+                        <a:schemeClr val="tx1"/>
+                      </a:solidFill>
+                      <a:prstDash val="solid"/>
+                      <a:round/>
+                      <a:headEnd type="none" w="med" len="med"/>
+                      <a:tailEnd type="none" w="med" len="med"/>
+                    </a:lnT>
+                    <a:lnB w="12700" cap="flat" cmpd="sng" algn="ctr">
+                      <a:solidFill>
+                        <a:schemeClr val="tx1"/>
+                      </a:solidFill>
+                      <a:prstDash val="solid"/>
+                      <a:round/>
+                      <a:headEnd type="none" w="med" len="med"/>
+                      <a:tailEnd type="none" w="med" len="med"/>
+                    </a:lnB>
+                    <a:noFill/>
+                  </a:tcPr>
+                </a:tc>
+                <a:tc>
+                  <a:txBody>
+                    <a:bodyPr/>
+                    <a:lstStyle/>
+                    <a:p>
+                      <a:r>
+                        <a:rPr lang="en-US" sz="2000" b="0" dirty="0" err="1">
+                          <a:solidFill>
+                            <a:schemeClr val="tx1"/>
+                          </a:solidFill>
+                        </a:rPr>
+                        <a:t>newVal</a:t>
+                      </a:r>
+                      <a:endParaRPr lang="en-US" sz="2000" b="0" dirty="0">
+                        <a:solidFill>
+                          <a:schemeClr val="tx1"/>
+                        </a:solidFill>
+                      </a:endParaRPr>
+                    </a:p>
+                  </a:txBody>
+                  <a:tcPr>
+                    <a:lnL w="12700" cap="flat" cmpd="sng" algn="ctr">
+                      <a:solidFill>
+                        <a:schemeClr val="tx1"/>
+                      </a:solidFill>
+                      <a:prstDash val="solid"/>
+                      <a:round/>
+                      <a:headEnd type="none" w="med" len="med"/>
+                      <a:tailEnd type="none" w="med" len="med"/>
+                    </a:lnL>
+                    <a:lnR w="12700" cap="flat" cmpd="sng" algn="ctr">
+                      <a:solidFill>
+                        <a:schemeClr val="tx1"/>
+                      </a:solidFill>
+                      <a:prstDash val="solid"/>
+                      <a:round/>
+                      <a:headEnd type="none" w="med" len="med"/>
+                      <a:tailEnd type="none" w="med" len="med"/>
+                    </a:lnR>
+                    <a:lnT w="12700" cap="flat" cmpd="sng" algn="ctr">
+                      <a:solidFill>
+                        <a:schemeClr val="tx1"/>
+                      </a:solidFill>
+                      <a:prstDash val="solid"/>
+                      <a:round/>
+                      <a:headEnd type="none" w="med" len="med"/>
+                      <a:tailEnd type="none" w="med" len="med"/>
+                    </a:lnT>
+                    <a:lnB w="12700" cap="flat" cmpd="sng" algn="ctr">
+                      <a:solidFill>
+                        <a:schemeClr val="tx1"/>
+                      </a:solidFill>
+                      <a:prstDash val="solid"/>
+                      <a:round/>
+                      <a:headEnd type="none" w="med" len="med"/>
+                      <a:tailEnd type="none" w="med" len="med"/>
+                    </a:lnB>
+                    <a:noFill/>
+                  </a:tcPr>
+                </a:tc>
+                <a:tc gridSpan="3">
+                  <a:txBody>
+                    <a:bodyPr/>
+                    <a:lstStyle/>
+                    <a:p>
+                      <a:endParaRPr lang="en-US" sz="2000" b="0" dirty="0">
+                        <a:solidFill>
+                          <a:schemeClr val="tx1"/>
+                        </a:solidFill>
+                      </a:endParaRPr>
+                    </a:p>
+                  </a:txBody>
+                  <a:tcPr>
+                    <a:lnL w="12700" cap="flat" cmpd="sng" algn="ctr">
+                      <a:solidFill>
+                        <a:schemeClr val="tx1"/>
+                      </a:solidFill>
+                      <a:prstDash val="solid"/>
+                      <a:round/>
+                      <a:headEnd type="none" w="med" len="med"/>
+                      <a:tailEnd type="none" w="med" len="med"/>
+                    </a:lnL>
+                    <a:lnR w="12700" cap="flat" cmpd="sng" algn="ctr">
+                      <a:solidFill>
+                        <a:schemeClr val="tx1"/>
+                      </a:solidFill>
+                      <a:prstDash val="solid"/>
+                      <a:round/>
+                      <a:headEnd type="none" w="med" len="med"/>
+                      <a:tailEnd type="none" w="med" len="med"/>
+                    </a:lnR>
+                    <a:lnT w="12700" cap="flat" cmpd="sng" algn="ctr">
+                      <a:solidFill>
+                        <a:schemeClr val="tx1"/>
+                      </a:solidFill>
+                      <a:prstDash val="solid"/>
+                      <a:round/>
+                      <a:headEnd type="none" w="med" len="med"/>
+                      <a:tailEnd type="none" w="med" len="med"/>
+                    </a:lnT>
+                    <a:lnB w="12700" cap="flat" cmpd="sng" algn="ctr">
+                      <a:solidFill>
+                        <a:schemeClr val="tx1"/>
+                      </a:solidFill>
+                      <a:prstDash val="solid"/>
+                      <a:round/>
+                      <a:headEnd type="none" w="med" len="med"/>
+                      <a:tailEnd type="none" w="med" len="med"/>
+                    </a:lnB>
+                    <a:noFill/>
+                  </a:tcPr>
+                </a:tc>
+                <a:tc hMerge="1">
+                  <a:txBody>
+                    <a:bodyPr/>
+                    <a:lstStyle/>
+                    <a:p>
+                      <a:endParaRPr lang="en-US" sz="2000" b="0" dirty="0">
+                        <a:solidFill>
+                          <a:schemeClr val="tx1"/>
+                        </a:solidFill>
+                      </a:endParaRPr>
+                    </a:p>
+                  </a:txBody>
+                  <a:tcPr>
+                    <a:lnL w="12700" cap="flat" cmpd="sng" algn="ctr">
+                      <a:solidFill>
+                        <a:schemeClr val="tx1"/>
+                      </a:solidFill>
+                      <a:prstDash val="solid"/>
+                      <a:round/>
+                      <a:headEnd type="none" w="med" len="med"/>
+                      <a:tailEnd type="none" w="med" len="med"/>
+                    </a:lnL>
+                    <a:lnR w="12700" cap="flat" cmpd="sng" algn="ctr">
+                      <a:solidFill>
+                        <a:schemeClr val="tx1"/>
+                      </a:solidFill>
+                      <a:prstDash val="solid"/>
+                      <a:round/>
+                      <a:headEnd type="none" w="med" len="med"/>
+                      <a:tailEnd type="none" w="med" len="med"/>
+                    </a:lnR>
+                    <a:lnT w="12700" cap="flat" cmpd="sng" algn="ctr">
+                      <a:solidFill>
+                        <a:schemeClr val="tx1"/>
+                      </a:solidFill>
+                      <a:prstDash val="solid"/>
+                      <a:round/>
+                      <a:headEnd type="none" w="med" len="med"/>
+                      <a:tailEnd type="none" w="med" len="med"/>
+                    </a:lnT>
+                    <a:lnB w="12700" cap="flat" cmpd="sng" algn="ctr">
+                      <a:solidFill>
+                        <a:schemeClr val="tx1"/>
+                      </a:solidFill>
+                      <a:prstDash val="solid"/>
+                      <a:round/>
+                      <a:headEnd type="none" w="med" len="med"/>
+                      <a:tailEnd type="none" w="med" len="med"/>
+                    </a:lnB>
+                    <a:noFill/>
+                  </a:tcPr>
+                </a:tc>
+                <a:tc hMerge="1">
+                  <a:txBody>
+                    <a:bodyPr/>
+                    <a:lstStyle/>
+                    <a:p>
+                      <a:endParaRPr lang="en-US" sz="2000" b="0" dirty="0">
+                        <a:solidFill>
+                          <a:schemeClr val="tx1"/>
+                        </a:solidFill>
+                      </a:endParaRPr>
+                    </a:p>
+                  </a:txBody>
+                  <a:tcPr>
+                    <a:lnL w="12700" cap="flat" cmpd="sng" algn="ctr">
+                      <a:solidFill>
+                        <a:schemeClr val="tx1"/>
+                      </a:solidFill>
+                      <a:prstDash val="solid"/>
+                      <a:round/>
+                      <a:headEnd type="none" w="med" len="med"/>
+                      <a:tailEnd type="none" w="med" len="med"/>
+                    </a:lnL>
+                    <a:lnR w="12700" cap="flat" cmpd="sng" algn="ctr">
+                      <a:solidFill>
+                        <a:schemeClr val="tx1"/>
+                      </a:solidFill>
+                      <a:prstDash val="solid"/>
+                      <a:round/>
+                      <a:headEnd type="none" w="med" len="med"/>
+                      <a:tailEnd type="none" w="med" len="med"/>
+                    </a:lnR>
+                    <a:lnT w="12700" cap="flat" cmpd="sng" algn="ctr">
+                      <a:solidFill>
+                        <a:schemeClr val="tx1"/>
+                      </a:solidFill>
+                      <a:prstDash val="solid"/>
+                      <a:round/>
+                      <a:headEnd type="none" w="med" len="med"/>
+                      <a:tailEnd type="none" w="med" len="med"/>
+                    </a:lnT>
+                    <a:lnB w="12700" cap="flat" cmpd="sng" algn="ctr">
+                      <a:solidFill>
+                        <a:schemeClr val="tx1"/>
+                      </a:solidFill>
+                      <a:prstDash val="solid"/>
+                      <a:round/>
+                      <a:headEnd type="none" w="med" len="med"/>
+                      <a:tailEnd type="none" w="med" len="med"/>
+                    </a:lnB>
+                    <a:noFill/>
+                  </a:tcPr>
+                </a:tc>
+                <a:extLst>
+                  <a:ext uri="{0D108BD9-81ED-4DB2-BD59-A6C34878D82A}">
+                    <a16:rowId xmlns:a16="http://schemas.microsoft.com/office/drawing/2014/main" val="1795593246"/>
+                  </a:ext>
+                </a:extLst>
+              </a:tr>
+            </a:tbl>
+          </a:graphicData>
+        </a:graphic>
+      </p:graphicFrame>
+    </p:spTree>
+    <p:extLst>
+      <p:ext uri="{BB962C8B-B14F-4D97-AF65-F5344CB8AC3E}">
+        <p14:creationId xmlns:p14="http://schemas.microsoft.com/office/powerpoint/2010/main" val="3113420872"/>
       </p:ext>
     </p:extLst>
   </p:cSld>

--- a/PiWi.pptx
+++ b/PiWi.pptx
@@ -303,7 +303,7 @@
           <a:p>
             <a:fld id="{EC01FFC2-8798-D243-B978-07080977D0C0}" type="datetimeFigureOut">
               <a:rPr lang="en-US" smtClean="0"/>
-              <a:t>12/4/18</a:t>
+              <a:t>12/13/18</a:t>
             </a:fld>
             <a:endParaRPr lang="en-US"/>
           </a:p>
@@ -471,7 +471,7 @@
           <a:p>
             <a:fld id="{EC01FFC2-8798-D243-B978-07080977D0C0}" type="datetimeFigureOut">
               <a:rPr lang="en-US" smtClean="0"/>
-              <a:t>12/4/18</a:t>
+              <a:t>12/13/18</a:t>
             </a:fld>
             <a:endParaRPr lang="en-US"/>
           </a:p>
@@ -649,7 +649,7 @@
           <a:p>
             <a:fld id="{EC01FFC2-8798-D243-B978-07080977D0C0}" type="datetimeFigureOut">
               <a:rPr lang="en-US" smtClean="0"/>
-              <a:t>12/4/18</a:t>
+              <a:t>12/13/18</a:t>
             </a:fld>
             <a:endParaRPr lang="en-US"/>
           </a:p>
@@ -817,7 +817,7 @@
           <a:p>
             <a:fld id="{EC01FFC2-8798-D243-B978-07080977D0C0}" type="datetimeFigureOut">
               <a:rPr lang="en-US" smtClean="0"/>
-              <a:t>12/4/18</a:t>
+              <a:t>12/13/18</a:t>
             </a:fld>
             <a:endParaRPr lang="en-US"/>
           </a:p>
@@ -1062,7 +1062,7 @@
           <a:p>
             <a:fld id="{EC01FFC2-8798-D243-B978-07080977D0C0}" type="datetimeFigureOut">
               <a:rPr lang="en-US" smtClean="0"/>
-              <a:t>12/4/18</a:t>
+              <a:t>12/13/18</a:t>
             </a:fld>
             <a:endParaRPr lang="en-US"/>
           </a:p>
@@ -1347,7 +1347,7 @@
           <a:p>
             <a:fld id="{EC01FFC2-8798-D243-B978-07080977D0C0}" type="datetimeFigureOut">
               <a:rPr lang="en-US" smtClean="0"/>
-              <a:t>12/4/18</a:t>
+              <a:t>12/13/18</a:t>
             </a:fld>
             <a:endParaRPr lang="en-US"/>
           </a:p>
@@ -1766,7 +1766,7 @@
           <a:p>
             <a:fld id="{EC01FFC2-8798-D243-B978-07080977D0C0}" type="datetimeFigureOut">
               <a:rPr lang="en-US" smtClean="0"/>
-              <a:t>12/4/18</a:t>
+              <a:t>12/13/18</a:t>
             </a:fld>
             <a:endParaRPr lang="en-US"/>
           </a:p>
@@ -1883,7 +1883,7 @@
           <a:p>
             <a:fld id="{EC01FFC2-8798-D243-B978-07080977D0C0}" type="datetimeFigureOut">
               <a:rPr lang="en-US" smtClean="0"/>
-              <a:t>12/4/18</a:t>
+              <a:t>12/13/18</a:t>
             </a:fld>
             <a:endParaRPr lang="en-US"/>
           </a:p>
@@ -1978,7 +1978,7 @@
           <a:p>
             <a:fld id="{EC01FFC2-8798-D243-B978-07080977D0C0}" type="datetimeFigureOut">
               <a:rPr lang="en-US" smtClean="0"/>
-              <a:t>12/4/18</a:t>
+              <a:t>12/13/18</a:t>
             </a:fld>
             <a:endParaRPr lang="en-US"/>
           </a:p>
@@ -2253,7 +2253,7 @@
           <a:p>
             <a:fld id="{EC01FFC2-8798-D243-B978-07080977D0C0}" type="datetimeFigureOut">
               <a:rPr lang="en-US" smtClean="0"/>
-              <a:t>12/4/18</a:t>
+              <a:t>12/13/18</a:t>
             </a:fld>
             <a:endParaRPr lang="en-US"/>
           </a:p>
@@ -2505,7 +2505,7 @@
           <a:p>
             <a:fld id="{EC01FFC2-8798-D243-B978-07080977D0C0}" type="datetimeFigureOut">
               <a:rPr lang="en-US" smtClean="0"/>
-              <a:t>12/4/18</a:t>
+              <a:t>12/13/18</a:t>
             </a:fld>
             <a:endParaRPr lang="en-US"/>
           </a:p>
@@ -2716,7 +2716,7 @@
           <a:p>
             <a:fld id="{EC01FFC2-8798-D243-B978-07080977D0C0}" type="datetimeFigureOut">
               <a:rPr lang="en-US" smtClean="0"/>
-              <a:t>12/4/18</a:t>
+              <a:t>12/13/18</a:t>
             </a:fld>
             <a:endParaRPr lang="en-US"/>
           </a:p>
@@ -3093,66 +3093,20 @@
       </p:grpSpPr>
       <p:sp>
         <p:nvSpPr>
-          <p:cNvPr id="90" name="Rounded Rectangle 89"/>
+          <p:cNvPr id="56" name="Rounded Rectangle 55">
+            <a:extLst>
+              <a:ext uri="{FF2B5EF4-FFF2-40B4-BE49-F238E27FC236}">
+                <a16:creationId xmlns:a16="http://schemas.microsoft.com/office/drawing/2014/main" id="{F7054A78-52C3-E84C-BCC3-0D0FF53036E0}"/>
+              </a:ext>
+            </a:extLst>
+          </p:cNvPr>
           <p:cNvSpPr/>
           <p:nvPr/>
         </p:nvSpPr>
         <p:spPr>
           <a:xfrm>
-            <a:off x="2630670" y="1896672"/>
-            <a:ext cx="1733982" cy="1062421"/>
-          </a:xfrm>
-          <a:prstGeom prst="roundRect">
-            <a:avLst/>
-          </a:prstGeom>
-          <a:noFill/>
-          <a:ln w="19050" cmpd="sng">
-            <a:solidFill>
-              <a:srgbClr val="000000"/>
-            </a:solidFill>
-          </a:ln>
-          <a:effectLst/>
-        </p:spPr>
-        <p:style>
-          <a:lnRef idx="1">
-            <a:schemeClr val="accent1"/>
-          </a:lnRef>
-          <a:fillRef idx="3">
-            <a:schemeClr val="accent1"/>
-          </a:fillRef>
-          <a:effectRef idx="2">
-            <a:schemeClr val="accent1"/>
-          </a:effectRef>
-          <a:fontRef idx="minor">
-            <a:schemeClr val="lt1"/>
-          </a:fontRef>
-        </p:style>
-        <p:txBody>
-          <a:bodyPr lIns="182880" tIns="0" rIns="182880" bIns="91440" rtlCol="0" anchor="t" anchorCtr="0"/>
-          <a:lstStyle/>
-          <a:p>
-            <a:pPr algn="ctr"/>
-            <a:r>
-              <a:rPr lang="en-US" sz="3200" dirty="0">
-                <a:solidFill>
-                  <a:schemeClr val="tx1"/>
-                </a:solidFill>
-              </a:rPr>
-              <a:t>chunk</a:t>
-            </a:r>
-          </a:p>
-        </p:txBody>
-      </p:sp>
-      <p:sp>
-        <p:nvSpPr>
-          <p:cNvPr id="93" name="Rounded Rectangle 92"/>
-          <p:cNvSpPr/>
-          <p:nvPr/>
-        </p:nvSpPr>
-        <p:spPr>
-          <a:xfrm>
-            <a:off x="2758688" y="436943"/>
-            <a:ext cx="2561998" cy="884991"/>
+            <a:off x="5753898" y="445122"/>
+            <a:ext cx="4304502" cy="1350178"/>
           </a:xfrm>
           <a:prstGeom prst="roundRect">
             <a:avLst/>
@@ -3184,6 +3138,7 @@
             <a:lin ang="16200000" scaled="1"/>
             <a:tileRect/>
           </a:gradFill>
+          <a:ln w="12700"/>
           <a:effectLst/>
         </p:spPr>
         <p:style>
@@ -3205,6 +3160,129 @@
           <a:lstStyle/>
           <a:p>
             <a:pPr algn="ctr"/>
+            <a:endParaRPr lang="en-US" sz="3200" dirty="0"/>
+          </a:p>
+          <a:p>
+            <a:pPr algn="ctr"/>
+            <a:endParaRPr lang="en-US" sz="3200" dirty="0"/>
+          </a:p>
+        </p:txBody>
+      </p:sp>
+      <p:sp>
+        <p:nvSpPr>
+          <p:cNvPr id="90" name="Rounded Rectangle 89"/>
+          <p:cNvSpPr/>
+          <p:nvPr/>
+        </p:nvSpPr>
+        <p:spPr>
+          <a:xfrm>
+            <a:off x="2630670" y="2227956"/>
+            <a:ext cx="1475220" cy="498667"/>
+          </a:xfrm>
+          <a:prstGeom prst="roundRect">
+            <a:avLst/>
+          </a:prstGeom>
+          <a:noFill/>
+          <a:ln w="12700" cmpd="sng">
+            <a:solidFill>
+              <a:srgbClr val="000000"/>
+            </a:solidFill>
+          </a:ln>
+          <a:effectLst/>
+        </p:spPr>
+        <p:style>
+          <a:lnRef idx="1">
+            <a:schemeClr val="accent1"/>
+          </a:lnRef>
+          <a:fillRef idx="3">
+            <a:schemeClr val="accent1"/>
+          </a:fillRef>
+          <a:effectRef idx="2">
+            <a:schemeClr val="accent1"/>
+          </a:effectRef>
+          <a:fontRef idx="minor">
+            <a:schemeClr val="lt1"/>
+          </a:fontRef>
+        </p:style>
+        <p:txBody>
+          <a:bodyPr lIns="182880" tIns="0" rIns="182880" bIns="91440" rtlCol="0" anchor="t" anchorCtr="0"/>
+          <a:lstStyle/>
+          <a:p>
+            <a:pPr algn="ctr"/>
+            <a:r>
+              <a:rPr lang="en-US" sz="3200" dirty="0">
+                <a:solidFill>
+                  <a:schemeClr val="tx1"/>
+                </a:solidFill>
+              </a:rPr>
+              <a:t>chunk</a:t>
+            </a:r>
+          </a:p>
+        </p:txBody>
+      </p:sp>
+      <p:sp>
+        <p:nvSpPr>
+          <p:cNvPr id="93" name="Rounded Rectangle 92"/>
+          <p:cNvSpPr/>
+          <p:nvPr/>
+        </p:nvSpPr>
+        <p:spPr>
+          <a:xfrm>
+            <a:off x="2758688" y="436943"/>
+            <a:ext cx="2561998" cy="1083521"/>
+          </a:xfrm>
+          <a:prstGeom prst="roundRect">
+            <a:avLst/>
+          </a:prstGeom>
+          <a:gradFill flip="none" rotWithShape="1">
+            <a:gsLst>
+              <a:gs pos="0">
+                <a:schemeClr val="dk1">
+                  <a:tint val="50000"/>
+                  <a:satMod val="300000"/>
+                  <a:alpha val="0"/>
+                </a:schemeClr>
+              </a:gs>
+              <a:gs pos="35000">
+                <a:schemeClr val="dk1">
+                  <a:tint val="37000"/>
+                  <a:satMod val="300000"/>
+                  <a:alpha val="0"/>
+                </a:schemeClr>
+              </a:gs>
+              <a:gs pos="100000">
+                <a:schemeClr val="dk1">
+                  <a:tint val="15000"/>
+                  <a:satMod val="350000"/>
+                  <a:alpha val="0"/>
+                </a:schemeClr>
+              </a:gs>
+            </a:gsLst>
+            <a:lin ang="16200000" scaled="1"/>
+            <a:tileRect/>
+          </a:gradFill>
+          <a:ln w="12700"/>
+          <a:effectLst/>
+        </p:spPr>
+        <p:style>
+          <a:lnRef idx="1">
+            <a:schemeClr val="dk1"/>
+          </a:lnRef>
+          <a:fillRef idx="2">
+            <a:schemeClr val="dk1"/>
+          </a:fillRef>
+          <a:effectRef idx="1">
+            <a:schemeClr val="dk1"/>
+          </a:effectRef>
+          <a:fontRef idx="minor">
+            <a:schemeClr val="dk1"/>
+          </a:fontRef>
+        </p:style>
+        <p:txBody>
+          <a:bodyPr lIns="182880" tIns="457200" rIns="182880" bIns="91440" rtlCol="0" anchor="ctr" anchorCtr="1"/>
+          <a:lstStyle/>
+          <a:p>
+            <a:pPr algn="ctr"/>
             <a:r>
               <a:rPr lang="en-US" sz="3200" dirty="0"/>
               <a:t>index</a:t>
@@ -3227,13 +3305,13 @@
         </p:nvCxnSpPr>
         <p:spPr>
           <a:xfrm>
-            <a:off x="4364652" y="2427883"/>
-            <a:ext cx="363118" cy="0"/>
+            <a:off x="4105890" y="2477290"/>
+            <a:ext cx="381050" cy="0"/>
           </a:xfrm>
           <a:prstGeom prst="straightConnector1">
             <a:avLst/>
           </a:prstGeom>
-          <a:ln w="28575" cmpd="sng">
+          <a:ln w="12700" cmpd="sng">
             <a:solidFill>
               <a:srgbClr val="7F7F7F"/>
             </a:solidFill>
@@ -3262,18 +3340,19 @@
           <p:cNvPr id="99" name="Straight Arrow Connector 98"/>
           <p:cNvCxnSpPr>
             <a:cxnSpLocks/>
+            <a:stCxn id="70" idx="3"/>
           </p:cNvCxnSpPr>
           <p:nvPr/>
         </p:nvCxnSpPr>
         <p:spPr>
-          <a:xfrm flipV="1">
-            <a:off x="7670129" y="2417896"/>
-            <a:ext cx="477259" cy="3748"/>
+          <a:xfrm>
+            <a:off x="7409293" y="2452011"/>
+            <a:ext cx="493544" cy="10090"/>
           </a:xfrm>
           <a:prstGeom prst="straightConnector1">
             <a:avLst/>
           </a:prstGeom>
-          <a:ln w="28575" cmpd="sng">
+          <a:ln w="12700" cmpd="sng">
             <a:solidFill>
               <a:srgbClr val="7F7F7F"/>
             </a:solidFill>
@@ -3306,14 +3385,14 @@
           <p:nvPr>
             <p:extLst>
               <p:ext uri="{D42A27DB-BD31-4B8C-83A1-F6EECF244321}">
-                <p14:modId xmlns:p14="http://schemas.microsoft.com/office/powerpoint/2010/main" val="4096807072"/>
+                <p14:modId xmlns:p14="http://schemas.microsoft.com/office/powerpoint/2010/main" val="3017343331"/>
               </p:ext>
             </p:extLst>
           </p:nvPr>
         </p:nvGraphicFramePr>
         <p:xfrm>
-          <a:off x="5834314" y="830508"/>
-          <a:ext cx="4137187" cy="457200"/>
+          <a:off x="5855580" y="883673"/>
+          <a:ext cx="4092125" cy="822960"/>
         </p:xfrm>
         <a:graphic>
           <a:graphicData uri="http://schemas.openxmlformats.org/drawingml/2006/table">
@@ -3322,28 +3401,28 @@
                 <a:tableStyleId>{2D5ABB26-0587-4C30-8999-92F81FD0307C}</a:tableStyleId>
               </a:tblPr>
               <a:tblGrid>
-                <a:gridCol w="982788">
+                <a:gridCol w="740429">
                   <a:extLst>
                     <a:ext uri="{9D8B030D-6E8A-4147-A177-3AD203B41FA5}">
                       <a16:colId xmlns:a16="http://schemas.microsoft.com/office/drawing/2014/main" val="20000"/>
                     </a:ext>
                   </a:extLst>
                 </a:gridCol>
-                <a:gridCol w="731786">
+                <a:gridCol w="1665434">
                   <a:extLst>
                     <a:ext uri="{9D8B030D-6E8A-4147-A177-3AD203B41FA5}">
                       <a16:colId xmlns:a16="http://schemas.microsoft.com/office/drawing/2014/main" val="20001"/>
                     </a:ext>
                   </a:extLst>
                 </a:gridCol>
-                <a:gridCol w="782086">
+                <a:gridCol w="1116473">
                   <a:extLst>
                     <a:ext uri="{9D8B030D-6E8A-4147-A177-3AD203B41FA5}">
                       <a16:colId xmlns:a16="http://schemas.microsoft.com/office/drawing/2014/main" val="20002"/>
                     </a:ext>
                   </a:extLst>
                 </a:gridCol>
-                <a:gridCol w="1640527">
+                <a:gridCol w="569789">
                   <a:extLst>
                     <a:ext uri="{9D8B030D-6E8A-4147-A177-3AD203B41FA5}">
                       <a16:colId xmlns:a16="http://schemas.microsoft.com/office/drawing/2014/main" val="20003"/>
@@ -3360,7 +3439,7 @@
                       <a:pPr algn="ctr"/>
                       <a:r>
                         <a:rPr lang="en-US" sz="2400" b="0" dirty="0"/>
-                        <a:t>none</a:t>
+                        <a:t>⏊</a:t>
                       </a:r>
                     </a:p>
                   </a:txBody>
@@ -3414,8 +3493,25 @@
                       <a:pPr algn="ctr"/>
                       <a:r>
                         <a:rPr lang="en-US" sz="2400" b="0" dirty="0"/>
-                        <a:t>3</a:t>
+                        <a:t>scan k</a:t>
                       </a:r>
+                      <a:r>
+                        <a:rPr lang="en-US" sz="2400" b="0" baseline="-25000" dirty="0"/>
+                        <a:t>1</a:t>
+                      </a:r>
+                      <a:r>
+                        <a:rPr lang="en-US" sz="2400" b="0" dirty="0"/>
+                        <a:t>-k</a:t>
+                      </a:r>
+                      <a:r>
+                        <a:rPr lang="en-US" sz="2400" b="0" baseline="-25000" dirty="0"/>
+                        <a:t>n </a:t>
+                      </a:r>
+                      <a:r>
+                        <a:rPr lang="en-US" sz="2400" b="0" dirty="0"/>
+                        <a:t>version</a:t>
+                      </a:r>
+                      <a:endParaRPr lang="en-US" sz="2400" b="0" baseline="-25000" dirty="0"/>
                     </a:p>
                   </a:txBody>
                   <a:tcPr marL="100584" marR="100584">
@@ -3468,7 +3564,7 @@
                       <a:pPr algn="ctr"/>
                       <a:r>
                         <a:rPr lang="en-US" sz="2400" b="0" dirty="0"/>
-                        <a:t>4</a:t>
+                        <a:t>put k version</a:t>
                       </a:r>
                     </a:p>
                   </a:txBody>
@@ -3586,14 +3682,14 @@
         </p:nvSpPr>
         <p:spPr>
           <a:xfrm>
-            <a:off x="7990668" y="2869366"/>
-            <a:ext cx="2922326" cy="1282152"/>
+            <a:off x="7536834" y="2871827"/>
+            <a:ext cx="1733982" cy="1028552"/>
           </a:xfrm>
           <a:prstGeom prst="roundRect">
             <a:avLst/>
           </a:prstGeom>
           <a:noFill/>
-          <a:ln w="19050" cmpd="sng">
+          <a:ln w="12700" cmpd="sng">
             <a:solidFill>
               <a:srgbClr val="000000"/>
             </a:solidFill>
@@ -3616,15 +3712,19 @@
           </a:fontRef>
         </p:style>
         <p:txBody>
-          <a:bodyPr lIns="182880" tIns="0" rIns="182880" bIns="91440" rtlCol="0" anchor="t" anchorCtr="1"/>
+          <a:bodyPr lIns="182880" tIns="0" rIns="182880" bIns="91440" rtlCol="0" anchor="ctr" anchorCtr="0"/>
           <a:lstStyle/>
           <a:p>
             <a:pPr algn="ctr"/>
-            <a:endParaRPr lang="en-US" sz="3200" dirty="0">
-              <a:solidFill>
-                <a:schemeClr val="tx1"/>
-              </a:solidFill>
-            </a:endParaRPr>
+            <a:r>
+              <a:rPr lang="en-US" sz="3200" dirty="0" err="1">
+                <a:solidFill>
+                  <a:prstClr val="black"/>
+                </a:solidFill>
+              </a:rPr>
+              <a:t>munk</a:t>
+            </a:r>
+            <a:endParaRPr lang="en-US" sz="3200" dirty="0"/>
           </a:p>
         </p:txBody>
       </p:sp>
@@ -3633,18 +3733,19 @@
           <p:cNvPr id="109" name="Straight Arrow Connector 108"/>
           <p:cNvCxnSpPr>
             <a:cxnSpLocks/>
+            <a:endCxn id="108" idx="1"/>
           </p:cNvCxnSpPr>
           <p:nvPr/>
         </p:nvCxnSpPr>
         <p:spPr>
           <a:xfrm>
-            <a:off x="7667783" y="2780688"/>
-            <a:ext cx="322885" cy="215695"/>
+            <a:off x="6879265" y="2709989"/>
+            <a:ext cx="657569" cy="676114"/>
           </a:xfrm>
           <a:prstGeom prst="straightConnector1">
             <a:avLst/>
           </a:prstGeom>
-          <a:ln w="28575" cmpd="sng">
+          <a:ln w="12700" cmpd="sng">
             <a:solidFill>
               <a:srgbClr val="7F7F7F"/>
             </a:solidFill>
@@ -3676,7 +3777,7 @@
         </p:nvSpPr>
         <p:spPr>
           <a:xfrm>
-            <a:off x="5779938" y="122887"/>
+            <a:off x="5875635" y="218584"/>
             <a:ext cx="4146501" cy="571072"/>
           </a:xfrm>
           <a:prstGeom prst="roundRect">
@@ -3709,7 +3810,7 @@
             <a:lin ang="16200000" scaled="1"/>
             <a:tileRect/>
           </a:gradFill>
-          <a:ln>
+          <a:ln w="12700">
             <a:noFill/>
           </a:ln>
           <a:effectLst/>
@@ -3739,7 +3840,7 @@
             </a:pPr>
             <a:r>
               <a:rPr lang="en-US" sz="2800" dirty="0"/>
-              <a:t>PSA (pending scan array)</a:t>
+              <a:t>PO (pending operations)</a:t>
             </a:r>
             <a:endParaRPr lang="en-US" b="1" dirty="0"/>
           </a:p>
@@ -3760,9 +3861,11 @@
             <a:avLst/>
           </a:prstGeom>
           <a:noFill/>
-          <a:ln w="19050" cmpd="sng">
+          <a:ln w="12700" cmpd="sng">
             <a:solidFill>
-              <a:srgbClr val="7F7F7F"/>
+              <a:schemeClr val="bg1">
+                <a:lumMod val="65000"/>
+              </a:schemeClr>
             </a:solidFill>
           </a:ln>
           <a:effectLst/>
@@ -3817,9 +3920,11 @@
             <a:avLst/>
           </a:prstGeom>
           <a:noFill/>
-          <a:ln w="19050" cmpd="sng">
+          <a:ln w="12700" cmpd="sng">
             <a:solidFill>
-              <a:srgbClr val="7F7F7F"/>
+              <a:schemeClr val="bg1">
+                <a:lumMod val="65000"/>
+              </a:schemeClr>
             </a:solidFill>
           </a:ln>
           <a:effectLst/>
@@ -3861,154 +3966,6 @@
       </p:sp>
       <p:sp>
         <p:nvSpPr>
-          <p:cNvPr id="125" name="Rounded Rectangle 124"/>
-          <p:cNvSpPr/>
-          <p:nvPr/>
-        </p:nvSpPr>
-        <p:spPr>
-          <a:xfrm>
-            <a:off x="9145844" y="2977924"/>
-            <a:ext cx="1607144" cy="457200"/>
-          </a:xfrm>
-          <a:prstGeom prst="roundRect">
-            <a:avLst/>
-          </a:prstGeom>
-          <a:noFill/>
-          <a:ln w="19050" cmpd="sng">
-            <a:solidFill>
-              <a:srgbClr val="7F7F7F"/>
-            </a:solidFill>
-          </a:ln>
-          <a:effectLst/>
-        </p:spPr>
-        <p:style>
-          <a:lnRef idx="1">
-            <a:schemeClr val="accent1"/>
-          </a:lnRef>
-          <a:fillRef idx="3">
-            <a:schemeClr val="accent1"/>
-          </a:fillRef>
-          <a:effectRef idx="2">
-            <a:schemeClr val="accent1"/>
-          </a:effectRef>
-          <a:fontRef idx="minor">
-            <a:schemeClr val="lt1"/>
-          </a:fontRef>
-        </p:style>
-        <p:txBody>
-          <a:bodyPr lIns="182880" tIns="0" rIns="182880" bIns="91440" rtlCol="0" anchor="ctr" anchorCtr="1"/>
-          <a:lstStyle/>
-          <a:p>
-            <a:pPr algn="ctr"/>
-            <a:r>
-              <a:rPr lang="en-US" sz="3200" dirty="0" err="1">
-                <a:solidFill>
-                  <a:schemeClr val="tx1"/>
-                </a:solidFill>
-              </a:rPr>
-              <a:t>karray</a:t>
-            </a:r>
-            <a:endParaRPr lang="en-US" sz="3200" dirty="0">
-              <a:solidFill>
-                <a:schemeClr val="tx1"/>
-              </a:solidFill>
-            </a:endParaRPr>
-          </a:p>
-        </p:txBody>
-      </p:sp>
-      <p:sp>
-        <p:nvSpPr>
-          <p:cNvPr id="126" name="Rounded Rectangle 125"/>
-          <p:cNvSpPr/>
-          <p:nvPr/>
-        </p:nvSpPr>
-        <p:spPr>
-          <a:xfrm>
-            <a:off x="9145844" y="3587524"/>
-            <a:ext cx="1607144" cy="457200"/>
-          </a:xfrm>
-          <a:prstGeom prst="roundRect">
-            <a:avLst/>
-          </a:prstGeom>
-          <a:noFill/>
-          <a:ln w="19050" cmpd="sng">
-            <a:solidFill>
-              <a:srgbClr val="7F7F7F"/>
-            </a:solidFill>
-          </a:ln>
-          <a:effectLst/>
-        </p:spPr>
-        <p:style>
-          <a:lnRef idx="1">
-            <a:schemeClr val="accent1"/>
-          </a:lnRef>
-          <a:fillRef idx="3">
-            <a:schemeClr val="accent1"/>
-          </a:fillRef>
-          <a:effectRef idx="2">
-            <a:schemeClr val="accent1"/>
-          </a:effectRef>
-          <a:fontRef idx="minor">
-            <a:schemeClr val="lt1"/>
-          </a:fontRef>
-        </p:style>
-        <p:txBody>
-          <a:bodyPr lIns="182880" tIns="0" rIns="182880" bIns="91440" rtlCol="0" anchor="ctr" anchorCtr="1"/>
-          <a:lstStyle/>
-          <a:p>
-            <a:pPr algn="ctr"/>
-            <a:r>
-              <a:rPr lang="en-US" sz="3200" dirty="0" err="1">
-                <a:solidFill>
-                  <a:schemeClr val="tx1"/>
-                </a:solidFill>
-              </a:rPr>
-              <a:t>varray</a:t>
-            </a:r>
-            <a:endParaRPr lang="en-US" sz="3200" dirty="0">
-              <a:solidFill>
-                <a:schemeClr val="tx1"/>
-              </a:solidFill>
-            </a:endParaRPr>
-          </a:p>
-        </p:txBody>
-      </p:sp>
-      <p:sp>
-        <p:nvSpPr>
-          <p:cNvPr id="127" name="Rectangle 126"/>
-          <p:cNvSpPr/>
-          <p:nvPr/>
-        </p:nvSpPr>
-        <p:spPr>
-          <a:xfrm rot="16200000">
-            <a:off x="7027965" y="3218055"/>
-            <a:ext cx="1282152" cy="584776"/>
-          </a:xfrm>
-          <a:prstGeom prst="rect">
-            <a:avLst/>
-          </a:prstGeom>
-        </p:spPr>
-        <p:txBody>
-          <a:bodyPr wrap="square">
-            <a:spAutoFit/>
-          </a:bodyPr>
-          <a:lstStyle/>
-          <a:p>
-            <a:pPr algn="ctr"/>
-            <a:r>
-              <a:rPr lang="en-US" sz="3200" dirty="0" err="1">
-                <a:solidFill>
-                  <a:prstClr val="black"/>
-                </a:solidFill>
-              </a:rPr>
-              <a:t>munk</a:t>
-            </a:r>
-            <a:endParaRPr lang="en-US" dirty="0"/>
-          </a:p>
-        </p:txBody>
-      </p:sp>
-      <p:sp>
-        <p:nvSpPr>
           <p:cNvPr id="141" name="Rounded Rectangle 140"/>
           <p:cNvSpPr/>
           <p:nvPr/>
@@ -4022,7 +3979,7 @@
             <a:avLst/>
           </a:prstGeom>
           <a:noFill/>
-          <a:ln w="19050" cmpd="sng">
+          <a:ln w="12700" cmpd="sng">
             <a:solidFill>
               <a:srgbClr val="000000"/>
             </a:solidFill>
@@ -4071,6 +4028,9 @@
           <a:prstGeom prst="rect">
             <a:avLst/>
           </a:prstGeom>
+          <a:ln w="12700">
+            <a:noFill/>
+          </a:ln>
         </p:spPr>
         <p:txBody>
           <a:bodyPr wrap="square">
@@ -4107,7 +4067,7 @@
           <a:prstGeom prst="line">
             <a:avLst/>
           </a:prstGeom>
-          <a:ln>
+          <a:ln w="12700">
             <a:solidFill>
               <a:schemeClr val="bg1">
                 <a:lumMod val="50000"/>
@@ -4146,6 +4106,9 @@
           <a:prstGeom prst="rect">
             <a:avLst/>
           </a:prstGeom>
+          <a:ln w="12700">
+            <a:noFill/>
+          </a:ln>
         </p:spPr>
         <p:txBody>
           <a:bodyPr wrap="none">
@@ -4188,13 +4151,13 @@
         </p:nvCxnSpPr>
         <p:spPr>
           <a:xfrm>
-            <a:off x="3497661" y="2959093"/>
-            <a:ext cx="406848" cy="1710647"/>
+            <a:off x="3368280" y="2726623"/>
+            <a:ext cx="536229" cy="1943117"/>
           </a:xfrm>
           <a:prstGeom prst="straightConnector1">
             <a:avLst/>
           </a:prstGeom>
-          <a:ln w="28575" cmpd="sng">
+          <a:ln w="12700" cmpd="sng">
             <a:solidFill>
               <a:srgbClr val="7F7F7F"/>
             </a:solidFill>
@@ -4233,9 +4196,11 @@
             <a:avLst/>
           </a:prstGeom>
           <a:noFill/>
-          <a:ln w="19050" cmpd="sng">
+          <a:ln w="12700" cmpd="sng">
             <a:solidFill>
-              <a:srgbClr val="7F7F7F"/>
+              <a:schemeClr val="bg1">
+                <a:lumMod val="65000"/>
+              </a:schemeClr>
             </a:solidFill>
           </a:ln>
           <a:effectLst/>
@@ -4290,9 +4255,11 @@
             <a:avLst/>
           </a:prstGeom>
           <a:noFill/>
-          <a:ln w="19050" cmpd="sng">
+          <a:ln w="12700" cmpd="sng">
             <a:solidFill>
-              <a:srgbClr val="7F7F7F"/>
+              <a:schemeClr val="bg1">
+                <a:lumMod val="65000"/>
+              </a:schemeClr>
             </a:solidFill>
           </a:ln>
           <a:effectLst/>
@@ -4347,7 +4314,7 @@
             <a:avLst/>
           </a:prstGeom>
           <a:noFill/>
-          <a:ln w="19050" cmpd="sng">
+          <a:ln w="12700" cmpd="sng">
             <a:solidFill>
               <a:srgbClr val="000000"/>
             </a:solidFill>
@@ -4396,6 +4363,9 @@
           <a:prstGeom prst="rect">
             <a:avLst/>
           </a:prstGeom>
+          <a:ln w="12700">
+            <a:noFill/>
+          </a:ln>
         </p:spPr>
         <p:txBody>
           <a:bodyPr wrap="square">
@@ -4428,13 +4398,13 @@
         </p:nvCxnSpPr>
         <p:spPr>
           <a:xfrm>
-            <a:off x="6800792" y="2975833"/>
-            <a:ext cx="395621" cy="1696101"/>
+            <a:off x="6661173" y="2701344"/>
+            <a:ext cx="535240" cy="1970590"/>
           </a:xfrm>
           <a:prstGeom prst="straightConnector1">
             <a:avLst/>
           </a:prstGeom>
-          <a:ln w="28575" cmpd="sng">
+          <a:ln w="12700" cmpd="sng">
             <a:solidFill>
               <a:srgbClr val="7F7F7F"/>
             </a:solidFill>
@@ -4466,7 +4436,7 @@
         </p:nvSpPr>
         <p:spPr>
           <a:xfrm>
-            <a:off x="8237706" y="2350406"/>
+            <a:off x="7993155" y="2394611"/>
             <a:ext cx="150876" cy="137160"/>
           </a:xfrm>
           <a:prstGeom prst="ellipse">
@@ -4475,7 +4445,7 @@
           <a:solidFill>
             <a:schemeClr val="bg2"/>
           </a:solidFill>
-          <a:ln>
+          <a:ln w="12700">
             <a:solidFill>
               <a:srgbClr val="000000"/>
             </a:solidFill>
@@ -4512,7 +4482,7 @@
         </p:nvSpPr>
         <p:spPr>
           <a:xfrm>
-            <a:off x="8491581" y="2346006"/>
+            <a:off x="8247030" y="2390211"/>
             <a:ext cx="150876" cy="137160"/>
           </a:xfrm>
           <a:prstGeom prst="ellipse">
@@ -4521,7 +4491,7 @@
           <a:solidFill>
             <a:schemeClr val="bg2"/>
           </a:solidFill>
-          <a:ln>
+          <a:ln w="12700">
             <a:solidFill>
               <a:srgbClr val="000000"/>
             </a:solidFill>
@@ -4558,7 +4528,7 @@
         </p:nvSpPr>
         <p:spPr>
           <a:xfrm>
-            <a:off x="8741572" y="2350406"/>
+            <a:off x="8497021" y="2394611"/>
             <a:ext cx="150876" cy="137160"/>
           </a:xfrm>
           <a:prstGeom prst="ellipse">
@@ -4567,7 +4537,7 @@
           <a:solidFill>
             <a:schemeClr val="bg2"/>
           </a:solidFill>
-          <a:ln>
+          <a:ln w="12700">
             <a:solidFill>
               <a:srgbClr val="000000"/>
             </a:solidFill>
@@ -4607,13 +4577,13 @@
         </p:nvCxnSpPr>
         <p:spPr>
           <a:xfrm flipH="1">
-            <a:off x="3497661" y="1321934"/>
-            <a:ext cx="122869" cy="574738"/>
+            <a:off x="3368280" y="1520464"/>
+            <a:ext cx="472266" cy="707492"/>
           </a:xfrm>
           <a:prstGeom prst="straightConnector1">
             <a:avLst/>
           </a:prstGeom>
-          <a:ln w="28575" cmpd="sng">
+          <a:ln w="12700" cmpd="sng">
             <a:solidFill>
               <a:srgbClr val="7F7F7F"/>
             </a:solidFill>
@@ -4647,13 +4617,13 @@
         </p:nvCxnSpPr>
         <p:spPr>
           <a:xfrm>
-            <a:off x="4727770" y="1321934"/>
-            <a:ext cx="1665101" cy="508087"/>
+            <a:off x="4974335" y="1520464"/>
+            <a:ext cx="1288242" cy="668346"/>
           </a:xfrm>
           <a:prstGeom prst="straightConnector1">
             <a:avLst/>
           </a:prstGeom>
-          <a:ln w="28575" cmpd="sng">
+          <a:ln w="12700" cmpd="sng">
             <a:solidFill>
               <a:srgbClr val="7F7F7F"/>
             </a:solidFill>
@@ -4677,56 +4647,15 @@
           </a:fontRef>
         </p:style>
       </p:cxnSp>
-      <p:cxnSp>
-        <p:nvCxnSpPr>
-          <p:cNvPr id="193" name="Straight Arrow Connector 192"/>
-          <p:cNvCxnSpPr>
-            <a:cxnSpLocks/>
-            <a:endCxn id="70" idx="1"/>
-          </p:cNvCxnSpPr>
-          <p:nvPr/>
-        </p:nvCxnSpPr>
-        <p:spPr>
-          <a:xfrm flipV="1">
-            <a:off x="5545072" y="2444623"/>
-            <a:ext cx="388729" cy="12926"/>
-          </a:xfrm>
-          <a:prstGeom prst="straightConnector1">
-            <a:avLst/>
-          </a:prstGeom>
-          <a:ln w="28575" cmpd="sng">
-            <a:solidFill>
-              <a:srgbClr val="7F7F7F"/>
-            </a:solidFill>
-            <a:headEnd type="none"/>
-            <a:tailEnd type="triangle" w="lg" len="med"/>
-          </a:ln>
-          <a:effectLst/>
-        </p:spPr>
-        <p:style>
-          <a:lnRef idx="2">
-            <a:schemeClr val="accent1"/>
-          </a:lnRef>
-          <a:fillRef idx="0">
-            <a:schemeClr val="accent1"/>
-          </a:fillRef>
-          <a:effectRef idx="1">
-            <a:schemeClr val="accent1"/>
-          </a:effectRef>
-          <a:fontRef idx="minor">
-            <a:schemeClr val="tx1"/>
-          </a:fontRef>
-        </p:style>
-      </p:cxnSp>
-      <p:sp>
-        <p:nvSpPr>
-          <p:cNvPr id="200" name="Oval 199"/>
+      <p:sp>
+        <p:nvSpPr>
+          <p:cNvPr id="201" name="Oval 200"/>
           <p:cNvSpPr/>
           <p:nvPr/>
         </p:nvSpPr>
         <p:spPr>
           <a:xfrm>
-            <a:off x="4797322" y="2340245"/>
+            <a:off x="4912972" y="2380050"/>
             <a:ext cx="150876" cy="137160"/>
           </a:xfrm>
           <a:prstGeom prst="ellipse">
@@ -4735,7 +4664,7 @@
           <a:solidFill>
             <a:schemeClr val="bg2"/>
           </a:solidFill>
-          <a:ln>
+          <a:ln w="12700">
             <a:solidFill>
               <a:srgbClr val="000000"/>
             </a:solidFill>
@@ -4766,112 +4695,20 @@
       </p:sp>
       <p:sp>
         <p:nvSpPr>
-          <p:cNvPr id="201" name="Oval 200"/>
-          <p:cNvSpPr/>
-          <p:nvPr/>
-        </p:nvSpPr>
-        <p:spPr>
-          <a:xfrm>
-            <a:off x="5051197" y="2335845"/>
-            <a:ext cx="150876" cy="137160"/>
-          </a:xfrm>
-          <a:prstGeom prst="ellipse">
-            <a:avLst/>
-          </a:prstGeom>
-          <a:solidFill>
-            <a:schemeClr val="bg2"/>
-          </a:solidFill>
-          <a:ln>
-            <a:solidFill>
-              <a:srgbClr val="000000"/>
-            </a:solidFill>
-          </a:ln>
-        </p:spPr>
-        <p:style>
-          <a:lnRef idx="1">
-            <a:schemeClr val="accent1"/>
-          </a:lnRef>
-          <a:fillRef idx="3">
-            <a:schemeClr val="accent1"/>
-          </a:fillRef>
-          <a:effectRef idx="2">
-            <a:schemeClr val="accent1"/>
-          </a:effectRef>
-          <a:fontRef idx="minor">
-            <a:schemeClr val="lt1"/>
-          </a:fontRef>
-        </p:style>
-        <p:txBody>
-          <a:bodyPr rtlCol="0" anchor="ctr"/>
-          <a:lstStyle/>
-          <a:p>
-            <a:pPr algn="ctr"/>
-            <a:endParaRPr lang="en-US"/>
-          </a:p>
-        </p:txBody>
-      </p:sp>
-      <p:sp>
-        <p:nvSpPr>
-          <p:cNvPr id="202" name="Oval 201"/>
-          <p:cNvSpPr/>
-          <p:nvPr/>
-        </p:nvSpPr>
-        <p:spPr>
-          <a:xfrm>
-            <a:off x="5301188" y="2340245"/>
-            <a:ext cx="150876" cy="137160"/>
-          </a:xfrm>
-          <a:prstGeom prst="ellipse">
-            <a:avLst/>
-          </a:prstGeom>
-          <a:solidFill>
-            <a:schemeClr val="bg2"/>
-          </a:solidFill>
-          <a:ln>
-            <a:solidFill>
-              <a:srgbClr val="000000"/>
-            </a:solidFill>
-          </a:ln>
-        </p:spPr>
-        <p:style>
-          <a:lnRef idx="1">
-            <a:schemeClr val="accent1"/>
-          </a:lnRef>
-          <a:fillRef idx="3">
-            <a:schemeClr val="accent1"/>
-          </a:fillRef>
-          <a:effectRef idx="2">
-            <a:schemeClr val="accent1"/>
-          </a:effectRef>
-          <a:fontRef idx="minor">
-            <a:schemeClr val="lt1"/>
-          </a:fontRef>
-        </p:style>
-        <p:txBody>
-          <a:bodyPr rtlCol="0" anchor="ctr"/>
-          <a:lstStyle/>
-          <a:p>
-            <a:pPr algn="ctr"/>
-            <a:endParaRPr lang="en-US"/>
-          </a:p>
-        </p:txBody>
-      </p:sp>
-      <p:sp>
-        <p:nvSpPr>
           <p:cNvPr id="221" name="Rounded Rectangle 220"/>
           <p:cNvSpPr/>
           <p:nvPr/>
         </p:nvSpPr>
         <p:spPr>
           <a:xfrm>
-            <a:off x="10305259" y="445122"/>
-            <a:ext cx="1739126" cy="1302665"/>
+            <a:off x="10408631" y="435064"/>
+            <a:ext cx="1510473" cy="1302665"/>
           </a:xfrm>
           <a:prstGeom prst="roundRect">
             <a:avLst/>
           </a:prstGeom>
           <a:noFill/>
-          <a:ln w="19050" cmpd="sng">
+          <a:ln w="12700" cmpd="sng">
             <a:solidFill>
               <a:srgbClr val="000000"/>
             </a:solidFill>
@@ -4903,252 +4740,21 @@
                   <a:schemeClr val="tx1"/>
                 </a:solidFill>
               </a:rPr>
-              <a:t>global version (GV)</a:t>
+              <a:t>GV </a:t>
+            </a:r>
+            <a:r>
+              <a:rPr lang="en-US" sz="2400" dirty="0">
+                <a:solidFill>
+                  <a:schemeClr val="tx1"/>
+                </a:solidFill>
+              </a:rPr>
+              <a:t>(global version)</a:t>
             </a:r>
             <a:endParaRPr lang="en-US" sz="3600" dirty="0">
               <a:solidFill>
                 <a:schemeClr val="tx1"/>
               </a:solidFill>
             </a:endParaRPr>
-          </a:p>
-        </p:txBody>
-      </p:sp>
-      <p:graphicFrame>
-        <p:nvGraphicFramePr>
-          <p:cNvPr id="38" name="Table 37"/>
-          <p:cNvGraphicFramePr>
-            <a:graphicFrameLocks noGrp="1"/>
-          </p:cNvGraphicFramePr>
-          <p:nvPr>
-            <p:extLst>
-              <p:ext uri="{D42A27DB-BD31-4B8C-83A1-F6EECF244321}">
-                <p14:modId xmlns:p14="http://schemas.microsoft.com/office/powerpoint/2010/main" val="723944270"/>
-              </p:ext>
-            </p:extLst>
-          </p:nvPr>
-        </p:nvGraphicFramePr>
-        <p:xfrm>
-          <a:off x="8278699" y="3218584"/>
-          <a:ext cx="632587" cy="853451"/>
-        </p:xfrm>
-        <a:graphic>
-          <a:graphicData uri="http://schemas.openxmlformats.org/drawingml/2006/table">
-            <a:tbl>
-              <a:tblPr firstRow="1" bandRow="1">
-                <a:tableStyleId>{2D5ABB26-0587-4C30-8999-92F81FD0307C}</a:tableStyleId>
-              </a:tblPr>
-              <a:tblGrid>
-                <a:gridCol w="632587">
-                  <a:extLst>
-                    <a:ext uri="{9D8B030D-6E8A-4147-A177-3AD203B41FA5}">
-                      <a16:colId xmlns:a16="http://schemas.microsoft.com/office/drawing/2014/main" val="20000"/>
-                    </a:ext>
-                  </a:extLst>
-                </a:gridCol>
-              </a:tblGrid>
-              <a:tr h="276297">
-                <a:tc>
-                  <a:txBody>
-                    <a:bodyPr/>
-                    <a:lstStyle/>
-                    <a:p>
-                      <a:pPr algn="ctr"/>
-                      <a:endParaRPr lang="en-US" sz="1200" b="0" dirty="0"/>
-                    </a:p>
-                  </a:txBody>
-                  <a:tcPr marL="100584" marR="100584">
-                    <a:lnL w="12700" cap="flat" cmpd="sng" algn="ctr">
-                      <a:solidFill>
-                        <a:scrgbClr r="0" g="0" b="0"/>
-                      </a:solidFill>
-                      <a:prstDash val="solid"/>
-                      <a:round/>
-                      <a:headEnd type="none" w="med" len="med"/>
-                      <a:tailEnd type="none" w="med" len="med"/>
-                    </a:lnL>
-                    <a:lnR w="12700" cap="flat" cmpd="sng" algn="ctr">
-                      <a:solidFill>
-                        <a:scrgbClr r="0" g="0" b="0"/>
-                      </a:solidFill>
-                      <a:prstDash val="solid"/>
-                      <a:round/>
-                      <a:headEnd type="none" w="med" len="med"/>
-                      <a:tailEnd type="none" w="med" len="med"/>
-                    </a:lnR>
-                    <a:lnT w="12700" cap="flat" cmpd="sng" algn="ctr">
-                      <a:solidFill>
-                        <a:scrgbClr r="0" g="0" b="0"/>
-                      </a:solidFill>
-                      <a:prstDash val="solid"/>
-                      <a:round/>
-                      <a:headEnd type="none" w="med" len="med"/>
-                      <a:tailEnd type="none" w="med" len="med"/>
-                    </a:lnT>
-                    <a:lnB w="12700" cap="flat" cmpd="sng" algn="ctr">
-                      <a:solidFill>
-                        <a:scrgbClr r="0" g="0" b="0"/>
-                      </a:solidFill>
-                      <a:prstDash val="solid"/>
-                      <a:round/>
-                      <a:headEnd type="none" w="med" len="med"/>
-                      <a:tailEnd type="none" w="med" len="med"/>
-                    </a:lnB>
-                    <a:solidFill>
-                      <a:srgbClr val="FFFFFF"/>
-                    </a:solidFill>
-                  </a:tcPr>
-                </a:tc>
-                <a:extLst>
-                  <a:ext uri="{0D108BD9-81ED-4DB2-BD59-A6C34878D82A}">
-                    <a16:rowId xmlns:a16="http://schemas.microsoft.com/office/drawing/2014/main" val="10000"/>
-                  </a:ext>
-                </a:extLst>
-              </a:tr>
-              <a:tr h="288577">
-                <a:tc>
-                  <a:txBody>
-                    <a:bodyPr/>
-                    <a:lstStyle/>
-                    <a:p>
-                      <a:pPr algn="ctr"/>
-                      <a:endParaRPr lang="en-US" sz="1200" b="0" dirty="0"/>
-                    </a:p>
-                  </a:txBody>
-                  <a:tcPr marL="100584" marR="100584">
-                    <a:lnL w="12700" cap="flat" cmpd="sng" algn="ctr">
-                      <a:solidFill>
-                        <a:scrgbClr r="0" g="0" b="0"/>
-                      </a:solidFill>
-                      <a:prstDash val="solid"/>
-                      <a:round/>
-                      <a:headEnd type="none" w="med" len="med"/>
-                      <a:tailEnd type="none" w="med" len="med"/>
-                    </a:lnL>
-                    <a:lnR w="12700" cap="flat" cmpd="sng" algn="ctr">
-                      <a:solidFill>
-                        <a:scrgbClr r="0" g="0" b="0"/>
-                      </a:solidFill>
-                      <a:prstDash val="solid"/>
-                      <a:round/>
-                      <a:headEnd type="none" w="med" len="med"/>
-                      <a:tailEnd type="none" w="med" len="med"/>
-                    </a:lnR>
-                    <a:lnT w="12700" cap="flat" cmpd="sng" algn="ctr">
-                      <a:solidFill>
-                        <a:scrgbClr r="0" g="0" b="0"/>
-                      </a:solidFill>
-                      <a:prstDash val="solid"/>
-                      <a:round/>
-                      <a:headEnd type="none" w="med" len="med"/>
-                      <a:tailEnd type="none" w="med" len="med"/>
-                    </a:lnT>
-                    <a:lnB w="12700" cap="flat" cmpd="sng" algn="ctr">
-                      <a:solidFill>
-                        <a:scrgbClr r="0" g="0" b="0"/>
-                      </a:solidFill>
-                      <a:prstDash val="solid"/>
-                      <a:round/>
-                      <a:headEnd type="none" w="med" len="med"/>
-                      <a:tailEnd type="none" w="med" len="med"/>
-                    </a:lnB>
-                    <a:solidFill>
-                      <a:srgbClr val="FFFFFF"/>
-                    </a:solidFill>
-                  </a:tcPr>
-                </a:tc>
-                <a:extLst>
-                  <a:ext uri="{0D108BD9-81ED-4DB2-BD59-A6C34878D82A}">
-                    <a16:rowId xmlns:a16="http://schemas.microsoft.com/office/drawing/2014/main" val="10001"/>
-                  </a:ext>
-                </a:extLst>
-              </a:tr>
-              <a:tr h="288577">
-                <a:tc>
-                  <a:txBody>
-                    <a:bodyPr/>
-                    <a:lstStyle/>
-                    <a:p>
-                      <a:pPr algn="ctr"/>
-                      <a:endParaRPr lang="en-US" sz="1200" b="0" dirty="0"/>
-                    </a:p>
-                  </a:txBody>
-                  <a:tcPr marL="100584" marR="100584">
-                    <a:lnL w="12700" cap="flat" cmpd="sng" algn="ctr">
-                      <a:solidFill>
-                        <a:scrgbClr r="0" g="0" b="0"/>
-                      </a:solidFill>
-                      <a:prstDash val="solid"/>
-                      <a:round/>
-                      <a:headEnd type="none" w="med" len="med"/>
-                      <a:tailEnd type="none" w="med" len="med"/>
-                    </a:lnL>
-                    <a:lnR w="12700" cap="flat" cmpd="sng" algn="ctr">
-                      <a:solidFill>
-                        <a:scrgbClr r="0" g="0" b="0"/>
-                      </a:solidFill>
-                      <a:prstDash val="solid"/>
-                      <a:round/>
-                      <a:headEnd type="none" w="med" len="med"/>
-                      <a:tailEnd type="none" w="med" len="med"/>
-                    </a:lnR>
-                    <a:lnT w="12700" cap="flat" cmpd="sng" algn="ctr">
-                      <a:solidFill>
-                        <a:scrgbClr r="0" g="0" b="0"/>
-                      </a:solidFill>
-                      <a:prstDash val="solid"/>
-                      <a:round/>
-                      <a:headEnd type="none" w="med" len="med"/>
-                      <a:tailEnd type="none" w="med" len="med"/>
-                    </a:lnT>
-                    <a:lnB w="12700" cap="flat" cmpd="sng" algn="ctr">
-                      <a:solidFill>
-                        <a:scrgbClr r="0" g="0" b="0"/>
-                      </a:solidFill>
-                      <a:prstDash val="solid"/>
-                      <a:round/>
-                      <a:headEnd type="none" w="med" len="med"/>
-                      <a:tailEnd type="none" w="med" len="med"/>
-                    </a:lnB>
-                    <a:solidFill>
-                      <a:srgbClr val="FFFFFF"/>
-                    </a:solidFill>
-                  </a:tcPr>
-                </a:tc>
-                <a:extLst>
-                  <a:ext uri="{0D108BD9-81ED-4DB2-BD59-A6C34878D82A}">
-                    <a16:rowId xmlns:a16="http://schemas.microsoft.com/office/drawing/2014/main" val="10002"/>
-                  </a:ext>
-                </a:extLst>
-              </a:tr>
-            </a:tbl>
-          </a:graphicData>
-        </a:graphic>
-      </p:graphicFrame>
-      <p:sp>
-        <p:nvSpPr>
-          <p:cNvPr id="2" name="Rectangle 1"/>
-          <p:cNvSpPr/>
-          <p:nvPr/>
-        </p:nvSpPr>
-        <p:spPr>
-          <a:xfrm>
-            <a:off x="8158004" y="2768331"/>
-            <a:ext cx="763425" cy="523220"/>
-          </a:xfrm>
-          <a:prstGeom prst="rect">
-            <a:avLst/>
-          </a:prstGeom>
-        </p:spPr>
-        <p:txBody>
-          <a:bodyPr wrap="none">
-            <a:spAutoFit/>
-          </a:bodyPr>
-          <a:lstStyle/>
-          <a:p>
-            <a:r>
-              <a:rPr lang="en-US" sz="2800" dirty="0"/>
-              <a:t>PPA</a:t>
-            </a:r>
           </a:p>
         </p:txBody>
       </p:sp>
@@ -5173,7 +4779,7 @@
             <a:avLst/>
           </a:prstGeom>
           <a:noFill/>
-          <a:ln w="19050" cmpd="sng">
+          <a:ln w="12700" cmpd="sng">
             <a:solidFill>
               <a:srgbClr val="000000"/>
             </a:solidFill>
@@ -5232,6 +4838,9 @@
             <a:avLst/>
           </a:prstGeom>
           <a:noFill/>
+          <a:ln w="12700">
+            <a:noFill/>
+          </a:ln>
         </p:spPr>
         <p:txBody>
           <a:bodyPr wrap="square" rtlCol="0">
@@ -5971,6 +5580,9 @@
             <a:avLst/>
           </a:prstGeom>
           <a:noFill/>
+          <a:ln w="12700">
+            <a:noFill/>
+          </a:ln>
         </p:spPr>
         <p:txBody>
           <a:bodyPr wrap="square" rtlCol="0">
@@ -5999,14 +5611,74 @@
         </p:nvSpPr>
         <p:spPr>
           <a:xfrm>
-            <a:off x="2716383" y="2466491"/>
-            <a:ext cx="1124163" cy="401935"/>
+            <a:off x="4172022" y="2876847"/>
+            <a:ext cx="1475220" cy="910667"/>
           </a:xfrm>
           <a:prstGeom prst="roundRect">
             <a:avLst/>
           </a:prstGeom>
           <a:noFill/>
-          <a:ln w="19050" cmpd="sng">
+          <a:ln w="12700" cmpd="sng">
+            <a:solidFill>
+              <a:schemeClr val="bg1">
+                <a:lumMod val="65000"/>
+              </a:schemeClr>
+            </a:solidFill>
+          </a:ln>
+          <a:effectLst/>
+        </p:spPr>
+        <p:style>
+          <a:lnRef idx="1">
+            <a:schemeClr val="accent1"/>
+          </a:lnRef>
+          <a:fillRef idx="3">
+            <a:schemeClr val="accent1"/>
+          </a:fillRef>
+          <a:effectRef idx="2">
+            <a:schemeClr val="accent1"/>
+          </a:effectRef>
+          <a:fontRef idx="minor">
+            <a:schemeClr val="lt1"/>
+          </a:fontRef>
+        </p:style>
+        <p:txBody>
+          <a:bodyPr lIns="182880" tIns="0" rIns="182880" bIns="91440" rtlCol="0" anchor="ctr" anchorCtr="1"/>
+          <a:lstStyle/>
+          <a:p>
+            <a:pPr algn="ctr"/>
+            <a:r>
+              <a:rPr lang="en-US" sz="2800" dirty="0">
+                <a:solidFill>
+                  <a:schemeClr val="tx1"/>
+                </a:solidFill>
+              </a:rPr>
+              <a:t>Bloom filter</a:t>
+            </a:r>
+          </a:p>
+        </p:txBody>
+      </p:sp>
+      <p:sp>
+        <p:nvSpPr>
+          <p:cNvPr id="70" name="Rounded Rectangle 69">
+            <a:extLst>
+              <a:ext uri="{FF2B5EF4-FFF2-40B4-BE49-F238E27FC236}">
+                <a16:creationId xmlns:a16="http://schemas.microsoft.com/office/drawing/2014/main" id="{4AC52F38-4CC8-8C48-BFE4-D4FD5CB25AEB}"/>
+              </a:ext>
+            </a:extLst>
+          </p:cNvPr>
+          <p:cNvSpPr/>
+          <p:nvPr/>
+        </p:nvSpPr>
+        <p:spPr>
+          <a:xfrm>
+            <a:off x="5913053" y="2202677"/>
+            <a:ext cx="1496240" cy="498667"/>
+          </a:xfrm>
+          <a:prstGeom prst="roundRect">
+            <a:avLst/>
+          </a:prstGeom>
+          <a:noFill/>
+          <a:ln w="12700" cmpd="sng">
             <a:solidFill>
               <a:srgbClr val="000000"/>
             </a:solidFill>
@@ -6028,27 +5700,27 @@
           </a:fontRef>
         </p:style>
         <p:txBody>
-          <a:bodyPr lIns="182880" tIns="0" rIns="182880" bIns="91440" rtlCol="0" anchor="ctr" anchorCtr="1"/>
+          <a:bodyPr lIns="182880" tIns="0" rIns="182880" bIns="91440" rtlCol="0" anchor="t" anchorCtr="0"/>
           <a:lstStyle/>
           <a:p>
             <a:pPr algn="ctr"/>
             <a:r>
-              <a:rPr lang="en-US" sz="2800" dirty="0">
+              <a:rPr lang="en-US" sz="3200" dirty="0">
                 <a:solidFill>
                   <a:schemeClr val="tx1"/>
                 </a:solidFill>
               </a:rPr>
-              <a:t>filter</a:t>
+              <a:t>chunk</a:t>
             </a:r>
           </a:p>
         </p:txBody>
       </p:sp>
       <p:sp>
         <p:nvSpPr>
-          <p:cNvPr id="70" name="Rounded Rectangle 69">
+          <p:cNvPr id="48" name="Oval 47">
             <a:extLst>
               <a:ext uri="{FF2B5EF4-FFF2-40B4-BE49-F238E27FC236}">
-                <a16:creationId xmlns:a16="http://schemas.microsoft.com/office/drawing/2014/main" id="{4AC52F38-4CC8-8C48-BFE4-D4FD5CB25AEB}"/>
+                <a16:creationId xmlns:a16="http://schemas.microsoft.com/office/drawing/2014/main" id="{C4819FDB-F2A8-5D41-A447-7B8F278619ED}"/>
               </a:ext>
             </a:extLst>
           </p:cNvPr>
@@ -6057,19 +5729,20 @@
         </p:nvSpPr>
         <p:spPr>
           <a:xfrm>
-            <a:off x="5933801" y="1913412"/>
-            <a:ext cx="1733982" cy="1062421"/>
+            <a:off x="4685234" y="2378340"/>
+            <a:ext cx="150876" cy="137160"/>
           </a:xfrm>
-          <a:prstGeom prst="roundRect">
+          <a:prstGeom prst="ellipse">
             <a:avLst/>
           </a:prstGeom>
-          <a:noFill/>
-          <a:ln w="19050" cmpd="sng">
+          <a:solidFill>
+            <a:schemeClr val="bg2"/>
+          </a:solidFill>
+          <a:ln w="12700">
             <a:solidFill>
               <a:srgbClr val="000000"/>
             </a:solidFill>
           </a:ln>
-          <a:effectLst/>
         </p:spPr>
         <p:style>
           <a:lnRef idx="1">
@@ -6086,27 +5759,20 @@
           </a:fontRef>
         </p:style>
         <p:txBody>
-          <a:bodyPr lIns="182880" tIns="0" rIns="182880" bIns="91440" rtlCol="0" anchor="t" anchorCtr="0"/>
+          <a:bodyPr rtlCol="0" anchor="ctr"/>
           <a:lstStyle/>
           <a:p>
             <a:pPr algn="ctr"/>
-            <a:r>
-              <a:rPr lang="en-US" sz="3200" dirty="0">
-                <a:solidFill>
-                  <a:schemeClr val="tx1"/>
-                </a:solidFill>
-              </a:rPr>
-              <a:t>chunk</a:t>
-            </a:r>
-          </a:p>
-        </p:txBody>
-      </p:sp>
-      <p:sp>
-        <p:nvSpPr>
-          <p:cNvPr id="71" name="Rounded Rectangle 70">
+            <a:endParaRPr lang="en-US"/>
+          </a:p>
+        </p:txBody>
+      </p:sp>
+      <p:sp>
+        <p:nvSpPr>
+          <p:cNvPr id="49" name="Oval 48">
             <a:extLst>
               <a:ext uri="{FF2B5EF4-FFF2-40B4-BE49-F238E27FC236}">
-                <a16:creationId xmlns:a16="http://schemas.microsoft.com/office/drawing/2014/main" id="{DDED4A63-28CA-204B-A3DC-FAB688086288}"/>
+                <a16:creationId xmlns:a16="http://schemas.microsoft.com/office/drawing/2014/main" id="{EF8E4037-3EEE-854F-A4BA-5357137D330A}"/>
               </a:ext>
             </a:extLst>
           </p:cNvPr>
@@ -6115,19 +5781,20 @@
         </p:nvSpPr>
         <p:spPr>
           <a:xfrm>
-            <a:off x="6007240" y="2444623"/>
-            <a:ext cx="1124163" cy="401935"/>
+            <a:off x="5157839" y="2378229"/>
+            <a:ext cx="150876" cy="137160"/>
           </a:xfrm>
-          <a:prstGeom prst="roundRect">
+          <a:prstGeom prst="ellipse">
             <a:avLst/>
           </a:prstGeom>
-          <a:noFill/>
-          <a:ln w="19050" cmpd="sng">
+          <a:solidFill>
+            <a:schemeClr val="bg2"/>
+          </a:solidFill>
+          <a:ln w="12700">
             <a:solidFill>
               <a:srgbClr val="000000"/>
             </a:solidFill>
           </a:ln>
-          <a:effectLst/>
         </p:spPr>
         <p:style>
           <a:lnRef idx="1">
@@ -6144,21 +5811,108 @@
           </a:fontRef>
         </p:style>
         <p:txBody>
-          <a:bodyPr lIns="182880" tIns="0" rIns="182880" bIns="91440" rtlCol="0" anchor="ctr" anchorCtr="1"/>
+          <a:bodyPr rtlCol="0" anchor="ctr"/>
           <a:lstStyle/>
           <a:p>
             <a:pPr algn="ctr"/>
-            <a:r>
-              <a:rPr lang="en-US" sz="2800" dirty="0">
-                <a:solidFill>
-                  <a:schemeClr val="tx1"/>
-                </a:solidFill>
-              </a:rPr>
-              <a:t>filter</a:t>
-            </a:r>
-          </a:p>
-        </p:txBody>
-      </p:sp>
+            <a:endParaRPr lang="en-US"/>
+          </a:p>
+        </p:txBody>
+      </p:sp>
+      <p:cxnSp>
+        <p:nvCxnSpPr>
+          <p:cNvPr id="50" name="Straight Arrow Connector 49">
+            <a:extLst>
+              <a:ext uri="{FF2B5EF4-FFF2-40B4-BE49-F238E27FC236}">
+                <a16:creationId xmlns:a16="http://schemas.microsoft.com/office/drawing/2014/main" id="{A407AAB8-B780-CC49-9B4E-2E9987769C2B}"/>
+              </a:ext>
+            </a:extLst>
+          </p:cNvPr>
+          <p:cNvCxnSpPr>
+            <a:cxnSpLocks/>
+            <a:endCxn id="70" idx="1"/>
+          </p:cNvCxnSpPr>
+          <p:nvPr/>
+        </p:nvCxnSpPr>
+        <p:spPr>
+          <a:xfrm flipV="1">
+            <a:off x="5415454" y="2452011"/>
+            <a:ext cx="497599" cy="5045"/>
+          </a:xfrm>
+          <a:prstGeom prst="straightConnector1">
+            <a:avLst/>
+          </a:prstGeom>
+          <a:ln w="12700" cmpd="sng">
+            <a:solidFill>
+              <a:srgbClr val="7F7F7F"/>
+            </a:solidFill>
+            <a:headEnd type="none"/>
+            <a:tailEnd type="triangle" w="lg" len="med"/>
+          </a:ln>
+          <a:effectLst/>
+        </p:spPr>
+        <p:style>
+          <a:lnRef idx="2">
+            <a:schemeClr val="accent1"/>
+          </a:lnRef>
+          <a:fillRef idx="0">
+            <a:schemeClr val="accent1"/>
+          </a:fillRef>
+          <a:effectRef idx="1">
+            <a:schemeClr val="accent1"/>
+          </a:effectRef>
+          <a:fontRef idx="minor">
+            <a:schemeClr val="tx1"/>
+          </a:fontRef>
+        </p:style>
+      </p:cxnSp>
+      <p:cxnSp>
+        <p:nvCxnSpPr>
+          <p:cNvPr id="52" name="Straight Arrow Connector 51">
+            <a:extLst>
+              <a:ext uri="{FF2B5EF4-FFF2-40B4-BE49-F238E27FC236}">
+                <a16:creationId xmlns:a16="http://schemas.microsoft.com/office/drawing/2014/main" id="{014D7A82-137D-6241-8F23-CB185525D3F0}"/>
+              </a:ext>
+            </a:extLst>
+          </p:cNvPr>
+          <p:cNvCxnSpPr>
+            <a:cxnSpLocks/>
+            <a:endCxn id="51" idx="1"/>
+          </p:cNvCxnSpPr>
+          <p:nvPr/>
+        </p:nvCxnSpPr>
+        <p:spPr>
+          <a:xfrm>
+            <a:off x="3726846" y="2736274"/>
+            <a:ext cx="445176" cy="595907"/>
+          </a:xfrm>
+          <a:prstGeom prst="straightConnector1">
+            <a:avLst/>
+          </a:prstGeom>
+          <a:ln w="12700" cmpd="sng">
+            <a:solidFill>
+              <a:srgbClr val="7F7F7F"/>
+            </a:solidFill>
+            <a:headEnd type="none"/>
+            <a:tailEnd type="triangle" w="lg" len="med"/>
+          </a:ln>
+          <a:effectLst/>
+        </p:spPr>
+        <p:style>
+          <a:lnRef idx="2">
+            <a:schemeClr val="accent1"/>
+          </a:lnRef>
+          <a:fillRef idx="0">
+            <a:schemeClr val="accent1"/>
+          </a:fillRef>
+          <a:effectRef idx="1">
+            <a:schemeClr val="accent1"/>
+          </a:effectRef>
+          <a:fontRef idx="minor">
+            <a:schemeClr val="tx1"/>
+          </a:fontRef>
+        </p:style>
+      </p:cxnSp>
     </p:spTree>
     <p:extLst>
       <p:ext uri="{BB962C8B-B14F-4D97-AF65-F5344CB8AC3E}">
